--- a/Emergency-Fund-Final-Presentation.pptx
+++ b/Emergency-Fund-Final-Presentation.pptx
@@ -1,6 +1,6 @@
 
 <file path=ppt/presentation.xml><?xml version="1.0" encoding="utf-8"?>
-<p:presentation xmlns:a="http://schemas.openxmlformats.org/drawingml/2006/main" xmlns:r="http://schemas.openxmlformats.org/officeDocument/2006/relationships" xmlns:mc="http://schemas.openxmlformats.org/markup-compatibility/2006" xmlns:mv="urn:schemas-microsoft-com:mac:vml" xmlns:p="http://schemas.openxmlformats.org/presentationml/2006/main" mc:Ignorable="mv" mc:PreserveAttributes="mv:*" saveSubsetFonts="1" autoCompressPictures="0">
+<p:presentation xmlns:a="http://schemas.openxmlformats.org/drawingml/2006/main" xmlns:r="http://schemas.openxmlformats.org/officeDocument/2006/relationships" xmlns:p="http://schemas.openxmlformats.org/presentationml/2006/main" saveSubsetFonts="1" autoCompressPictures="0">
   <p:sldMasterIdLst>
     <p:sldMasterId id="2147483676" r:id="rId1"/>
   </p:sldMasterIdLst>
@@ -15,35 +15,38 @@
     <p:sldId id="260" r:id="rId9"/>
     <p:sldId id="261" r:id="rId10"/>
     <p:sldId id="262" r:id="rId11"/>
-    <p:sldId id="264" r:id="rId12"/>
-    <p:sldId id="266" r:id="rId13"/>
-    <p:sldId id="265" r:id="rId14"/>
-    <p:sldId id="267" r:id="rId15"/>
-    <p:sldId id="268" r:id="rId16"/>
-    <p:sldId id="269" r:id="rId17"/>
-    <p:sldId id="270" r:id="rId18"/>
+    <p:sldId id="311" r:id="rId12"/>
+    <p:sldId id="264" r:id="rId13"/>
+    <p:sldId id="266" r:id="rId14"/>
+    <p:sldId id="265" r:id="rId15"/>
+    <p:sldId id="267" r:id="rId16"/>
+    <p:sldId id="268" r:id="rId17"/>
+    <p:sldId id="269" r:id="rId18"/>
     <p:sldId id="271" r:id="rId19"/>
     <p:sldId id="308" r:id="rId20"/>
-    <p:sldId id="300" r:id="rId21"/>
-    <p:sldId id="301" r:id="rId22"/>
-    <p:sldId id="274" r:id="rId23"/>
-    <p:sldId id="291" r:id="rId24"/>
-    <p:sldId id="302" r:id="rId25"/>
-    <p:sldId id="303" r:id="rId26"/>
-    <p:sldId id="304" r:id="rId27"/>
-    <p:sldId id="305" r:id="rId28"/>
-    <p:sldId id="306" r:id="rId29"/>
-    <p:sldId id="307" r:id="rId30"/>
-    <p:sldId id="296" r:id="rId31"/>
-    <p:sldId id="283" r:id="rId32"/>
-    <p:sldId id="284" r:id="rId33"/>
-    <p:sldId id="285" r:id="rId34"/>
-    <p:sldId id="286" r:id="rId35"/>
-    <p:sldId id="287" r:id="rId36"/>
-    <p:sldId id="288" r:id="rId37"/>
-    <p:sldId id="289" r:id="rId38"/>
-    <p:sldId id="298" r:id="rId39"/>
-    <p:sldId id="297" r:id="rId40"/>
+    <p:sldId id="314" r:id="rId21"/>
+    <p:sldId id="270" r:id="rId22"/>
+    <p:sldId id="300" r:id="rId23"/>
+    <p:sldId id="312" r:id="rId24"/>
+    <p:sldId id="301" r:id="rId25"/>
+    <p:sldId id="274" r:id="rId26"/>
+    <p:sldId id="291" r:id="rId27"/>
+    <p:sldId id="302" r:id="rId28"/>
+    <p:sldId id="303" r:id="rId29"/>
+    <p:sldId id="304" r:id="rId30"/>
+    <p:sldId id="305" r:id="rId31"/>
+    <p:sldId id="306" r:id="rId32"/>
+    <p:sldId id="307" r:id="rId33"/>
+    <p:sldId id="296" r:id="rId34"/>
+    <p:sldId id="283" r:id="rId35"/>
+    <p:sldId id="284" r:id="rId36"/>
+    <p:sldId id="285" r:id="rId37"/>
+    <p:sldId id="286" r:id="rId38"/>
+    <p:sldId id="287" r:id="rId39"/>
+    <p:sldId id="288" r:id="rId40"/>
+    <p:sldId id="289" r:id="rId41"/>
+    <p:sldId id="298" r:id="rId42"/>
+    <p:sldId id="297" r:id="rId43"/>
   </p:sldIdLst>
   <p:sldSz cx="9144000" cy="6858000" type="screen4x3"/>
   <p:notesSz cx="6858000" cy="9144000"/>
@@ -918,6 +921,753 @@
   <dgm:styleLbl name="fgShp">
     <dgm:fillClrLst meth="repeat">
       <a:schemeClr val="dk1">
+        <a:tint val="60000"/>
+      </a:schemeClr>
+    </dgm:fillClrLst>
+    <dgm:linClrLst meth="repeat">
+      <a:schemeClr val="lt1"/>
+    </dgm:linClrLst>
+    <dgm:effectClrLst/>
+    <dgm:txLinClrLst/>
+    <dgm:txFillClrLst meth="repeat">
+      <a:schemeClr val="dk1"/>
+    </dgm:txFillClrLst>
+    <dgm:txEffectClrLst/>
+  </dgm:styleLbl>
+  <dgm:styleLbl name="revTx">
+    <dgm:fillClrLst meth="repeat">
+      <a:schemeClr val="lt1">
+        <a:alpha val="0"/>
+      </a:schemeClr>
+    </dgm:fillClrLst>
+    <dgm:linClrLst meth="repeat">
+      <a:schemeClr val="dk1">
+        <a:alpha val="0"/>
+      </a:schemeClr>
+    </dgm:linClrLst>
+    <dgm:effectClrLst/>
+    <dgm:txLinClrLst/>
+    <dgm:txFillClrLst meth="repeat">
+      <a:schemeClr val="tx1"/>
+    </dgm:txFillClrLst>
+    <dgm:txEffectClrLst/>
+  </dgm:styleLbl>
+</dgm:colorsDef>
+</file>
+
+<file path=ppt/diagrams/colors2.xml><?xml version="1.0" encoding="utf-8"?>
+<dgm:colorsDef xmlns:dgm="http://schemas.openxmlformats.org/drawingml/2006/diagram" xmlns:a="http://schemas.openxmlformats.org/drawingml/2006/main" uniqueId="urn:microsoft.com/office/officeart/2005/8/colors/accent1_2">
+  <dgm:title val=""/>
+  <dgm:desc val=""/>
+  <dgm:catLst>
+    <dgm:cat type="accent1" pri="11200"/>
+  </dgm:catLst>
+  <dgm:styleLbl name="node0">
+    <dgm:fillClrLst meth="repeat">
+      <a:schemeClr val="accent1"/>
+    </dgm:fillClrLst>
+    <dgm:linClrLst meth="repeat">
+      <a:schemeClr val="lt1"/>
+    </dgm:linClrLst>
+    <dgm:effectClrLst/>
+    <dgm:txLinClrLst/>
+    <dgm:txFillClrLst/>
+    <dgm:txEffectClrLst/>
+  </dgm:styleLbl>
+  <dgm:styleLbl name="alignNode1">
+    <dgm:fillClrLst meth="repeat">
+      <a:schemeClr val="accent1"/>
+    </dgm:fillClrLst>
+    <dgm:linClrLst meth="repeat">
+      <a:schemeClr val="accent1"/>
+    </dgm:linClrLst>
+    <dgm:effectClrLst/>
+    <dgm:txLinClrLst/>
+    <dgm:txFillClrLst/>
+    <dgm:txEffectClrLst/>
+  </dgm:styleLbl>
+  <dgm:styleLbl name="node1">
+    <dgm:fillClrLst meth="repeat">
+      <a:schemeClr val="accent1"/>
+    </dgm:fillClrLst>
+    <dgm:linClrLst meth="repeat">
+      <a:schemeClr val="lt1"/>
+    </dgm:linClrLst>
+    <dgm:effectClrLst/>
+    <dgm:txLinClrLst/>
+    <dgm:txFillClrLst/>
+    <dgm:txEffectClrLst/>
+  </dgm:styleLbl>
+  <dgm:styleLbl name="lnNode1">
+    <dgm:fillClrLst meth="repeat">
+      <a:schemeClr val="accent1"/>
+    </dgm:fillClrLst>
+    <dgm:linClrLst meth="repeat">
+      <a:schemeClr val="lt1"/>
+    </dgm:linClrLst>
+    <dgm:effectClrLst/>
+    <dgm:txLinClrLst/>
+    <dgm:txFillClrLst/>
+    <dgm:txEffectClrLst/>
+  </dgm:styleLbl>
+  <dgm:styleLbl name="vennNode1">
+    <dgm:fillClrLst meth="repeat">
+      <a:schemeClr val="accent1">
+        <a:alpha val="50000"/>
+      </a:schemeClr>
+    </dgm:fillClrLst>
+    <dgm:linClrLst meth="repeat">
+      <a:schemeClr val="lt1"/>
+    </dgm:linClrLst>
+    <dgm:effectClrLst/>
+    <dgm:txLinClrLst/>
+    <dgm:txFillClrLst/>
+    <dgm:txEffectClrLst/>
+  </dgm:styleLbl>
+  <dgm:styleLbl name="node2">
+    <dgm:fillClrLst meth="repeat">
+      <a:schemeClr val="accent1"/>
+    </dgm:fillClrLst>
+    <dgm:linClrLst meth="repeat">
+      <a:schemeClr val="lt1"/>
+    </dgm:linClrLst>
+    <dgm:effectClrLst/>
+    <dgm:txLinClrLst/>
+    <dgm:txFillClrLst/>
+    <dgm:txEffectClrLst/>
+  </dgm:styleLbl>
+  <dgm:styleLbl name="node3">
+    <dgm:fillClrLst meth="repeat">
+      <a:schemeClr val="accent1"/>
+    </dgm:fillClrLst>
+    <dgm:linClrLst meth="repeat">
+      <a:schemeClr val="lt1"/>
+    </dgm:linClrLst>
+    <dgm:effectClrLst/>
+    <dgm:txLinClrLst/>
+    <dgm:txFillClrLst/>
+    <dgm:txEffectClrLst/>
+  </dgm:styleLbl>
+  <dgm:styleLbl name="node4">
+    <dgm:fillClrLst meth="repeat">
+      <a:schemeClr val="accent1"/>
+    </dgm:fillClrLst>
+    <dgm:linClrLst meth="repeat">
+      <a:schemeClr val="lt1"/>
+    </dgm:linClrLst>
+    <dgm:effectClrLst/>
+    <dgm:txLinClrLst/>
+    <dgm:txFillClrLst/>
+    <dgm:txEffectClrLst/>
+  </dgm:styleLbl>
+  <dgm:styleLbl name="fgImgPlace1">
+    <dgm:fillClrLst meth="repeat">
+      <a:schemeClr val="accent1">
+        <a:tint val="50000"/>
+      </a:schemeClr>
+    </dgm:fillClrLst>
+    <dgm:linClrLst meth="repeat">
+      <a:schemeClr val="lt1"/>
+    </dgm:linClrLst>
+    <dgm:effectClrLst/>
+    <dgm:txLinClrLst/>
+    <dgm:txFillClrLst meth="repeat">
+      <a:schemeClr val="lt1"/>
+    </dgm:txFillClrLst>
+    <dgm:txEffectClrLst/>
+  </dgm:styleLbl>
+  <dgm:styleLbl name="alignImgPlace1">
+    <dgm:fillClrLst meth="repeat">
+      <a:schemeClr val="accent1">
+        <a:tint val="50000"/>
+      </a:schemeClr>
+    </dgm:fillClrLst>
+    <dgm:linClrLst meth="repeat">
+      <a:schemeClr val="lt1"/>
+    </dgm:linClrLst>
+    <dgm:effectClrLst/>
+    <dgm:txLinClrLst/>
+    <dgm:txFillClrLst meth="repeat">
+      <a:schemeClr val="lt1"/>
+    </dgm:txFillClrLst>
+    <dgm:txEffectClrLst/>
+  </dgm:styleLbl>
+  <dgm:styleLbl name="bgImgPlace1">
+    <dgm:fillClrLst meth="repeat">
+      <a:schemeClr val="accent1">
+        <a:tint val="50000"/>
+      </a:schemeClr>
+    </dgm:fillClrLst>
+    <dgm:linClrLst meth="repeat">
+      <a:schemeClr val="lt1"/>
+    </dgm:linClrLst>
+    <dgm:effectClrLst/>
+    <dgm:txLinClrLst/>
+    <dgm:txFillClrLst meth="repeat">
+      <a:schemeClr val="lt1"/>
+    </dgm:txFillClrLst>
+    <dgm:txEffectClrLst/>
+  </dgm:styleLbl>
+  <dgm:styleLbl name="sibTrans2D1">
+    <dgm:fillClrLst meth="repeat">
+      <a:schemeClr val="accent1">
+        <a:tint val="60000"/>
+      </a:schemeClr>
+    </dgm:fillClrLst>
+    <dgm:linClrLst meth="repeat">
+      <a:schemeClr val="accent1">
+        <a:tint val="60000"/>
+      </a:schemeClr>
+    </dgm:linClrLst>
+    <dgm:effectClrLst/>
+    <dgm:txLinClrLst/>
+    <dgm:txFillClrLst/>
+    <dgm:txEffectClrLst/>
+  </dgm:styleLbl>
+  <dgm:styleLbl name="fgSibTrans2D1">
+    <dgm:fillClrLst meth="repeat">
+      <a:schemeClr val="accent1">
+        <a:tint val="60000"/>
+      </a:schemeClr>
+    </dgm:fillClrLst>
+    <dgm:linClrLst meth="repeat">
+      <a:schemeClr val="accent1">
+        <a:tint val="60000"/>
+      </a:schemeClr>
+    </dgm:linClrLst>
+    <dgm:effectClrLst/>
+    <dgm:txLinClrLst/>
+    <dgm:txFillClrLst/>
+    <dgm:txEffectClrLst/>
+  </dgm:styleLbl>
+  <dgm:styleLbl name="bgSibTrans2D1">
+    <dgm:fillClrLst meth="repeat">
+      <a:schemeClr val="accent1">
+        <a:tint val="60000"/>
+      </a:schemeClr>
+    </dgm:fillClrLst>
+    <dgm:linClrLst meth="repeat">
+      <a:schemeClr val="accent1">
+        <a:tint val="60000"/>
+      </a:schemeClr>
+    </dgm:linClrLst>
+    <dgm:effectClrLst/>
+    <dgm:txLinClrLst/>
+    <dgm:txFillClrLst/>
+    <dgm:txEffectClrLst/>
+  </dgm:styleLbl>
+  <dgm:styleLbl name="sibTrans1D1">
+    <dgm:fillClrLst meth="repeat">
+      <a:schemeClr val="accent1"/>
+    </dgm:fillClrLst>
+    <dgm:linClrLst meth="repeat">
+      <a:schemeClr val="accent1"/>
+    </dgm:linClrLst>
+    <dgm:effectClrLst/>
+    <dgm:txLinClrLst/>
+    <dgm:txFillClrLst meth="repeat">
+      <a:schemeClr val="tx1"/>
+    </dgm:txFillClrLst>
+    <dgm:txEffectClrLst/>
+  </dgm:styleLbl>
+  <dgm:styleLbl name="callout">
+    <dgm:fillClrLst meth="repeat">
+      <a:schemeClr val="accent1"/>
+    </dgm:fillClrLst>
+    <dgm:linClrLst meth="repeat">
+      <a:schemeClr val="accent1">
+        <a:tint val="50000"/>
+      </a:schemeClr>
+    </dgm:linClrLst>
+    <dgm:effectClrLst/>
+    <dgm:txLinClrLst/>
+    <dgm:txFillClrLst meth="repeat">
+      <a:schemeClr val="tx1"/>
+    </dgm:txFillClrLst>
+    <dgm:txEffectClrLst/>
+  </dgm:styleLbl>
+  <dgm:styleLbl name="asst0">
+    <dgm:fillClrLst meth="repeat">
+      <a:schemeClr val="accent1"/>
+    </dgm:fillClrLst>
+    <dgm:linClrLst meth="repeat">
+      <a:schemeClr val="lt1"/>
+    </dgm:linClrLst>
+    <dgm:effectClrLst/>
+    <dgm:txLinClrLst/>
+    <dgm:txFillClrLst/>
+    <dgm:txEffectClrLst/>
+  </dgm:styleLbl>
+  <dgm:styleLbl name="asst1">
+    <dgm:fillClrLst meth="repeat">
+      <a:schemeClr val="accent1"/>
+    </dgm:fillClrLst>
+    <dgm:linClrLst meth="repeat">
+      <a:schemeClr val="lt1"/>
+    </dgm:linClrLst>
+    <dgm:effectClrLst/>
+    <dgm:txLinClrLst/>
+    <dgm:txFillClrLst/>
+    <dgm:txEffectClrLst/>
+  </dgm:styleLbl>
+  <dgm:styleLbl name="asst2">
+    <dgm:fillClrLst meth="repeat">
+      <a:schemeClr val="accent1"/>
+    </dgm:fillClrLst>
+    <dgm:linClrLst meth="repeat">
+      <a:schemeClr val="lt1"/>
+    </dgm:linClrLst>
+    <dgm:effectClrLst/>
+    <dgm:txLinClrLst/>
+    <dgm:txFillClrLst/>
+    <dgm:txEffectClrLst/>
+  </dgm:styleLbl>
+  <dgm:styleLbl name="asst3">
+    <dgm:fillClrLst meth="repeat">
+      <a:schemeClr val="accent1"/>
+    </dgm:fillClrLst>
+    <dgm:linClrLst meth="repeat">
+      <a:schemeClr val="lt1"/>
+    </dgm:linClrLst>
+    <dgm:effectClrLst/>
+    <dgm:txLinClrLst/>
+    <dgm:txFillClrLst/>
+    <dgm:txEffectClrLst/>
+  </dgm:styleLbl>
+  <dgm:styleLbl name="asst4">
+    <dgm:fillClrLst meth="repeat">
+      <a:schemeClr val="accent1"/>
+    </dgm:fillClrLst>
+    <dgm:linClrLst meth="repeat">
+      <a:schemeClr val="lt1"/>
+    </dgm:linClrLst>
+    <dgm:effectClrLst/>
+    <dgm:txLinClrLst/>
+    <dgm:txFillClrLst/>
+    <dgm:txEffectClrLst/>
+  </dgm:styleLbl>
+  <dgm:styleLbl name="parChTrans2D1">
+    <dgm:fillClrLst meth="repeat">
+      <a:schemeClr val="accent1">
+        <a:tint val="60000"/>
+      </a:schemeClr>
+    </dgm:fillClrLst>
+    <dgm:linClrLst meth="repeat">
+      <a:schemeClr val="accent1">
+        <a:tint val="60000"/>
+      </a:schemeClr>
+    </dgm:linClrLst>
+    <dgm:effectClrLst/>
+    <dgm:txLinClrLst/>
+    <dgm:txFillClrLst meth="repeat">
+      <a:schemeClr val="lt1"/>
+    </dgm:txFillClrLst>
+    <dgm:txEffectClrLst/>
+  </dgm:styleLbl>
+  <dgm:styleLbl name="parChTrans2D2">
+    <dgm:fillClrLst meth="repeat">
+      <a:schemeClr val="accent1"/>
+    </dgm:fillClrLst>
+    <dgm:linClrLst meth="repeat">
+      <a:schemeClr val="accent1"/>
+    </dgm:linClrLst>
+    <dgm:effectClrLst/>
+    <dgm:txLinClrLst/>
+    <dgm:txFillClrLst meth="repeat">
+      <a:schemeClr val="lt1"/>
+    </dgm:txFillClrLst>
+    <dgm:txEffectClrLst/>
+  </dgm:styleLbl>
+  <dgm:styleLbl name="parChTrans2D3">
+    <dgm:fillClrLst meth="repeat">
+      <a:schemeClr val="accent1"/>
+    </dgm:fillClrLst>
+    <dgm:linClrLst meth="repeat">
+      <a:schemeClr val="accent1"/>
+    </dgm:linClrLst>
+    <dgm:effectClrLst/>
+    <dgm:txLinClrLst/>
+    <dgm:txFillClrLst meth="repeat">
+      <a:schemeClr val="lt1"/>
+    </dgm:txFillClrLst>
+    <dgm:txEffectClrLst/>
+  </dgm:styleLbl>
+  <dgm:styleLbl name="parChTrans2D4">
+    <dgm:fillClrLst meth="repeat">
+      <a:schemeClr val="accent1"/>
+    </dgm:fillClrLst>
+    <dgm:linClrLst meth="repeat">
+      <a:schemeClr val="accent1"/>
+    </dgm:linClrLst>
+    <dgm:effectClrLst/>
+    <dgm:txLinClrLst/>
+    <dgm:txFillClrLst meth="repeat">
+      <a:schemeClr val="lt1"/>
+    </dgm:txFillClrLst>
+    <dgm:txEffectClrLst/>
+  </dgm:styleLbl>
+  <dgm:styleLbl name="parChTrans1D1">
+    <dgm:fillClrLst meth="repeat">
+      <a:schemeClr val="accent1"/>
+    </dgm:fillClrLst>
+    <dgm:linClrLst meth="repeat">
+      <a:schemeClr val="accent1">
+        <a:shade val="60000"/>
+      </a:schemeClr>
+    </dgm:linClrLst>
+    <dgm:effectClrLst/>
+    <dgm:txLinClrLst/>
+    <dgm:txFillClrLst meth="repeat">
+      <a:schemeClr val="tx1"/>
+    </dgm:txFillClrLst>
+    <dgm:txEffectClrLst/>
+  </dgm:styleLbl>
+  <dgm:styleLbl name="parChTrans1D2">
+    <dgm:fillClrLst meth="repeat">
+      <a:schemeClr val="accent1"/>
+    </dgm:fillClrLst>
+    <dgm:linClrLst meth="repeat">
+      <a:schemeClr val="accent1">
+        <a:shade val="60000"/>
+      </a:schemeClr>
+    </dgm:linClrLst>
+    <dgm:effectClrLst/>
+    <dgm:txLinClrLst/>
+    <dgm:txFillClrLst meth="repeat">
+      <a:schemeClr val="tx1"/>
+    </dgm:txFillClrLst>
+    <dgm:txEffectClrLst/>
+  </dgm:styleLbl>
+  <dgm:styleLbl name="parChTrans1D3">
+    <dgm:fillClrLst meth="repeat">
+      <a:schemeClr val="accent1"/>
+    </dgm:fillClrLst>
+    <dgm:linClrLst meth="repeat">
+      <a:schemeClr val="accent1">
+        <a:shade val="80000"/>
+      </a:schemeClr>
+    </dgm:linClrLst>
+    <dgm:effectClrLst/>
+    <dgm:txLinClrLst/>
+    <dgm:txFillClrLst meth="repeat">
+      <a:schemeClr val="tx1"/>
+    </dgm:txFillClrLst>
+    <dgm:txEffectClrLst/>
+  </dgm:styleLbl>
+  <dgm:styleLbl name="parChTrans1D4">
+    <dgm:fillClrLst meth="repeat">
+      <a:schemeClr val="accent1"/>
+    </dgm:fillClrLst>
+    <dgm:linClrLst meth="repeat">
+      <a:schemeClr val="accent1">
+        <a:shade val="80000"/>
+      </a:schemeClr>
+    </dgm:linClrLst>
+    <dgm:effectClrLst/>
+    <dgm:txLinClrLst/>
+    <dgm:txFillClrLst meth="repeat">
+      <a:schemeClr val="tx1"/>
+    </dgm:txFillClrLst>
+    <dgm:txEffectClrLst/>
+  </dgm:styleLbl>
+  <dgm:styleLbl name="fgAcc1">
+    <dgm:fillClrLst meth="repeat">
+      <a:schemeClr val="lt1">
+        <a:alpha val="90000"/>
+      </a:schemeClr>
+    </dgm:fillClrLst>
+    <dgm:linClrLst meth="repeat">
+      <a:schemeClr val="accent1"/>
+    </dgm:linClrLst>
+    <dgm:effectClrLst/>
+    <dgm:txLinClrLst/>
+    <dgm:txFillClrLst meth="repeat">
+      <a:schemeClr val="dk1"/>
+    </dgm:txFillClrLst>
+    <dgm:txEffectClrLst/>
+  </dgm:styleLbl>
+  <dgm:styleLbl name="conFgAcc1">
+    <dgm:fillClrLst meth="repeat">
+      <a:schemeClr val="lt1">
+        <a:alpha val="90000"/>
+      </a:schemeClr>
+    </dgm:fillClrLst>
+    <dgm:linClrLst meth="repeat">
+      <a:schemeClr val="accent1"/>
+    </dgm:linClrLst>
+    <dgm:effectClrLst/>
+    <dgm:txLinClrLst/>
+    <dgm:txFillClrLst meth="repeat">
+      <a:schemeClr val="dk1"/>
+    </dgm:txFillClrLst>
+    <dgm:txEffectClrLst/>
+  </dgm:styleLbl>
+  <dgm:styleLbl name="alignAcc1">
+    <dgm:fillClrLst meth="repeat">
+      <a:schemeClr val="lt1">
+        <a:alpha val="90000"/>
+      </a:schemeClr>
+    </dgm:fillClrLst>
+    <dgm:linClrLst meth="repeat">
+      <a:schemeClr val="accent1"/>
+    </dgm:linClrLst>
+    <dgm:effectClrLst/>
+    <dgm:txLinClrLst/>
+    <dgm:txFillClrLst meth="repeat">
+      <a:schemeClr val="dk1"/>
+    </dgm:txFillClrLst>
+    <dgm:txEffectClrLst/>
+  </dgm:styleLbl>
+  <dgm:styleLbl name="trAlignAcc1">
+    <dgm:fillClrLst meth="repeat">
+      <a:schemeClr val="lt1">
+        <a:alpha val="40000"/>
+      </a:schemeClr>
+    </dgm:fillClrLst>
+    <dgm:linClrLst meth="repeat">
+      <a:schemeClr val="accent1"/>
+    </dgm:linClrLst>
+    <dgm:effectClrLst/>
+    <dgm:txLinClrLst/>
+    <dgm:txFillClrLst meth="repeat">
+      <a:schemeClr val="dk1"/>
+    </dgm:txFillClrLst>
+    <dgm:txEffectClrLst/>
+  </dgm:styleLbl>
+  <dgm:styleLbl name="bgAcc1">
+    <dgm:fillClrLst meth="repeat">
+      <a:schemeClr val="lt1">
+        <a:alpha val="90000"/>
+      </a:schemeClr>
+    </dgm:fillClrLst>
+    <dgm:linClrLst meth="repeat">
+      <a:schemeClr val="accent1"/>
+    </dgm:linClrLst>
+    <dgm:effectClrLst/>
+    <dgm:txLinClrLst/>
+    <dgm:txFillClrLst meth="repeat">
+      <a:schemeClr val="dk1"/>
+    </dgm:txFillClrLst>
+    <dgm:txEffectClrLst/>
+  </dgm:styleLbl>
+  <dgm:styleLbl name="solidFgAcc1">
+    <dgm:fillClrLst meth="repeat">
+      <a:schemeClr val="lt1"/>
+    </dgm:fillClrLst>
+    <dgm:linClrLst meth="repeat">
+      <a:schemeClr val="accent1"/>
+    </dgm:linClrLst>
+    <dgm:effectClrLst/>
+    <dgm:txLinClrLst/>
+    <dgm:txFillClrLst meth="repeat">
+      <a:schemeClr val="dk1"/>
+    </dgm:txFillClrLst>
+    <dgm:txEffectClrLst/>
+  </dgm:styleLbl>
+  <dgm:styleLbl name="solidAlignAcc1">
+    <dgm:fillClrLst meth="repeat">
+      <a:schemeClr val="lt1"/>
+    </dgm:fillClrLst>
+    <dgm:linClrLst meth="repeat">
+      <a:schemeClr val="accent1"/>
+    </dgm:linClrLst>
+    <dgm:effectClrLst/>
+    <dgm:txLinClrLst/>
+    <dgm:txFillClrLst meth="repeat">
+      <a:schemeClr val="dk1"/>
+    </dgm:txFillClrLst>
+    <dgm:txEffectClrLst/>
+  </dgm:styleLbl>
+  <dgm:styleLbl name="solidBgAcc1">
+    <dgm:fillClrLst meth="repeat">
+      <a:schemeClr val="lt1"/>
+    </dgm:fillClrLst>
+    <dgm:linClrLst meth="repeat">
+      <a:schemeClr val="accent1"/>
+    </dgm:linClrLst>
+    <dgm:effectClrLst/>
+    <dgm:txLinClrLst/>
+    <dgm:txFillClrLst meth="repeat">
+      <a:schemeClr val="dk1"/>
+    </dgm:txFillClrLst>
+    <dgm:txEffectClrLst/>
+  </dgm:styleLbl>
+  <dgm:styleLbl name="fgAccFollowNode1">
+    <dgm:fillClrLst meth="repeat">
+      <a:schemeClr val="accent1">
+        <a:alpha val="90000"/>
+        <a:tint val="40000"/>
+      </a:schemeClr>
+    </dgm:fillClrLst>
+    <dgm:linClrLst meth="repeat">
+      <a:schemeClr val="accent1">
+        <a:alpha val="90000"/>
+        <a:tint val="40000"/>
+      </a:schemeClr>
+    </dgm:linClrLst>
+    <dgm:effectClrLst/>
+    <dgm:txLinClrLst/>
+    <dgm:txFillClrLst meth="repeat">
+      <a:schemeClr val="dk1"/>
+    </dgm:txFillClrLst>
+    <dgm:txEffectClrLst/>
+  </dgm:styleLbl>
+  <dgm:styleLbl name="alignAccFollowNode1">
+    <dgm:fillClrLst meth="repeat">
+      <a:schemeClr val="accent1">
+        <a:alpha val="90000"/>
+        <a:tint val="40000"/>
+      </a:schemeClr>
+    </dgm:fillClrLst>
+    <dgm:linClrLst meth="repeat">
+      <a:schemeClr val="accent1">
+        <a:alpha val="90000"/>
+        <a:tint val="40000"/>
+      </a:schemeClr>
+    </dgm:linClrLst>
+    <dgm:effectClrLst/>
+    <dgm:txLinClrLst/>
+    <dgm:txFillClrLst meth="repeat">
+      <a:schemeClr val="dk1"/>
+    </dgm:txFillClrLst>
+    <dgm:txEffectClrLst/>
+  </dgm:styleLbl>
+  <dgm:styleLbl name="bgAccFollowNode1">
+    <dgm:fillClrLst meth="repeat">
+      <a:schemeClr val="accent1">
+        <a:alpha val="90000"/>
+        <a:tint val="40000"/>
+      </a:schemeClr>
+    </dgm:fillClrLst>
+    <dgm:linClrLst meth="repeat">
+      <a:schemeClr val="accent1">
+        <a:alpha val="90000"/>
+        <a:tint val="40000"/>
+      </a:schemeClr>
+    </dgm:linClrLst>
+    <dgm:effectClrLst/>
+    <dgm:txLinClrLst/>
+    <dgm:txFillClrLst meth="repeat">
+      <a:schemeClr val="dk1"/>
+    </dgm:txFillClrLst>
+    <dgm:txEffectClrLst/>
+  </dgm:styleLbl>
+  <dgm:styleLbl name="fgAcc0">
+    <dgm:fillClrLst meth="repeat">
+      <a:schemeClr val="lt1">
+        <a:alpha val="90000"/>
+      </a:schemeClr>
+    </dgm:fillClrLst>
+    <dgm:linClrLst meth="repeat">
+      <a:schemeClr val="accent1"/>
+    </dgm:linClrLst>
+    <dgm:effectClrLst/>
+    <dgm:txLinClrLst/>
+    <dgm:txFillClrLst meth="repeat">
+      <a:schemeClr val="dk1"/>
+    </dgm:txFillClrLst>
+    <dgm:txEffectClrLst/>
+  </dgm:styleLbl>
+  <dgm:styleLbl name="fgAcc2">
+    <dgm:fillClrLst meth="repeat">
+      <a:schemeClr val="lt1">
+        <a:alpha val="90000"/>
+      </a:schemeClr>
+    </dgm:fillClrLst>
+    <dgm:linClrLst meth="repeat">
+      <a:schemeClr val="accent1"/>
+    </dgm:linClrLst>
+    <dgm:effectClrLst/>
+    <dgm:txLinClrLst/>
+    <dgm:txFillClrLst meth="repeat">
+      <a:schemeClr val="dk1"/>
+    </dgm:txFillClrLst>
+    <dgm:txEffectClrLst/>
+  </dgm:styleLbl>
+  <dgm:styleLbl name="fgAcc3">
+    <dgm:fillClrLst meth="repeat">
+      <a:schemeClr val="lt1">
+        <a:alpha val="90000"/>
+      </a:schemeClr>
+    </dgm:fillClrLst>
+    <dgm:linClrLst meth="repeat">
+      <a:schemeClr val="accent1"/>
+    </dgm:linClrLst>
+    <dgm:effectClrLst/>
+    <dgm:txLinClrLst/>
+    <dgm:txFillClrLst meth="repeat">
+      <a:schemeClr val="dk1"/>
+    </dgm:txFillClrLst>
+    <dgm:txEffectClrLst/>
+  </dgm:styleLbl>
+  <dgm:styleLbl name="fgAcc4">
+    <dgm:fillClrLst meth="repeat">
+      <a:schemeClr val="lt1">
+        <a:alpha val="90000"/>
+      </a:schemeClr>
+    </dgm:fillClrLst>
+    <dgm:linClrLst meth="repeat">
+      <a:schemeClr val="accent1"/>
+    </dgm:linClrLst>
+    <dgm:effectClrLst/>
+    <dgm:txLinClrLst/>
+    <dgm:txFillClrLst meth="repeat">
+      <a:schemeClr val="dk1"/>
+    </dgm:txFillClrLst>
+    <dgm:txEffectClrLst/>
+  </dgm:styleLbl>
+  <dgm:styleLbl name="bgShp">
+    <dgm:fillClrLst meth="repeat">
+      <a:schemeClr val="accent1">
+        <a:tint val="40000"/>
+      </a:schemeClr>
+    </dgm:fillClrLst>
+    <dgm:linClrLst meth="repeat">
+      <a:schemeClr val="accent1"/>
+    </dgm:linClrLst>
+    <dgm:effectClrLst/>
+    <dgm:txLinClrLst/>
+    <dgm:txFillClrLst meth="repeat">
+      <a:schemeClr val="dk1"/>
+    </dgm:txFillClrLst>
+    <dgm:txEffectClrLst/>
+  </dgm:styleLbl>
+  <dgm:styleLbl name="dkBgShp">
+    <dgm:fillClrLst meth="repeat">
+      <a:schemeClr val="accent1">
+        <a:shade val="80000"/>
+      </a:schemeClr>
+    </dgm:fillClrLst>
+    <dgm:linClrLst meth="repeat">
+      <a:schemeClr val="accent1"/>
+    </dgm:linClrLst>
+    <dgm:effectClrLst/>
+    <dgm:txLinClrLst/>
+    <dgm:txFillClrLst meth="repeat">
+      <a:schemeClr val="lt1"/>
+    </dgm:txFillClrLst>
+    <dgm:txEffectClrLst/>
+  </dgm:styleLbl>
+  <dgm:styleLbl name="trBgShp">
+    <dgm:fillClrLst meth="repeat">
+      <a:schemeClr val="accent1">
+        <a:tint val="50000"/>
+        <a:alpha val="40000"/>
+      </a:schemeClr>
+    </dgm:fillClrLst>
+    <dgm:linClrLst meth="repeat">
+      <a:schemeClr val="accent1"/>
+    </dgm:linClrLst>
+    <dgm:effectClrLst/>
+    <dgm:txLinClrLst/>
+    <dgm:txFillClrLst meth="repeat">
+      <a:schemeClr val="lt1"/>
+    </dgm:txFillClrLst>
+    <dgm:txEffectClrLst/>
+  </dgm:styleLbl>
+  <dgm:styleLbl name="fgShp">
+    <dgm:fillClrLst meth="repeat">
+      <a:schemeClr val="accent1">
         <a:tint val="60000"/>
       </a:schemeClr>
     </dgm:fillClrLst>
@@ -1495,29 +2245,29 @@
     </dgm:pt>
   </dgm:ptLst>
   <dgm:cxnLst>
+    <dgm:cxn modelId="{76F918BE-BDD0-EA4F-A6B0-4E0C523B057A}" srcId="{8BC30BDA-2E14-3645-8A79-C7437B1615FE}" destId="{F8FC836B-1615-1B4A-B812-4CE36F0CCFF4}" srcOrd="0" destOrd="0" parTransId="{66EB0E58-F6A0-A64F-B802-00BDC026AC82}" sibTransId="{17968143-F524-6443-BA92-9CCFB6DB9AC9}"/>
+    <dgm:cxn modelId="{B63EFCB6-69BC-1D40-9BBA-8E3785D2DE60}" type="presOf" srcId="{F8FC836B-1615-1B4A-B812-4CE36F0CCFF4}" destId="{851B720D-E4CB-FB42-95AA-6AA481D35B94}" srcOrd="0" destOrd="1" presId="urn:microsoft.com/office/officeart/2005/8/layout/hList6"/>
     <dgm:cxn modelId="{3C6BA06A-4AFC-A84F-9DDE-67E343B971C8}" srcId="{1012DD2F-0B53-AD4E-B26A-851A5FF0EB69}" destId="{F74E3ECE-D1A2-E74D-AC61-2DA722E3ABE7}" srcOrd="0" destOrd="0" parTransId="{8BE446D9-D90B-CE4C-B7D3-97340B7016CD}" sibTransId="{2F292714-0421-D749-82B8-812079A99CC6}"/>
+    <dgm:cxn modelId="{D750197C-8F5F-A34D-997C-C2704B34E089}" type="presOf" srcId="{4619476D-8640-2642-BE15-16EC0D8D7E58}" destId="{7F5FE98D-53B3-7442-8A50-6D54FE10A7E5}" srcOrd="0" destOrd="0" presId="urn:microsoft.com/office/officeart/2005/8/layout/hList6"/>
+    <dgm:cxn modelId="{068EBA13-D5A0-DE40-AD8E-F61F0A114BE6}" type="presOf" srcId="{60147B3A-8FDB-FE4E-9BCB-3254941EDAAB}" destId="{1653CA18-9328-8D4C-92F1-EE744FC4BAFC}" srcOrd="0" destOrd="1" presId="urn:microsoft.com/office/officeart/2005/8/layout/hList6"/>
     <dgm:cxn modelId="{89ECDBE6-F09A-EF4D-A398-3079EDC18E42}" type="presOf" srcId="{FF84B12B-6B1C-6F4A-8551-D16A97F5D7C6}" destId="{7F5FE98D-53B3-7442-8A50-6D54FE10A7E5}" srcOrd="0" destOrd="1" presId="urn:microsoft.com/office/officeart/2005/8/layout/hList6"/>
-    <dgm:cxn modelId="{D750197C-8F5F-A34D-997C-C2704B34E089}" type="presOf" srcId="{4619476D-8640-2642-BE15-16EC0D8D7E58}" destId="{7F5FE98D-53B3-7442-8A50-6D54FE10A7E5}" srcOrd="0" destOrd="0" presId="urn:microsoft.com/office/officeart/2005/8/layout/hList6"/>
-    <dgm:cxn modelId="{B63EFCB6-69BC-1D40-9BBA-8E3785D2DE60}" type="presOf" srcId="{F8FC836B-1615-1B4A-B812-4CE36F0CCFF4}" destId="{851B720D-E4CB-FB42-95AA-6AA481D35B94}" srcOrd="0" destOrd="1" presId="urn:microsoft.com/office/officeart/2005/8/layout/hList6"/>
+    <dgm:cxn modelId="{CD31774E-A635-1B4A-9B2A-77295B5DB7B5}" type="presOf" srcId="{295476F3-80B2-B544-AFF0-7F41D5ACE7F1}" destId="{1653CA18-9328-8D4C-92F1-EE744FC4BAFC}" srcOrd="0" destOrd="2" presId="urn:microsoft.com/office/officeart/2005/8/layout/hList6"/>
+    <dgm:cxn modelId="{370C768D-B0BC-844E-9782-6615EB38DDFC}" srcId="{F74E3ECE-D1A2-E74D-AC61-2DA722E3ABE7}" destId="{60147B3A-8FDB-FE4E-9BCB-3254941EDAAB}" srcOrd="0" destOrd="0" parTransId="{2CD4A321-EE03-E24C-90D0-79D5FCA9A296}" sibTransId="{E9E6090F-37A2-684C-9421-2BF0AEB9C6F7}"/>
+    <dgm:cxn modelId="{93E7BCB0-807B-D64B-9A48-A732471C475A}" srcId="{4619476D-8640-2642-BE15-16EC0D8D7E58}" destId="{3AA00B29-8ACD-9945-8280-14F77AA3855F}" srcOrd="2" destOrd="0" parTransId="{CB4FD4A7-C238-3F4D-8F6D-DD4533FC413F}" sibTransId="{D15E299B-14C5-824D-86ED-F20BCF509D1B}"/>
+    <dgm:cxn modelId="{69CCF26F-B0F4-844C-B7AC-05CDE7687664}" srcId="{1012DD2F-0B53-AD4E-B26A-851A5FF0EB69}" destId="{8BC30BDA-2E14-3645-8A79-C7437B1615FE}" srcOrd="3" destOrd="0" parTransId="{CD28B842-ED6E-D646-884A-3D9ACA03B901}" sibTransId="{95235CBF-E9FA-B046-9083-FF9953B6710F}"/>
+    <dgm:cxn modelId="{386BF248-7BFC-E949-B6EB-C2B44B8F8E24}" type="presOf" srcId="{25742C74-C58D-A841-8B7A-D33227CF6170}" destId="{88214EEF-D75D-4F48-A34B-999CF859A6EE}" srcOrd="0" destOrd="0" presId="urn:microsoft.com/office/officeart/2005/8/layout/hList6"/>
     <dgm:cxn modelId="{B5CCA75E-6FC7-ED42-9EC6-2D1CF92C7DD7}" srcId="{1012DD2F-0B53-AD4E-B26A-851A5FF0EB69}" destId="{25742C74-C58D-A841-8B7A-D33227CF6170}" srcOrd="2" destOrd="0" parTransId="{CFB85E9E-7135-964B-9ECA-838D686FE9B3}" sibTransId="{1698A6F7-8F03-9440-8E99-AA688495AF84}"/>
-    <dgm:cxn modelId="{69CCF26F-B0F4-844C-B7AC-05CDE7687664}" srcId="{1012DD2F-0B53-AD4E-B26A-851A5FF0EB69}" destId="{8BC30BDA-2E14-3645-8A79-C7437B1615FE}" srcOrd="3" destOrd="0" parTransId="{CD28B842-ED6E-D646-884A-3D9ACA03B901}" sibTransId="{95235CBF-E9FA-B046-9083-FF9953B6710F}"/>
-    <dgm:cxn modelId="{CD31774E-A635-1B4A-9B2A-77295B5DB7B5}" type="presOf" srcId="{295476F3-80B2-B544-AFF0-7F41D5ACE7F1}" destId="{1653CA18-9328-8D4C-92F1-EE744FC4BAFC}" srcOrd="0" destOrd="2" presId="urn:microsoft.com/office/officeart/2005/8/layout/hList6"/>
+    <dgm:cxn modelId="{6C74CDC1-2224-A049-9EC7-F87415155F2B}" type="presOf" srcId="{F74E3ECE-D1A2-E74D-AC61-2DA722E3ABE7}" destId="{1653CA18-9328-8D4C-92F1-EE744FC4BAFC}" srcOrd="0" destOrd="0" presId="urn:microsoft.com/office/officeart/2005/8/layout/hList6"/>
+    <dgm:cxn modelId="{14018454-4C7C-0B43-BD5C-22F333F0289A}" srcId="{F74E3ECE-D1A2-E74D-AC61-2DA722E3ABE7}" destId="{295476F3-80B2-B544-AFF0-7F41D5ACE7F1}" srcOrd="1" destOrd="0" parTransId="{7BF52831-068E-FC45-8E1A-F0568A0F00DD}" sibTransId="{92E1B26D-EC30-0948-8AFC-58245841113E}"/>
+    <dgm:cxn modelId="{F09F5751-156C-4F46-AF66-9CA14A4872C2}" type="presOf" srcId="{8BC30BDA-2E14-3645-8A79-C7437B1615FE}" destId="{851B720D-E4CB-FB42-95AA-6AA481D35B94}" srcOrd="0" destOrd="0" presId="urn:microsoft.com/office/officeart/2005/8/layout/hList6"/>
+    <dgm:cxn modelId="{4F82F438-6BFB-BA47-8835-B92917CAA310}" srcId="{4619476D-8640-2642-BE15-16EC0D8D7E58}" destId="{136D4786-F190-8149-AE57-612099FA6031}" srcOrd="1" destOrd="0" parTransId="{5D465493-DC0C-074B-B318-6B8D8F29E76D}" sibTransId="{F5DFA65F-2E56-7440-A7D3-3680CC0B8131}"/>
+    <dgm:cxn modelId="{CFB56BB9-3B51-404A-A8BC-76ED75E877B3}" type="presOf" srcId="{136D4786-F190-8149-AE57-612099FA6031}" destId="{7F5FE98D-53B3-7442-8A50-6D54FE10A7E5}" srcOrd="0" destOrd="2" presId="urn:microsoft.com/office/officeart/2005/8/layout/hList6"/>
     <dgm:cxn modelId="{7C98EDE2-F9B2-0F48-9B06-B8FD9A4995BC}" type="presOf" srcId="{1012DD2F-0B53-AD4E-B26A-851A5FF0EB69}" destId="{3649CDEB-A52E-2248-AAA6-F278999D4BEB}" srcOrd="0" destOrd="0" presId="urn:microsoft.com/office/officeart/2005/8/layout/hList6"/>
-    <dgm:cxn modelId="{14018454-4C7C-0B43-BD5C-22F333F0289A}" srcId="{F74E3ECE-D1A2-E74D-AC61-2DA722E3ABE7}" destId="{295476F3-80B2-B544-AFF0-7F41D5ACE7F1}" srcOrd="1" destOrd="0" parTransId="{7BF52831-068E-FC45-8E1A-F0568A0F00DD}" sibTransId="{92E1B26D-EC30-0948-8AFC-58245841113E}"/>
-    <dgm:cxn modelId="{068EBA13-D5A0-DE40-AD8E-F61F0A114BE6}" type="presOf" srcId="{60147B3A-8FDB-FE4E-9BCB-3254941EDAAB}" destId="{1653CA18-9328-8D4C-92F1-EE744FC4BAFC}" srcOrd="0" destOrd="1" presId="urn:microsoft.com/office/officeart/2005/8/layout/hList6"/>
+    <dgm:cxn modelId="{5044F249-4905-374A-BBD4-F0FA486FC956}" srcId="{25742C74-C58D-A841-8B7A-D33227CF6170}" destId="{02A64512-4E76-2A48-821B-26D330BF1A0C}" srcOrd="0" destOrd="0" parTransId="{4C82E942-CEFD-2844-983B-FDC2ABEF9A1C}" sibTransId="{1597DCC1-328C-FC4F-9B84-9ED7B8876C1D}"/>
+    <dgm:cxn modelId="{DD06B542-B08D-CE46-AFE2-72211D32714E}" type="presOf" srcId="{3AA00B29-8ACD-9945-8280-14F77AA3855F}" destId="{7F5FE98D-53B3-7442-8A50-6D54FE10A7E5}" srcOrd="0" destOrd="3" presId="urn:microsoft.com/office/officeart/2005/8/layout/hList6"/>
+    <dgm:cxn modelId="{508A6448-A17B-5448-B433-79B1D978859C}" srcId="{1012DD2F-0B53-AD4E-B26A-851A5FF0EB69}" destId="{4619476D-8640-2642-BE15-16EC0D8D7E58}" srcOrd="1" destOrd="0" parTransId="{B707D36A-CE48-184F-B8B2-5582E20C5683}" sibTransId="{F31052B3-3A77-6841-A8BB-04DC63BC9319}"/>
+    <dgm:cxn modelId="{BF6DDEAA-0EA8-B447-9E93-3D1A720104D5}" type="presOf" srcId="{02A64512-4E76-2A48-821B-26D330BF1A0C}" destId="{88214EEF-D75D-4F48-A34B-999CF859A6EE}" srcOrd="0" destOrd="1" presId="urn:microsoft.com/office/officeart/2005/8/layout/hList6"/>
     <dgm:cxn modelId="{2B03CEFF-B138-6F48-B3E2-92EEFEAE6917}" srcId="{4619476D-8640-2642-BE15-16EC0D8D7E58}" destId="{FF84B12B-6B1C-6F4A-8551-D16A97F5D7C6}" srcOrd="0" destOrd="0" parTransId="{73CC7F94-E7E9-834E-892E-EC7D8AE174C9}" sibTransId="{07F5C398-7964-1347-B5CF-1B2BDCE3BE35}"/>
-    <dgm:cxn modelId="{386BF248-7BFC-E949-B6EB-C2B44B8F8E24}" type="presOf" srcId="{25742C74-C58D-A841-8B7A-D33227CF6170}" destId="{88214EEF-D75D-4F48-A34B-999CF859A6EE}" srcOrd="0" destOrd="0" presId="urn:microsoft.com/office/officeart/2005/8/layout/hList6"/>
-    <dgm:cxn modelId="{DD06B542-B08D-CE46-AFE2-72211D32714E}" type="presOf" srcId="{3AA00B29-8ACD-9945-8280-14F77AA3855F}" destId="{7F5FE98D-53B3-7442-8A50-6D54FE10A7E5}" srcOrd="0" destOrd="3" presId="urn:microsoft.com/office/officeart/2005/8/layout/hList6"/>
-    <dgm:cxn modelId="{F09F5751-156C-4F46-AF66-9CA14A4872C2}" type="presOf" srcId="{8BC30BDA-2E14-3645-8A79-C7437B1615FE}" destId="{851B720D-E4CB-FB42-95AA-6AA481D35B94}" srcOrd="0" destOrd="0" presId="urn:microsoft.com/office/officeart/2005/8/layout/hList6"/>
-    <dgm:cxn modelId="{BF6DDEAA-0EA8-B447-9E93-3D1A720104D5}" type="presOf" srcId="{02A64512-4E76-2A48-821B-26D330BF1A0C}" destId="{88214EEF-D75D-4F48-A34B-999CF859A6EE}" srcOrd="0" destOrd="1" presId="urn:microsoft.com/office/officeart/2005/8/layout/hList6"/>
-    <dgm:cxn modelId="{6C74CDC1-2224-A049-9EC7-F87415155F2B}" type="presOf" srcId="{F74E3ECE-D1A2-E74D-AC61-2DA722E3ABE7}" destId="{1653CA18-9328-8D4C-92F1-EE744FC4BAFC}" srcOrd="0" destOrd="0" presId="urn:microsoft.com/office/officeart/2005/8/layout/hList6"/>
-    <dgm:cxn modelId="{4F82F438-6BFB-BA47-8835-B92917CAA310}" srcId="{4619476D-8640-2642-BE15-16EC0D8D7E58}" destId="{136D4786-F190-8149-AE57-612099FA6031}" srcOrd="1" destOrd="0" parTransId="{5D465493-DC0C-074B-B318-6B8D8F29E76D}" sibTransId="{F5DFA65F-2E56-7440-A7D3-3680CC0B8131}"/>
-    <dgm:cxn modelId="{76F918BE-BDD0-EA4F-A6B0-4E0C523B057A}" srcId="{8BC30BDA-2E14-3645-8A79-C7437B1615FE}" destId="{F8FC836B-1615-1B4A-B812-4CE36F0CCFF4}" srcOrd="0" destOrd="0" parTransId="{66EB0E58-F6A0-A64F-B802-00BDC026AC82}" sibTransId="{17968143-F524-6443-BA92-9CCFB6DB9AC9}"/>
-    <dgm:cxn modelId="{CFB56BB9-3B51-404A-A8BC-76ED75E877B3}" type="presOf" srcId="{136D4786-F190-8149-AE57-612099FA6031}" destId="{7F5FE98D-53B3-7442-8A50-6D54FE10A7E5}" srcOrd="0" destOrd="2" presId="urn:microsoft.com/office/officeart/2005/8/layout/hList6"/>
-    <dgm:cxn modelId="{5044F249-4905-374A-BBD4-F0FA486FC956}" srcId="{25742C74-C58D-A841-8B7A-D33227CF6170}" destId="{02A64512-4E76-2A48-821B-26D330BF1A0C}" srcOrd="0" destOrd="0" parTransId="{4C82E942-CEFD-2844-983B-FDC2ABEF9A1C}" sibTransId="{1597DCC1-328C-FC4F-9B84-9ED7B8876C1D}"/>
-    <dgm:cxn modelId="{93E7BCB0-807B-D64B-9A48-A732471C475A}" srcId="{4619476D-8640-2642-BE15-16EC0D8D7E58}" destId="{3AA00B29-8ACD-9945-8280-14F77AA3855F}" srcOrd="2" destOrd="0" parTransId="{CB4FD4A7-C238-3F4D-8F6D-DD4533FC413F}" sibTransId="{D15E299B-14C5-824D-86ED-F20BCF509D1B}"/>
-    <dgm:cxn modelId="{508A6448-A17B-5448-B433-79B1D978859C}" srcId="{1012DD2F-0B53-AD4E-B26A-851A5FF0EB69}" destId="{4619476D-8640-2642-BE15-16EC0D8D7E58}" srcOrd="1" destOrd="0" parTransId="{B707D36A-CE48-184F-B8B2-5582E20C5683}" sibTransId="{F31052B3-3A77-6841-A8BB-04DC63BC9319}"/>
-    <dgm:cxn modelId="{370C768D-B0BC-844E-9782-6615EB38DDFC}" srcId="{F74E3ECE-D1A2-E74D-AC61-2DA722E3ABE7}" destId="{60147B3A-8FDB-FE4E-9BCB-3254941EDAAB}" srcOrd="0" destOrd="0" parTransId="{2CD4A321-EE03-E24C-90D0-79D5FCA9A296}" sibTransId="{E9E6090F-37A2-684C-9421-2BF0AEB9C6F7}"/>
     <dgm:cxn modelId="{172CF6DF-4930-CE40-BF2E-F4C6D3FF108A}" type="presParOf" srcId="{3649CDEB-A52E-2248-AAA6-F278999D4BEB}" destId="{1653CA18-9328-8D4C-92F1-EE744FC4BAFC}" srcOrd="0" destOrd="0" presId="urn:microsoft.com/office/officeart/2005/8/layout/hList6"/>
     <dgm:cxn modelId="{6FEA4BE0-DD11-A040-8870-895E623AF471}" type="presParOf" srcId="{3649CDEB-A52E-2248-AAA6-F278999D4BEB}" destId="{BD6F6959-F1E2-F947-8993-95D2ED654821}" srcOrd="1" destOrd="0" presId="urn:microsoft.com/office/officeart/2005/8/layout/hList6"/>
     <dgm:cxn modelId="{3F04F370-1EA8-6343-843F-A4DB079B3FB3}" type="presParOf" srcId="{3649CDEB-A52E-2248-AAA6-F278999D4BEB}" destId="{7F5FE98D-53B3-7442-8A50-6D54FE10A7E5}" srcOrd="2" destOrd="0" presId="urn:microsoft.com/office/officeart/2005/8/layout/hList6"/>
@@ -1530,7 +2280,385 @@
   <dgm:whole/>
   <dgm:extLst>
     <a:ext uri="http://schemas.microsoft.com/office/drawing/2008/diagram">
-      <dsp:dataModelExt xmlns:dsp="http://schemas.microsoft.com/office/drawing/2008/diagram" xmlns:a="http://schemas.openxmlformats.org/drawingml/2006/main" xmlns:dgm="http://schemas.openxmlformats.org/drawingml/2006/diagram" xmlns="" relId="rId6" minVer="http://schemas.openxmlformats.org/drawingml/2006/diagram"/>
+      <dsp:dataModelExt xmlns:dsp="http://schemas.microsoft.com/office/drawing/2008/diagram" relId="rId6" minVer="http://schemas.openxmlformats.org/drawingml/2006/diagram"/>
+    </a:ext>
+  </dgm:extLst>
+</dgm:dataModel>
+</file>
+
+<file path=ppt/diagrams/data2.xml><?xml version="1.0" encoding="utf-8"?>
+<dgm:dataModel xmlns:dgm="http://schemas.openxmlformats.org/drawingml/2006/diagram" xmlns:a="http://schemas.openxmlformats.org/drawingml/2006/main">
+  <dgm:ptLst>
+    <dgm:pt modelId="{1D81BB0D-1F98-418E-BDF9-7673B9B482B1}" type="doc">
+      <dgm:prSet loTypeId="urn:microsoft.com/office/officeart/2005/8/layout/orgChart1" loCatId="hierarchy" qsTypeId="urn:microsoft.com/office/officeart/2005/8/quickstyle/simple1" qsCatId="simple" csTypeId="urn:microsoft.com/office/officeart/2005/8/colors/accent1_2" csCatId="accent1" phldr="1"/>
+      <dgm:spPr/>
+      <dgm:t>
+        <a:bodyPr/>
+        <a:lstStyle/>
+        <a:p>
+          <a:endParaRPr lang="en-US"/>
+        </a:p>
+      </dgm:t>
+    </dgm:pt>
+    <dgm:pt modelId="{9E7C351E-5CEC-4EDA-983D-24D8F21912D0}">
+      <dgm:prSet phldrT="[Text]"/>
+      <dgm:spPr/>
+      <dgm:t>
+        <a:bodyPr/>
+        <a:lstStyle/>
+        <a:p>
+          <a:r>
+            <a:rPr lang="en-US" dirty="0" smtClean="0"/>
+            <a:t>Homepage</a:t>
+          </a:r>
+          <a:endParaRPr lang="en-US" dirty="0"/>
+        </a:p>
+      </dgm:t>
+    </dgm:pt>
+    <dgm:pt modelId="{029DB3E5-BA50-4A9B-9308-83FAC6E2082F}" type="parTrans" cxnId="{2F4DC60D-847C-4FDA-BF32-52C6A903ED20}">
+      <dgm:prSet/>
+      <dgm:spPr/>
+      <dgm:t>
+        <a:bodyPr/>
+        <a:lstStyle/>
+        <a:p>
+          <a:endParaRPr lang="en-US"/>
+        </a:p>
+      </dgm:t>
+    </dgm:pt>
+    <dgm:pt modelId="{E2EB4DB3-3BA1-40B5-BC54-5134A1C349D3}" type="sibTrans" cxnId="{2F4DC60D-847C-4FDA-BF32-52C6A903ED20}">
+      <dgm:prSet/>
+      <dgm:spPr/>
+      <dgm:t>
+        <a:bodyPr/>
+        <a:lstStyle/>
+        <a:p>
+          <a:endParaRPr lang="en-US"/>
+        </a:p>
+      </dgm:t>
+    </dgm:pt>
+    <dgm:pt modelId="{00143A4E-E0E7-43B4-A4E6-2097A2466797}" type="asst">
+      <dgm:prSet phldrT="[Text]"/>
+      <dgm:spPr/>
+      <dgm:t>
+        <a:bodyPr/>
+        <a:lstStyle/>
+        <a:p>
+          <a:r>
+            <a:rPr lang="en-US" dirty="0" smtClean="0"/>
+            <a:t>Our Programs</a:t>
+          </a:r>
+          <a:endParaRPr lang="en-US" dirty="0"/>
+        </a:p>
+      </dgm:t>
+    </dgm:pt>
+    <dgm:pt modelId="{7CEAD9BB-BB56-4A53-9B7E-2EB98FD1CB43}" type="parTrans" cxnId="{CCFFBE61-2C84-4CA5-AAD5-C9AC5DBF173B}">
+      <dgm:prSet/>
+      <dgm:spPr/>
+      <dgm:t>
+        <a:bodyPr/>
+        <a:lstStyle/>
+        <a:p>
+          <a:endParaRPr lang="en-US"/>
+        </a:p>
+      </dgm:t>
+    </dgm:pt>
+    <dgm:pt modelId="{7C620853-4AB4-4DCE-9661-EFDDE9379E78}" type="sibTrans" cxnId="{CCFFBE61-2C84-4CA5-AAD5-C9AC5DBF173B}">
+      <dgm:prSet/>
+      <dgm:spPr/>
+      <dgm:t>
+        <a:bodyPr/>
+        <a:lstStyle/>
+        <a:p>
+          <a:endParaRPr lang="en-US"/>
+        </a:p>
+      </dgm:t>
+    </dgm:pt>
+    <dgm:pt modelId="{33F80672-7424-4FDA-B13D-28ED6623C5A5}">
+      <dgm:prSet phldrT="[Text]"/>
+      <dgm:spPr/>
+      <dgm:t>
+        <a:bodyPr/>
+        <a:lstStyle/>
+        <a:p>
+          <a:r>
+            <a:rPr lang="en-US" dirty="0" smtClean="0"/>
+            <a:t>Flexible Financing Fund</a:t>
+          </a:r>
+          <a:endParaRPr lang="en-US" dirty="0"/>
+        </a:p>
+      </dgm:t>
+    </dgm:pt>
+    <dgm:pt modelId="{E4261709-CBBB-428D-8AD6-958CE3BD61CA}" type="parTrans" cxnId="{E6580323-0687-4A0E-AE88-41BC8E710D39}">
+      <dgm:prSet/>
+      <dgm:spPr/>
+      <dgm:t>
+        <a:bodyPr/>
+        <a:lstStyle/>
+        <a:p>
+          <a:endParaRPr lang="en-US"/>
+        </a:p>
+      </dgm:t>
+    </dgm:pt>
+    <dgm:pt modelId="{5B0150D5-480B-4D69-A8A1-CC37EFAEC558}" type="sibTrans" cxnId="{E6580323-0687-4A0E-AE88-41BC8E710D39}">
+      <dgm:prSet/>
+      <dgm:spPr/>
+      <dgm:t>
+        <a:bodyPr/>
+        <a:lstStyle/>
+        <a:p>
+          <a:endParaRPr lang="en-US"/>
+        </a:p>
+      </dgm:t>
+    </dgm:pt>
+    <dgm:pt modelId="{26B1FDD4-3289-4360-BDE7-F4980F3A06A8}">
+      <dgm:prSet phldrT="[Text]"/>
+      <dgm:spPr/>
+      <dgm:t>
+        <a:bodyPr/>
+        <a:lstStyle/>
+        <a:p>
+          <a:r>
+            <a:rPr lang="en-US" dirty="0" smtClean="0"/>
+            <a:t>State Homelessness Fund</a:t>
+          </a:r>
+          <a:endParaRPr lang="en-US" dirty="0"/>
+        </a:p>
+      </dgm:t>
+    </dgm:pt>
+    <dgm:pt modelId="{89009098-FB6F-45A8-A69A-88492F51BC0A}" type="parTrans" cxnId="{D27B7DA1-75C1-44E0-90A6-12B12FC66755}">
+      <dgm:prSet/>
+      <dgm:spPr/>
+      <dgm:t>
+        <a:bodyPr/>
+        <a:lstStyle/>
+        <a:p>
+          <a:endParaRPr lang="en-US"/>
+        </a:p>
+      </dgm:t>
+    </dgm:pt>
+    <dgm:pt modelId="{04EA98CA-F67B-4AFF-B1B5-85BBC0AA1701}" type="sibTrans" cxnId="{D27B7DA1-75C1-44E0-90A6-12B12FC66755}">
+      <dgm:prSet/>
+      <dgm:spPr/>
+      <dgm:t>
+        <a:bodyPr/>
+        <a:lstStyle/>
+        <a:p>
+          <a:endParaRPr lang="en-US"/>
+        </a:p>
+      </dgm:t>
+    </dgm:pt>
+    <dgm:pt modelId="{69BC7C7E-08EC-404C-BED8-602BB0DA3D4A}" type="pres">
+      <dgm:prSet presAssocID="{1D81BB0D-1F98-418E-BDF9-7673B9B482B1}" presName="hierChild1" presStyleCnt="0">
+        <dgm:presLayoutVars>
+          <dgm:orgChart val="1"/>
+          <dgm:chPref val="1"/>
+          <dgm:dir/>
+          <dgm:animOne val="branch"/>
+          <dgm:animLvl val="lvl"/>
+          <dgm:resizeHandles/>
+        </dgm:presLayoutVars>
+      </dgm:prSet>
+      <dgm:spPr/>
+    </dgm:pt>
+    <dgm:pt modelId="{123A74DD-7272-4B19-AA51-76FE24F7EB19}" type="pres">
+      <dgm:prSet presAssocID="{9E7C351E-5CEC-4EDA-983D-24D8F21912D0}" presName="hierRoot1" presStyleCnt="0">
+        <dgm:presLayoutVars>
+          <dgm:hierBranch val="init"/>
+        </dgm:presLayoutVars>
+      </dgm:prSet>
+      <dgm:spPr/>
+    </dgm:pt>
+    <dgm:pt modelId="{53C2CD3C-9DA3-4457-9D6C-F830DFA68871}" type="pres">
+      <dgm:prSet presAssocID="{9E7C351E-5CEC-4EDA-983D-24D8F21912D0}" presName="rootComposite1" presStyleCnt="0"/>
+      <dgm:spPr/>
+    </dgm:pt>
+    <dgm:pt modelId="{8FCC25A9-9D41-46A6-BA53-4C59DF666C35}" type="pres">
+      <dgm:prSet presAssocID="{9E7C351E-5CEC-4EDA-983D-24D8F21912D0}" presName="rootText1" presStyleLbl="node0" presStyleIdx="0" presStyleCnt="1">
+        <dgm:presLayoutVars>
+          <dgm:chPref val="3"/>
+        </dgm:presLayoutVars>
+      </dgm:prSet>
+      <dgm:spPr/>
+    </dgm:pt>
+    <dgm:pt modelId="{8C397ACD-5331-4D9D-8BD1-882BA370E8D6}" type="pres">
+      <dgm:prSet presAssocID="{9E7C351E-5CEC-4EDA-983D-24D8F21912D0}" presName="rootConnector1" presStyleLbl="node1" presStyleIdx="0" presStyleCnt="0"/>
+      <dgm:spPr/>
+    </dgm:pt>
+    <dgm:pt modelId="{A38CF638-1BC4-4076-A14F-F2AD7F1A4A00}" type="pres">
+      <dgm:prSet presAssocID="{9E7C351E-5CEC-4EDA-983D-24D8F21912D0}" presName="hierChild2" presStyleCnt="0"/>
+      <dgm:spPr/>
+    </dgm:pt>
+    <dgm:pt modelId="{87A5696B-F63F-46BB-B636-1A96D58FCD77}" type="pres">
+      <dgm:prSet presAssocID="{E4261709-CBBB-428D-8AD6-958CE3BD61CA}" presName="Name37" presStyleLbl="parChTrans1D2" presStyleIdx="0" presStyleCnt="3"/>
+      <dgm:spPr/>
+    </dgm:pt>
+    <dgm:pt modelId="{0741ABBE-9F4F-4CB5-BDA7-4A1562819EFF}" type="pres">
+      <dgm:prSet presAssocID="{33F80672-7424-4FDA-B13D-28ED6623C5A5}" presName="hierRoot2" presStyleCnt="0">
+        <dgm:presLayoutVars>
+          <dgm:hierBranch val="init"/>
+        </dgm:presLayoutVars>
+      </dgm:prSet>
+      <dgm:spPr/>
+    </dgm:pt>
+    <dgm:pt modelId="{A93ACAAC-8AC7-450F-B3D0-D3F976B98F22}" type="pres">
+      <dgm:prSet presAssocID="{33F80672-7424-4FDA-B13D-28ED6623C5A5}" presName="rootComposite" presStyleCnt="0"/>
+      <dgm:spPr/>
+    </dgm:pt>
+    <dgm:pt modelId="{CA994147-7CD1-428E-AC8C-C3CAB2DC1518}" type="pres">
+      <dgm:prSet presAssocID="{33F80672-7424-4FDA-B13D-28ED6623C5A5}" presName="rootText" presStyleLbl="node2" presStyleIdx="0" presStyleCnt="2">
+        <dgm:presLayoutVars>
+          <dgm:chPref val="3"/>
+        </dgm:presLayoutVars>
+      </dgm:prSet>
+      <dgm:spPr/>
+    </dgm:pt>
+    <dgm:pt modelId="{6CDF814F-187B-46E3-94E8-DE2FDFDB04B3}" type="pres">
+      <dgm:prSet presAssocID="{33F80672-7424-4FDA-B13D-28ED6623C5A5}" presName="rootConnector" presStyleLbl="node2" presStyleIdx="0" presStyleCnt="2"/>
+      <dgm:spPr/>
+    </dgm:pt>
+    <dgm:pt modelId="{8842086F-1584-4FBF-83E0-EF8EE746F9FA}" type="pres">
+      <dgm:prSet presAssocID="{33F80672-7424-4FDA-B13D-28ED6623C5A5}" presName="hierChild4" presStyleCnt="0"/>
+      <dgm:spPr/>
+    </dgm:pt>
+    <dgm:pt modelId="{770EB689-33A3-40D0-AE3D-F1081073C806}" type="pres">
+      <dgm:prSet presAssocID="{33F80672-7424-4FDA-B13D-28ED6623C5A5}" presName="hierChild5" presStyleCnt="0"/>
+      <dgm:spPr/>
+    </dgm:pt>
+    <dgm:pt modelId="{47633D50-F810-4405-8407-EBDCE43F1EF9}" type="pres">
+      <dgm:prSet presAssocID="{89009098-FB6F-45A8-A69A-88492F51BC0A}" presName="Name37" presStyleLbl="parChTrans1D2" presStyleIdx="1" presStyleCnt="3"/>
+      <dgm:spPr/>
+    </dgm:pt>
+    <dgm:pt modelId="{8B8E1CD1-22AA-455B-9074-C90F9241F033}" type="pres">
+      <dgm:prSet presAssocID="{26B1FDD4-3289-4360-BDE7-F4980F3A06A8}" presName="hierRoot2" presStyleCnt="0">
+        <dgm:presLayoutVars>
+          <dgm:hierBranch val="init"/>
+        </dgm:presLayoutVars>
+      </dgm:prSet>
+      <dgm:spPr/>
+    </dgm:pt>
+    <dgm:pt modelId="{8DA04A6F-679E-4619-92AC-B93D1E5A6B27}" type="pres">
+      <dgm:prSet presAssocID="{26B1FDD4-3289-4360-BDE7-F4980F3A06A8}" presName="rootComposite" presStyleCnt="0"/>
+      <dgm:spPr/>
+    </dgm:pt>
+    <dgm:pt modelId="{59A222E1-5B87-4DC7-AFA0-3BC63BBEDECE}" type="pres">
+      <dgm:prSet presAssocID="{26B1FDD4-3289-4360-BDE7-F4980F3A06A8}" presName="rootText" presStyleLbl="node2" presStyleIdx="1" presStyleCnt="2">
+        <dgm:presLayoutVars>
+          <dgm:chPref val="3"/>
+        </dgm:presLayoutVars>
+      </dgm:prSet>
+      <dgm:spPr/>
+      <dgm:t>
+        <a:bodyPr/>
+        <a:lstStyle/>
+        <a:p>
+          <a:endParaRPr lang="en-US"/>
+        </a:p>
+      </dgm:t>
+    </dgm:pt>
+    <dgm:pt modelId="{52B47193-2204-4661-B50D-E59465563313}" type="pres">
+      <dgm:prSet presAssocID="{26B1FDD4-3289-4360-BDE7-F4980F3A06A8}" presName="rootConnector" presStyleLbl="node2" presStyleIdx="1" presStyleCnt="2"/>
+      <dgm:spPr/>
+    </dgm:pt>
+    <dgm:pt modelId="{785DF6B1-BA3D-442A-8186-A145E5F146AD}" type="pres">
+      <dgm:prSet presAssocID="{26B1FDD4-3289-4360-BDE7-F4980F3A06A8}" presName="hierChild4" presStyleCnt="0"/>
+      <dgm:spPr/>
+    </dgm:pt>
+    <dgm:pt modelId="{D476844E-7488-49A0-84F1-921C41358580}" type="pres">
+      <dgm:prSet presAssocID="{26B1FDD4-3289-4360-BDE7-F4980F3A06A8}" presName="hierChild5" presStyleCnt="0"/>
+      <dgm:spPr/>
+    </dgm:pt>
+    <dgm:pt modelId="{19BA1BE5-9225-47E6-B3C9-2D66D8375F4D}" type="pres">
+      <dgm:prSet presAssocID="{9E7C351E-5CEC-4EDA-983D-24D8F21912D0}" presName="hierChild3" presStyleCnt="0"/>
+      <dgm:spPr/>
+    </dgm:pt>
+    <dgm:pt modelId="{1D4B81AF-9043-4198-BE61-1F1D7586619E}" type="pres">
+      <dgm:prSet presAssocID="{7CEAD9BB-BB56-4A53-9B7E-2EB98FD1CB43}" presName="Name111" presStyleLbl="parChTrans1D2" presStyleIdx="2" presStyleCnt="3"/>
+      <dgm:spPr/>
+    </dgm:pt>
+    <dgm:pt modelId="{99C1B4D5-93B1-4FBD-916B-AA1C313EDC66}" type="pres">
+      <dgm:prSet presAssocID="{00143A4E-E0E7-43B4-A4E6-2097A2466797}" presName="hierRoot3" presStyleCnt="0">
+        <dgm:presLayoutVars>
+          <dgm:hierBranch val="init"/>
+        </dgm:presLayoutVars>
+      </dgm:prSet>
+      <dgm:spPr/>
+    </dgm:pt>
+    <dgm:pt modelId="{A6A75CCE-F8C0-4FCC-903A-F97CDFB4D30C}" type="pres">
+      <dgm:prSet presAssocID="{00143A4E-E0E7-43B4-A4E6-2097A2466797}" presName="rootComposite3" presStyleCnt="0"/>
+      <dgm:spPr/>
+    </dgm:pt>
+    <dgm:pt modelId="{AB139912-4DEA-4907-B008-8A5E0218DC3B}" type="pres">
+      <dgm:prSet presAssocID="{00143A4E-E0E7-43B4-A4E6-2097A2466797}" presName="rootText3" presStyleLbl="asst1" presStyleIdx="0" presStyleCnt="1">
+        <dgm:presLayoutVars>
+          <dgm:chPref val="3"/>
+        </dgm:presLayoutVars>
+      </dgm:prSet>
+      <dgm:spPr/>
+    </dgm:pt>
+    <dgm:pt modelId="{A0D5B741-1E15-4566-8491-0C8B07EEB499}" type="pres">
+      <dgm:prSet presAssocID="{00143A4E-E0E7-43B4-A4E6-2097A2466797}" presName="rootConnector3" presStyleLbl="asst1" presStyleIdx="0" presStyleCnt="1"/>
+      <dgm:spPr/>
+    </dgm:pt>
+    <dgm:pt modelId="{519EA455-6296-4B1E-8B97-63729B2E3DB0}" type="pres">
+      <dgm:prSet presAssocID="{00143A4E-E0E7-43B4-A4E6-2097A2466797}" presName="hierChild6" presStyleCnt="0"/>
+      <dgm:spPr/>
+    </dgm:pt>
+    <dgm:pt modelId="{0519A4A1-6C22-4837-AAFC-C3E7D124AE1A}" type="pres">
+      <dgm:prSet presAssocID="{00143A4E-E0E7-43B4-A4E6-2097A2466797}" presName="hierChild7" presStyleCnt="0"/>
+      <dgm:spPr/>
+    </dgm:pt>
+  </dgm:ptLst>
+  <dgm:cxnLst>
+    <dgm:cxn modelId="{CCFFBE61-2C84-4CA5-AAD5-C9AC5DBF173B}" srcId="{9E7C351E-5CEC-4EDA-983D-24D8F21912D0}" destId="{00143A4E-E0E7-43B4-A4E6-2097A2466797}" srcOrd="0" destOrd="0" parTransId="{7CEAD9BB-BB56-4A53-9B7E-2EB98FD1CB43}" sibTransId="{7C620853-4AB4-4DCE-9661-EFDDE9379E78}"/>
+    <dgm:cxn modelId="{B7E0FC16-F8D4-4BEF-8822-63E5BF4E9915}" type="presOf" srcId="{26B1FDD4-3289-4360-BDE7-F4980F3A06A8}" destId="{52B47193-2204-4661-B50D-E59465563313}" srcOrd="1" destOrd="0" presId="urn:microsoft.com/office/officeart/2005/8/layout/orgChart1"/>
+    <dgm:cxn modelId="{274C92CB-03D0-4841-BA8F-AD13CD368E0B}" type="presOf" srcId="{26B1FDD4-3289-4360-BDE7-F4980F3A06A8}" destId="{59A222E1-5B87-4DC7-AFA0-3BC63BBEDECE}" srcOrd="0" destOrd="0" presId="urn:microsoft.com/office/officeart/2005/8/layout/orgChart1"/>
+    <dgm:cxn modelId="{7E29EE8E-9CB7-4FAA-A6A4-BBC5E7FD833D}" type="presOf" srcId="{9E7C351E-5CEC-4EDA-983D-24D8F21912D0}" destId="{8C397ACD-5331-4D9D-8BD1-882BA370E8D6}" srcOrd="1" destOrd="0" presId="urn:microsoft.com/office/officeart/2005/8/layout/orgChart1"/>
+    <dgm:cxn modelId="{8471E72D-0A36-465D-A214-1841B9727E29}" type="presOf" srcId="{33F80672-7424-4FDA-B13D-28ED6623C5A5}" destId="{CA994147-7CD1-428E-AC8C-C3CAB2DC1518}" srcOrd="0" destOrd="0" presId="urn:microsoft.com/office/officeart/2005/8/layout/orgChart1"/>
+    <dgm:cxn modelId="{B32E0D37-8F43-46A9-A7A9-6D5EEFBC3814}" type="presOf" srcId="{9E7C351E-5CEC-4EDA-983D-24D8F21912D0}" destId="{8FCC25A9-9D41-46A6-BA53-4C59DF666C35}" srcOrd="0" destOrd="0" presId="urn:microsoft.com/office/officeart/2005/8/layout/orgChart1"/>
+    <dgm:cxn modelId="{2F4DC60D-847C-4FDA-BF32-52C6A903ED20}" srcId="{1D81BB0D-1F98-418E-BDF9-7673B9B482B1}" destId="{9E7C351E-5CEC-4EDA-983D-24D8F21912D0}" srcOrd="0" destOrd="0" parTransId="{029DB3E5-BA50-4A9B-9308-83FAC6E2082F}" sibTransId="{E2EB4DB3-3BA1-40B5-BC54-5134A1C349D3}"/>
+    <dgm:cxn modelId="{8CACB3B1-6FA2-44A5-A060-B6694D0BB183}" type="presOf" srcId="{33F80672-7424-4FDA-B13D-28ED6623C5A5}" destId="{6CDF814F-187B-46E3-94E8-DE2FDFDB04B3}" srcOrd="1" destOrd="0" presId="urn:microsoft.com/office/officeart/2005/8/layout/orgChart1"/>
+    <dgm:cxn modelId="{5525C7CC-AEC8-4405-8A3A-BED8A7D68CEC}" type="presOf" srcId="{89009098-FB6F-45A8-A69A-88492F51BC0A}" destId="{47633D50-F810-4405-8407-EBDCE43F1EF9}" srcOrd="0" destOrd="0" presId="urn:microsoft.com/office/officeart/2005/8/layout/orgChart1"/>
+    <dgm:cxn modelId="{E6580323-0687-4A0E-AE88-41BC8E710D39}" srcId="{9E7C351E-5CEC-4EDA-983D-24D8F21912D0}" destId="{33F80672-7424-4FDA-B13D-28ED6623C5A5}" srcOrd="1" destOrd="0" parTransId="{E4261709-CBBB-428D-8AD6-958CE3BD61CA}" sibTransId="{5B0150D5-480B-4D69-A8A1-CC37EFAEC558}"/>
+    <dgm:cxn modelId="{4A916401-01AF-45BE-819B-594479D0FB95}" type="presOf" srcId="{E4261709-CBBB-428D-8AD6-958CE3BD61CA}" destId="{87A5696B-F63F-46BB-B636-1A96D58FCD77}" srcOrd="0" destOrd="0" presId="urn:microsoft.com/office/officeart/2005/8/layout/orgChart1"/>
+    <dgm:cxn modelId="{54966B66-CF41-401C-BF04-9D61922FD445}" type="presOf" srcId="{1D81BB0D-1F98-418E-BDF9-7673B9B482B1}" destId="{69BC7C7E-08EC-404C-BED8-602BB0DA3D4A}" srcOrd="0" destOrd="0" presId="urn:microsoft.com/office/officeart/2005/8/layout/orgChart1"/>
+    <dgm:cxn modelId="{59D2D137-613E-4DE6-810C-8903048F7B7E}" type="presOf" srcId="{7CEAD9BB-BB56-4A53-9B7E-2EB98FD1CB43}" destId="{1D4B81AF-9043-4198-BE61-1F1D7586619E}" srcOrd="0" destOrd="0" presId="urn:microsoft.com/office/officeart/2005/8/layout/orgChart1"/>
+    <dgm:cxn modelId="{36C88612-5012-40FD-89F5-F75FFC495B24}" type="presOf" srcId="{00143A4E-E0E7-43B4-A4E6-2097A2466797}" destId="{A0D5B741-1E15-4566-8491-0C8B07EEB499}" srcOrd="1" destOrd="0" presId="urn:microsoft.com/office/officeart/2005/8/layout/orgChart1"/>
+    <dgm:cxn modelId="{6F1D42F8-267D-40A2-815A-D7BF7977504D}" type="presOf" srcId="{00143A4E-E0E7-43B4-A4E6-2097A2466797}" destId="{AB139912-4DEA-4907-B008-8A5E0218DC3B}" srcOrd="0" destOrd="0" presId="urn:microsoft.com/office/officeart/2005/8/layout/orgChart1"/>
+    <dgm:cxn modelId="{D27B7DA1-75C1-44E0-90A6-12B12FC66755}" srcId="{9E7C351E-5CEC-4EDA-983D-24D8F21912D0}" destId="{26B1FDD4-3289-4360-BDE7-F4980F3A06A8}" srcOrd="2" destOrd="0" parTransId="{89009098-FB6F-45A8-A69A-88492F51BC0A}" sibTransId="{04EA98CA-F67B-4AFF-B1B5-85BBC0AA1701}"/>
+    <dgm:cxn modelId="{4BA165D6-4CF5-4C5C-A3D8-4EFEA20D1B68}" type="presParOf" srcId="{69BC7C7E-08EC-404C-BED8-602BB0DA3D4A}" destId="{123A74DD-7272-4B19-AA51-76FE24F7EB19}" srcOrd="0" destOrd="0" presId="urn:microsoft.com/office/officeart/2005/8/layout/orgChart1"/>
+    <dgm:cxn modelId="{E5A6B260-17A4-4751-ADC7-393F355E7C7E}" type="presParOf" srcId="{123A74DD-7272-4B19-AA51-76FE24F7EB19}" destId="{53C2CD3C-9DA3-4457-9D6C-F830DFA68871}" srcOrd="0" destOrd="0" presId="urn:microsoft.com/office/officeart/2005/8/layout/orgChart1"/>
+    <dgm:cxn modelId="{0A09EE1D-9107-4B36-AC31-9FC7BEE62BBA}" type="presParOf" srcId="{53C2CD3C-9DA3-4457-9D6C-F830DFA68871}" destId="{8FCC25A9-9D41-46A6-BA53-4C59DF666C35}" srcOrd="0" destOrd="0" presId="urn:microsoft.com/office/officeart/2005/8/layout/orgChart1"/>
+    <dgm:cxn modelId="{9882F79E-D4B1-4658-8E85-9C562BD5ADB9}" type="presParOf" srcId="{53C2CD3C-9DA3-4457-9D6C-F830DFA68871}" destId="{8C397ACD-5331-4D9D-8BD1-882BA370E8D6}" srcOrd="1" destOrd="0" presId="urn:microsoft.com/office/officeart/2005/8/layout/orgChart1"/>
+    <dgm:cxn modelId="{D9983CAA-BE7B-49B7-BF09-AE9F4E01420B}" type="presParOf" srcId="{123A74DD-7272-4B19-AA51-76FE24F7EB19}" destId="{A38CF638-1BC4-4076-A14F-F2AD7F1A4A00}" srcOrd="1" destOrd="0" presId="urn:microsoft.com/office/officeart/2005/8/layout/orgChart1"/>
+    <dgm:cxn modelId="{6F7B10A1-95F4-4FDE-9132-A5EF35E47C57}" type="presParOf" srcId="{A38CF638-1BC4-4076-A14F-F2AD7F1A4A00}" destId="{87A5696B-F63F-46BB-B636-1A96D58FCD77}" srcOrd="0" destOrd="0" presId="urn:microsoft.com/office/officeart/2005/8/layout/orgChart1"/>
+    <dgm:cxn modelId="{B0C8EEF0-FB0B-49DA-A929-610A4ACBA022}" type="presParOf" srcId="{A38CF638-1BC4-4076-A14F-F2AD7F1A4A00}" destId="{0741ABBE-9F4F-4CB5-BDA7-4A1562819EFF}" srcOrd="1" destOrd="0" presId="urn:microsoft.com/office/officeart/2005/8/layout/orgChart1"/>
+    <dgm:cxn modelId="{7111C952-5513-4B56-A975-8309DE0C1CC8}" type="presParOf" srcId="{0741ABBE-9F4F-4CB5-BDA7-4A1562819EFF}" destId="{A93ACAAC-8AC7-450F-B3D0-D3F976B98F22}" srcOrd="0" destOrd="0" presId="urn:microsoft.com/office/officeart/2005/8/layout/orgChart1"/>
+    <dgm:cxn modelId="{3846795C-FE73-40DB-AC32-5D0808724975}" type="presParOf" srcId="{A93ACAAC-8AC7-450F-B3D0-D3F976B98F22}" destId="{CA994147-7CD1-428E-AC8C-C3CAB2DC1518}" srcOrd="0" destOrd="0" presId="urn:microsoft.com/office/officeart/2005/8/layout/orgChart1"/>
+    <dgm:cxn modelId="{42953105-30CF-47B9-8EC4-FA8352292D33}" type="presParOf" srcId="{A93ACAAC-8AC7-450F-B3D0-D3F976B98F22}" destId="{6CDF814F-187B-46E3-94E8-DE2FDFDB04B3}" srcOrd="1" destOrd="0" presId="urn:microsoft.com/office/officeart/2005/8/layout/orgChart1"/>
+    <dgm:cxn modelId="{6EF2E91A-8BB6-4E79-B08F-8687200A3DB9}" type="presParOf" srcId="{0741ABBE-9F4F-4CB5-BDA7-4A1562819EFF}" destId="{8842086F-1584-4FBF-83E0-EF8EE746F9FA}" srcOrd="1" destOrd="0" presId="urn:microsoft.com/office/officeart/2005/8/layout/orgChart1"/>
+    <dgm:cxn modelId="{90DBFBE3-A822-432F-A1A5-3C17FEA5A372}" type="presParOf" srcId="{0741ABBE-9F4F-4CB5-BDA7-4A1562819EFF}" destId="{770EB689-33A3-40D0-AE3D-F1081073C806}" srcOrd="2" destOrd="0" presId="urn:microsoft.com/office/officeart/2005/8/layout/orgChart1"/>
+    <dgm:cxn modelId="{0390F32E-38C2-4FA4-8892-EEA788BAA2C0}" type="presParOf" srcId="{A38CF638-1BC4-4076-A14F-F2AD7F1A4A00}" destId="{47633D50-F810-4405-8407-EBDCE43F1EF9}" srcOrd="2" destOrd="0" presId="urn:microsoft.com/office/officeart/2005/8/layout/orgChart1"/>
+    <dgm:cxn modelId="{EAAEEDE9-6A16-4992-8445-EDE8C5165251}" type="presParOf" srcId="{A38CF638-1BC4-4076-A14F-F2AD7F1A4A00}" destId="{8B8E1CD1-22AA-455B-9074-C90F9241F033}" srcOrd="3" destOrd="0" presId="urn:microsoft.com/office/officeart/2005/8/layout/orgChart1"/>
+    <dgm:cxn modelId="{5829FCDB-F632-4E5E-BA27-7CFC8E3C43FD}" type="presParOf" srcId="{8B8E1CD1-22AA-455B-9074-C90F9241F033}" destId="{8DA04A6F-679E-4619-92AC-B93D1E5A6B27}" srcOrd="0" destOrd="0" presId="urn:microsoft.com/office/officeart/2005/8/layout/orgChart1"/>
+    <dgm:cxn modelId="{32674355-53DA-4226-9A87-1FAD909D51CC}" type="presParOf" srcId="{8DA04A6F-679E-4619-92AC-B93D1E5A6B27}" destId="{59A222E1-5B87-4DC7-AFA0-3BC63BBEDECE}" srcOrd="0" destOrd="0" presId="urn:microsoft.com/office/officeart/2005/8/layout/orgChart1"/>
+    <dgm:cxn modelId="{4912253B-F1FA-42A8-ADF2-0EF9DCE61323}" type="presParOf" srcId="{8DA04A6F-679E-4619-92AC-B93D1E5A6B27}" destId="{52B47193-2204-4661-B50D-E59465563313}" srcOrd="1" destOrd="0" presId="urn:microsoft.com/office/officeart/2005/8/layout/orgChart1"/>
+    <dgm:cxn modelId="{67ADF802-1D86-405B-9F28-CF4D9C6F41D0}" type="presParOf" srcId="{8B8E1CD1-22AA-455B-9074-C90F9241F033}" destId="{785DF6B1-BA3D-442A-8186-A145E5F146AD}" srcOrd="1" destOrd="0" presId="urn:microsoft.com/office/officeart/2005/8/layout/orgChart1"/>
+    <dgm:cxn modelId="{E5F1B6B0-C763-4D57-B274-932092695550}" type="presParOf" srcId="{8B8E1CD1-22AA-455B-9074-C90F9241F033}" destId="{D476844E-7488-49A0-84F1-921C41358580}" srcOrd="2" destOrd="0" presId="urn:microsoft.com/office/officeart/2005/8/layout/orgChart1"/>
+    <dgm:cxn modelId="{CBDC858B-4EE4-4FE8-A4B0-2A9B6E305A39}" type="presParOf" srcId="{123A74DD-7272-4B19-AA51-76FE24F7EB19}" destId="{19BA1BE5-9225-47E6-B3C9-2D66D8375F4D}" srcOrd="2" destOrd="0" presId="urn:microsoft.com/office/officeart/2005/8/layout/orgChart1"/>
+    <dgm:cxn modelId="{47BFB7D9-E525-4172-AA3A-EC941BAB1F87}" type="presParOf" srcId="{19BA1BE5-9225-47E6-B3C9-2D66D8375F4D}" destId="{1D4B81AF-9043-4198-BE61-1F1D7586619E}" srcOrd="0" destOrd="0" presId="urn:microsoft.com/office/officeart/2005/8/layout/orgChart1"/>
+    <dgm:cxn modelId="{FB6F43D3-E4EF-46A1-A4BF-88C4A96A1C17}" type="presParOf" srcId="{19BA1BE5-9225-47E6-B3C9-2D66D8375F4D}" destId="{99C1B4D5-93B1-4FBD-916B-AA1C313EDC66}" srcOrd="1" destOrd="0" presId="urn:microsoft.com/office/officeart/2005/8/layout/orgChart1"/>
+    <dgm:cxn modelId="{F3DAD00F-77B1-4146-BE4A-E1C58E8D7E3C}" type="presParOf" srcId="{99C1B4D5-93B1-4FBD-916B-AA1C313EDC66}" destId="{A6A75CCE-F8C0-4FCC-903A-F97CDFB4D30C}" srcOrd="0" destOrd="0" presId="urn:microsoft.com/office/officeart/2005/8/layout/orgChart1"/>
+    <dgm:cxn modelId="{5A82AC5F-61F8-4415-9DEC-E81A77ED0EF4}" type="presParOf" srcId="{A6A75CCE-F8C0-4FCC-903A-F97CDFB4D30C}" destId="{AB139912-4DEA-4907-B008-8A5E0218DC3B}" srcOrd="0" destOrd="0" presId="urn:microsoft.com/office/officeart/2005/8/layout/orgChart1"/>
+    <dgm:cxn modelId="{5860CB41-A264-483B-A0BD-C020D4B4188B}" type="presParOf" srcId="{A6A75CCE-F8C0-4FCC-903A-F97CDFB4D30C}" destId="{A0D5B741-1E15-4566-8491-0C8B07EEB499}" srcOrd="1" destOrd="0" presId="urn:microsoft.com/office/officeart/2005/8/layout/orgChart1"/>
+    <dgm:cxn modelId="{62FFE10B-B119-4CB4-ADEA-77759DC4B3C2}" type="presParOf" srcId="{99C1B4D5-93B1-4FBD-916B-AA1C313EDC66}" destId="{519EA455-6296-4B1E-8B97-63729B2E3DB0}" srcOrd="1" destOrd="0" presId="urn:microsoft.com/office/officeart/2005/8/layout/orgChart1"/>
+    <dgm:cxn modelId="{70766BB8-63C8-4E01-ADAA-8770AF35A08D}" type="presParOf" srcId="{99C1B4D5-93B1-4FBD-916B-AA1C313EDC66}" destId="{0519A4A1-6C22-4837-AAFC-C3E7D124AE1A}" srcOrd="2" destOrd="0" presId="urn:microsoft.com/office/officeart/2005/8/layout/orgChart1"/>
+  </dgm:cxnLst>
+  <dgm:bg/>
+  <dgm:whole/>
+  <dgm:extLst>
+    <a:ext uri="http://schemas.microsoft.com/office/drawing/2008/diagram">
+      <dsp:dataModelExt xmlns:dsp="http://schemas.microsoft.com/office/drawing/2008/diagram" relId="rId7" minVer="http://schemas.openxmlformats.org/drawingml/2006/diagram"/>
     </a:ext>
   </dgm:extLst>
 </dgm:dataModel>
@@ -1560,25 +2688,45 @@
         <a:gradFill rotWithShape="0">
           <a:gsLst>
             <a:gs pos="0">
-              <a:schemeClr val="dk2">
+              <a:schemeClr val="lt1">
                 <a:hueOff val="0"/>
                 <a:satOff val="0"/>
                 <a:lumOff val="0"/>
                 <a:alphaOff val="0"/>
-                <a:tint val="100000"/>
-                <a:shade val="100000"/>
-                <a:satMod val="130000"/>
+                <a:shade val="15000"/>
+                <a:satMod val="180000"/>
               </a:schemeClr>
             </a:gs>
-            <a:gs pos="100000">
-              <a:schemeClr val="dk2">
+            <a:gs pos="50000">
+              <a:schemeClr val="lt1">
                 <a:hueOff val="0"/>
                 <a:satOff val="0"/>
                 <a:lumOff val="0"/>
                 <a:alphaOff val="0"/>
-                <a:tint val="50000"/>
+                <a:shade val="45000"/>
+                <a:satMod val="170000"/>
+              </a:schemeClr>
+            </a:gs>
+            <a:gs pos="70000">
+              <a:schemeClr val="lt1">
+                <a:hueOff val="0"/>
+                <a:satOff val="0"/>
+                <a:lumOff val="0"/>
+                <a:alphaOff val="0"/>
+                <a:tint val="99000"/>
+                <a:shade val="65000"/>
+                <a:satMod val="155000"/>
+              </a:schemeClr>
+            </a:gs>
+            <a:gs pos="100000">
+              <a:schemeClr val="lt1">
+                <a:hueOff val="0"/>
+                <a:satOff val="0"/>
+                <a:lumOff val="0"/>
+                <a:alphaOff val="0"/>
+                <a:tint val="95500"/>
                 <a:shade val="100000"/>
-                <a:satMod val="350000"/>
+                <a:satMod val="155000"/>
               </a:schemeClr>
             </a:gs>
           </a:gsLst>
@@ -1588,7 +2736,7 @@
           <a:noFill/>
         </a:ln>
         <a:effectLst>
-          <a:outerShdw blurRad="40000" dist="23000" dir="5400000" rotWithShape="0">
+          <a:outerShdw blurRad="50800" dist="38100" dir="5400000" rotWithShape="0">
             <a:srgbClr val="000000">
               <a:alpha val="35000"/>
             </a:srgbClr>
@@ -1692,25 +2840,45 @@
         <a:gradFill rotWithShape="0">
           <a:gsLst>
             <a:gs pos="0">
-              <a:schemeClr val="dk2">
+              <a:schemeClr val="lt1">
                 <a:hueOff val="0"/>
                 <a:satOff val="0"/>
                 <a:lumOff val="0"/>
                 <a:alphaOff val="0"/>
-                <a:tint val="100000"/>
-                <a:shade val="100000"/>
-                <a:satMod val="130000"/>
+                <a:shade val="15000"/>
+                <a:satMod val="180000"/>
               </a:schemeClr>
             </a:gs>
-            <a:gs pos="100000">
-              <a:schemeClr val="dk2">
+            <a:gs pos="50000">
+              <a:schemeClr val="lt1">
                 <a:hueOff val="0"/>
                 <a:satOff val="0"/>
                 <a:lumOff val="0"/>
                 <a:alphaOff val="0"/>
-                <a:tint val="50000"/>
+                <a:shade val="45000"/>
+                <a:satMod val="170000"/>
+              </a:schemeClr>
+            </a:gs>
+            <a:gs pos="70000">
+              <a:schemeClr val="lt1">
+                <a:hueOff val="0"/>
+                <a:satOff val="0"/>
+                <a:lumOff val="0"/>
+                <a:alphaOff val="0"/>
+                <a:tint val="99000"/>
+                <a:shade val="65000"/>
+                <a:satMod val="155000"/>
+              </a:schemeClr>
+            </a:gs>
+            <a:gs pos="100000">
+              <a:schemeClr val="lt1">
+                <a:hueOff val="0"/>
+                <a:satOff val="0"/>
+                <a:lumOff val="0"/>
+                <a:alphaOff val="0"/>
+                <a:tint val="95500"/>
                 <a:shade val="100000"/>
-                <a:satMod val="350000"/>
+                <a:satMod val="155000"/>
               </a:schemeClr>
             </a:gs>
           </a:gsLst>
@@ -1720,7 +2888,7 @@
           <a:noFill/>
         </a:ln>
         <a:effectLst>
-          <a:outerShdw blurRad="40000" dist="23000" dir="5400000" rotWithShape="0">
+          <a:outerShdw blurRad="50800" dist="38100" dir="5400000" rotWithShape="0">
             <a:srgbClr val="000000">
               <a:alpha val="35000"/>
             </a:srgbClr>
@@ -1848,25 +3016,45 @@
         <a:gradFill rotWithShape="0">
           <a:gsLst>
             <a:gs pos="0">
-              <a:schemeClr val="dk2">
+              <a:schemeClr val="lt1">
                 <a:hueOff val="0"/>
                 <a:satOff val="0"/>
                 <a:lumOff val="0"/>
                 <a:alphaOff val="0"/>
-                <a:tint val="100000"/>
-                <a:shade val="100000"/>
-                <a:satMod val="130000"/>
+                <a:shade val="15000"/>
+                <a:satMod val="180000"/>
               </a:schemeClr>
             </a:gs>
-            <a:gs pos="100000">
-              <a:schemeClr val="dk2">
+            <a:gs pos="50000">
+              <a:schemeClr val="lt1">
                 <a:hueOff val="0"/>
                 <a:satOff val="0"/>
                 <a:lumOff val="0"/>
                 <a:alphaOff val="0"/>
-                <a:tint val="50000"/>
+                <a:shade val="45000"/>
+                <a:satMod val="170000"/>
+              </a:schemeClr>
+            </a:gs>
+            <a:gs pos="70000">
+              <a:schemeClr val="lt1">
+                <a:hueOff val="0"/>
+                <a:satOff val="0"/>
+                <a:lumOff val="0"/>
+                <a:alphaOff val="0"/>
+                <a:tint val="99000"/>
+                <a:shade val="65000"/>
+                <a:satMod val="155000"/>
+              </a:schemeClr>
+            </a:gs>
+            <a:gs pos="100000">
+              <a:schemeClr val="lt1">
+                <a:hueOff val="0"/>
+                <a:satOff val="0"/>
+                <a:lumOff val="0"/>
+                <a:alphaOff val="0"/>
+                <a:tint val="95500"/>
                 <a:shade val="100000"/>
-                <a:satMod val="350000"/>
+                <a:satMod val="155000"/>
               </a:schemeClr>
             </a:gs>
           </a:gsLst>
@@ -1876,7 +3064,7 @@
           <a:noFill/>
         </a:ln>
         <a:effectLst>
-          <a:outerShdw blurRad="40000" dist="23000" dir="5400000" rotWithShape="0">
+          <a:outerShdw blurRad="50800" dist="38100" dir="5400000" rotWithShape="0">
             <a:srgbClr val="000000">
               <a:alpha val="35000"/>
             </a:srgbClr>
@@ -1898,12 +3086,12 @@
         </a:fontRef>
       </dsp:style>
       <dsp:txBody>
-        <a:bodyPr spcFirstLastPara="0" vert="horz" wrap="square" lIns="171450" tIns="0" rIns="171450" bIns="0" numCol="1" spcCol="1270" anchor="t" anchorCtr="0">
+        <a:bodyPr spcFirstLastPara="0" vert="horz" wrap="square" lIns="152400" tIns="0" rIns="152400" bIns="0" numCol="1" spcCol="1270" anchor="t" anchorCtr="0">
           <a:noAutofit/>
         </a:bodyPr>
         <a:lstStyle/>
         <a:p>
-          <a:pPr lvl="0" algn="l" defTabSz="1200150">
+          <a:pPr lvl="0" algn="l" defTabSz="1066800">
             <a:lnSpc>
               <a:spcPct val="90000"/>
             </a:lnSpc>
@@ -1915,10 +3103,10 @@
             </a:spcAft>
           </a:pPr>
           <a:r>
-            <a:rPr lang="en-US" sz="2700" kern="1200" dirty="0" smtClean="0"/>
+            <a:rPr lang="en-US" sz="2400" kern="1200" dirty="0" smtClean="0"/>
             <a:t>Opportunity</a:t>
           </a:r>
-          <a:endParaRPr lang="en-US" sz="2700" kern="1200" dirty="0"/>
+          <a:endParaRPr lang="en-US" sz="2400" kern="1200" dirty="0"/>
         </a:p>
         <a:p>
           <a:pPr marL="171450" lvl="1" indent="-171450" algn="l" defTabSz="800100">
@@ -1964,25 +3152,45 @@
         <a:gradFill rotWithShape="0">
           <a:gsLst>
             <a:gs pos="0">
-              <a:schemeClr val="dk2">
+              <a:schemeClr val="lt1">
                 <a:hueOff val="0"/>
                 <a:satOff val="0"/>
                 <a:lumOff val="0"/>
                 <a:alphaOff val="0"/>
-                <a:tint val="100000"/>
-                <a:shade val="100000"/>
-                <a:satMod val="130000"/>
+                <a:shade val="15000"/>
+                <a:satMod val="180000"/>
               </a:schemeClr>
             </a:gs>
-            <a:gs pos="100000">
-              <a:schemeClr val="dk2">
+            <a:gs pos="50000">
+              <a:schemeClr val="lt1">
                 <a:hueOff val="0"/>
                 <a:satOff val="0"/>
                 <a:lumOff val="0"/>
                 <a:alphaOff val="0"/>
-                <a:tint val="50000"/>
+                <a:shade val="45000"/>
+                <a:satMod val="170000"/>
+              </a:schemeClr>
+            </a:gs>
+            <a:gs pos="70000">
+              <a:schemeClr val="lt1">
+                <a:hueOff val="0"/>
+                <a:satOff val="0"/>
+                <a:lumOff val="0"/>
+                <a:alphaOff val="0"/>
+                <a:tint val="99000"/>
+                <a:shade val="65000"/>
+                <a:satMod val="155000"/>
+              </a:schemeClr>
+            </a:gs>
+            <a:gs pos="100000">
+              <a:schemeClr val="lt1">
+                <a:hueOff val="0"/>
+                <a:satOff val="0"/>
+                <a:lumOff val="0"/>
+                <a:alphaOff val="0"/>
+                <a:tint val="95500"/>
                 <a:shade val="100000"/>
-                <a:satMod val="350000"/>
+                <a:satMod val="155000"/>
               </a:schemeClr>
             </a:gs>
           </a:gsLst>
@@ -1992,7 +3200,7 @@
           <a:noFill/>
         </a:ln>
         <a:effectLst>
-          <a:outerShdw blurRad="40000" dist="23000" dir="5400000" rotWithShape="0">
+          <a:outerShdw blurRad="50800" dist="38100" dir="5400000" rotWithShape="0">
             <a:srgbClr val="000000">
               <a:alpha val="35000"/>
             </a:srgbClr>
@@ -2062,6 +3270,506 @@
       <dsp:txXfrm rot="5400000">
         <a:off x="6804113" y="920433"/>
         <a:ext cx="2109136" cy="2761297"/>
+      </dsp:txXfrm>
+    </dsp:sp>
+  </dsp:spTree>
+</dsp:drawing>
+</file>
+
+<file path=ppt/diagrams/drawing2.xml><?xml version="1.0" encoding="utf-8"?>
+<dsp:drawing xmlns:dgm="http://schemas.openxmlformats.org/drawingml/2006/diagram" xmlns:dsp="http://schemas.microsoft.com/office/drawing/2008/diagram" xmlns:a="http://schemas.openxmlformats.org/drawingml/2006/main">
+  <dsp:spTree>
+    <dsp:nvGrpSpPr>
+      <dsp:cNvPr id="0" name=""/>
+      <dsp:cNvGrpSpPr/>
+    </dsp:nvGrpSpPr>
+    <dsp:grpSpPr/>
+    <dsp:sp modelId="{1D4B81AF-9043-4198-BE61-1F1D7586619E}">
+      <dsp:nvSpPr>
+        <dsp:cNvPr id="0" name=""/>
+        <dsp:cNvSpPr/>
+      </dsp:nvSpPr>
+      <dsp:spPr>
+        <a:xfrm>
+          <a:off x="1995931" y="748522"/>
+          <a:ext cx="156718" cy="686577"/>
+        </a:xfrm>
+        <a:custGeom>
+          <a:avLst/>
+          <a:gdLst/>
+          <a:ahLst/>
+          <a:cxnLst/>
+          <a:rect l="0" t="0" r="0" b="0"/>
+          <a:pathLst>
+            <a:path>
+              <a:moveTo>
+                <a:pt x="156718" y="0"/>
+              </a:moveTo>
+              <a:lnTo>
+                <a:pt x="156718" y="686577"/>
+              </a:lnTo>
+              <a:lnTo>
+                <a:pt x="0" y="686577"/>
+              </a:lnTo>
+            </a:path>
+          </a:pathLst>
+        </a:custGeom>
+        <a:noFill/>
+        <a:ln w="55000" cap="flat" cmpd="thickThin" algn="ctr">
+          <a:solidFill>
+            <a:schemeClr val="accent1">
+              <a:shade val="60000"/>
+              <a:hueOff val="0"/>
+              <a:satOff val="0"/>
+              <a:lumOff val="0"/>
+              <a:alphaOff val="0"/>
+            </a:schemeClr>
+          </a:solidFill>
+          <a:prstDash val="solid"/>
+        </a:ln>
+        <a:effectLst/>
+      </dsp:spPr>
+      <dsp:style>
+        <a:lnRef idx="2">
+          <a:scrgbClr r="0" g="0" b="0"/>
+        </a:lnRef>
+        <a:fillRef idx="0">
+          <a:scrgbClr r="0" g="0" b="0"/>
+        </a:fillRef>
+        <a:effectRef idx="0">
+          <a:scrgbClr r="0" g="0" b="0"/>
+        </a:effectRef>
+        <a:fontRef idx="minor"/>
+      </dsp:style>
+    </dsp:sp>
+    <dsp:sp modelId="{47633D50-F810-4405-8407-EBDCE43F1EF9}">
+      <dsp:nvSpPr>
+        <dsp:cNvPr id="0" name=""/>
+        <dsp:cNvSpPr/>
+      </dsp:nvSpPr>
+      <dsp:spPr>
+        <a:xfrm>
+          <a:off x="2152650" y="748522"/>
+          <a:ext cx="902998" cy="1373155"/>
+        </a:xfrm>
+        <a:custGeom>
+          <a:avLst/>
+          <a:gdLst/>
+          <a:ahLst/>
+          <a:cxnLst/>
+          <a:rect l="0" t="0" r="0" b="0"/>
+          <a:pathLst>
+            <a:path>
+              <a:moveTo>
+                <a:pt x="0" y="0"/>
+              </a:moveTo>
+              <a:lnTo>
+                <a:pt x="0" y="1216436"/>
+              </a:lnTo>
+              <a:lnTo>
+                <a:pt x="902998" y="1216436"/>
+              </a:lnTo>
+              <a:lnTo>
+                <a:pt x="902998" y="1373155"/>
+              </a:lnTo>
+            </a:path>
+          </a:pathLst>
+        </a:custGeom>
+        <a:noFill/>
+        <a:ln w="55000" cap="flat" cmpd="thickThin" algn="ctr">
+          <a:solidFill>
+            <a:schemeClr val="accent1">
+              <a:shade val="60000"/>
+              <a:hueOff val="0"/>
+              <a:satOff val="0"/>
+              <a:lumOff val="0"/>
+              <a:alphaOff val="0"/>
+            </a:schemeClr>
+          </a:solidFill>
+          <a:prstDash val="solid"/>
+        </a:ln>
+        <a:effectLst/>
+      </dsp:spPr>
+      <dsp:style>
+        <a:lnRef idx="2">
+          <a:scrgbClr r="0" g="0" b="0"/>
+        </a:lnRef>
+        <a:fillRef idx="0">
+          <a:scrgbClr r="0" g="0" b="0"/>
+        </a:fillRef>
+        <a:effectRef idx="0">
+          <a:scrgbClr r="0" g="0" b="0"/>
+        </a:effectRef>
+        <a:fontRef idx="minor"/>
+      </dsp:style>
+    </dsp:sp>
+    <dsp:sp modelId="{87A5696B-F63F-46BB-B636-1A96D58FCD77}">
+      <dsp:nvSpPr>
+        <dsp:cNvPr id="0" name=""/>
+        <dsp:cNvSpPr/>
+      </dsp:nvSpPr>
+      <dsp:spPr>
+        <a:xfrm>
+          <a:off x="1249651" y="748522"/>
+          <a:ext cx="902998" cy="1373155"/>
+        </a:xfrm>
+        <a:custGeom>
+          <a:avLst/>
+          <a:gdLst/>
+          <a:ahLst/>
+          <a:cxnLst/>
+          <a:rect l="0" t="0" r="0" b="0"/>
+          <a:pathLst>
+            <a:path>
+              <a:moveTo>
+                <a:pt x="902998" y="0"/>
+              </a:moveTo>
+              <a:lnTo>
+                <a:pt x="902998" y="1216436"/>
+              </a:lnTo>
+              <a:lnTo>
+                <a:pt x="0" y="1216436"/>
+              </a:lnTo>
+              <a:lnTo>
+                <a:pt x="0" y="1373155"/>
+              </a:lnTo>
+            </a:path>
+          </a:pathLst>
+        </a:custGeom>
+        <a:noFill/>
+        <a:ln w="55000" cap="flat" cmpd="thickThin" algn="ctr">
+          <a:solidFill>
+            <a:schemeClr val="accent1">
+              <a:shade val="60000"/>
+              <a:hueOff val="0"/>
+              <a:satOff val="0"/>
+              <a:lumOff val="0"/>
+              <a:alphaOff val="0"/>
+            </a:schemeClr>
+          </a:solidFill>
+          <a:prstDash val="solid"/>
+        </a:ln>
+        <a:effectLst/>
+      </dsp:spPr>
+      <dsp:style>
+        <a:lnRef idx="2">
+          <a:scrgbClr r="0" g="0" b="0"/>
+        </a:lnRef>
+        <a:fillRef idx="0">
+          <a:scrgbClr r="0" g="0" b="0"/>
+        </a:fillRef>
+        <a:effectRef idx="0">
+          <a:scrgbClr r="0" g="0" b="0"/>
+        </a:effectRef>
+        <a:fontRef idx="minor"/>
+      </dsp:style>
+    </dsp:sp>
+    <dsp:sp modelId="{8FCC25A9-9D41-46A6-BA53-4C59DF666C35}">
+      <dsp:nvSpPr>
+        <dsp:cNvPr id="0" name=""/>
+        <dsp:cNvSpPr/>
+      </dsp:nvSpPr>
+      <dsp:spPr>
+        <a:xfrm>
+          <a:off x="1406369" y="2242"/>
+          <a:ext cx="1492560" cy="746280"/>
+        </a:xfrm>
+        <a:prstGeom prst="rect">
+          <a:avLst/>
+        </a:prstGeom>
+        <a:solidFill>
+          <a:schemeClr val="accent1">
+            <a:hueOff val="0"/>
+            <a:satOff val="0"/>
+            <a:lumOff val="0"/>
+            <a:alphaOff val="0"/>
+          </a:schemeClr>
+        </a:solidFill>
+        <a:ln w="55000" cap="flat" cmpd="thickThin" algn="ctr">
+          <a:solidFill>
+            <a:schemeClr val="lt1">
+              <a:hueOff val="0"/>
+              <a:satOff val="0"/>
+              <a:lumOff val="0"/>
+              <a:alphaOff val="0"/>
+            </a:schemeClr>
+          </a:solidFill>
+          <a:prstDash val="solid"/>
+        </a:ln>
+        <a:effectLst/>
+      </dsp:spPr>
+      <dsp:style>
+        <a:lnRef idx="2">
+          <a:scrgbClr r="0" g="0" b="0"/>
+        </a:lnRef>
+        <a:fillRef idx="1">
+          <a:scrgbClr r="0" g="0" b="0"/>
+        </a:fillRef>
+        <a:effectRef idx="0">
+          <a:scrgbClr r="0" g="0" b="0"/>
+        </a:effectRef>
+        <a:fontRef idx="minor">
+          <a:schemeClr val="lt1"/>
+        </a:fontRef>
+      </dsp:style>
+      <dsp:txBody>
+        <a:bodyPr spcFirstLastPara="0" vert="horz" wrap="square" lIns="8255" tIns="8255" rIns="8255" bIns="8255" numCol="1" spcCol="1270" anchor="ctr" anchorCtr="0">
+          <a:noAutofit/>
+        </a:bodyPr>
+        <a:lstStyle/>
+        <a:p>
+          <a:pPr lvl="0" algn="ctr" defTabSz="577850">
+            <a:lnSpc>
+              <a:spcPct val="90000"/>
+            </a:lnSpc>
+            <a:spcBef>
+              <a:spcPct val="0"/>
+            </a:spcBef>
+            <a:spcAft>
+              <a:spcPct val="35000"/>
+            </a:spcAft>
+          </a:pPr>
+          <a:r>
+            <a:rPr lang="en-US" sz="1300" kern="1200" dirty="0" smtClean="0"/>
+            <a:t>Homepage</a:t>
+          </a:r>
+          <a:endParaRPr lang="en-US" sz="1300" kern="1200" dirty="0"/>
+        </a:p>
+      </dsp:txBody>
+      <dsp:txXfrm>
+        <a:off x="1406369" y="2242"/>
+        <a:ext cx="1492560" cy="746280"/>
+      </dsp:txXfrm>
+    </dsp:sp>
+    <dsp:sp modelId="{CA994147-7CD1-428E-AC8C-C3CAB2DC1518}">
+      <dsp:nvSpPr>
+        <dsp:cNvPr id="0" name=""/>
+        <dsp:cNvSpPr/>
+      </dsp:nvSpPr>
+      <dsp:spPr>
+        <a:xfrm>
+          <a:off x="503371" y="2121677"/>
+          <a:ext cx="1492560" cy="746280"/>
+        </a:xfrm>
+        <a:prstGeom prst="rect">
+          <a:avLst/>
+        </a:prstGeom>
+        <a:solidFill>
+          <a:schemeClr val="accent1">
+            <a:hueOff val="0"/>
+            <a:satOff val="0"/>
+            <a:lumOff val="0"/>
+            <a:alphaOff val="0"/>
+          </a:schemeClr>
+        </a:solidFill>
+        <a:ln w="55000" cap="flat" cmpd="thickThin" algn="ctr">
+          <a:solidFill>
+            <a:schemeClr val="lt1">
+              <a:hueOff val="0"/>
+              <a:satOff val="0"/>
+              <a:lumOff val="0"/>
+              <a:alphaOff val="0"/>
+            </a:schemeClr>
+          </a:solidFill>
+          <a:prstDash val="solid"/>
+        </a:ln>
+        <a:effectLst/>
+      </dsp:spPr>
+      <dsp:style>
+        <a:lnRef idx="2">
+          <a:scrgbClr r="0" g="0" b="0"/>
+        </a:lnRef>
+        <a:fillRef idx="1">
+          <a:scrgbClr r="0" g="0" b="0"/>
+        </a:fillRef>
+        <a:effectRef idx="0">
+          <a:scrgbClr r="0" g="0" b="0"/>
+        </a:effectRef>
+        <a:fontRef idx="minor">
+          <a:schemeClr val="lt1"/>
+        </a:fontRef>
+      </dsp:style>
+      <dsp:txBody>
+        <a:bodyPr spcFirstLastPara="0" vert="horz" wrap="square" lIns="8255" tIns="8255" rIns="8255" bIns="8255" numCol="1" spcCol="1270" anchor="ctr" anchorCtr="0">
+          <a:noAutofit/>
+        </a:bodyPr>
+        <a:lstStyle/>
+        <a:p>
+          <a:pPr lvl="0" algn="ctr" defTabSz="577850">
+            <a:lnSpc>
+              <a:spcPct val="90000"/>
+            </a:lnSpc>
+            <a:spcBef>
+              <a:spcPct val="0"/>
+            </a:spcBef>
+            <a:spcAft>
+              <a:spcPct val="35000"/>
+            </a:spcAft>
+          </a:pPr>
+          <a:r>
+            <a:rPr lang="en-US" sz="1300" kern="1200" dirty="0" smtClean="0"/>
+            <a:t>Flexible Financing Fund</a:t>
+          </a:r>
+          <a:endParaRPr lang="en-US" sz="1300" kern="1200" dirty="0"/>
+        </a:p>
+      </dsp:txBody>
+      <dsp:txXfrm>
+        <a:off x="503371" y="2121677"/>
+        <a:ext cx="1492560" cy="746280"/>
+      </dsp:txXfrm>
+    </dsp:sp>
+    <dsp:sp modelId="{59A222E1-5B87-4DC7-AFA0-3BC63BBEDECE}">
+      <dsp:nvSpPr>
+        <dsp:cNvPr id="0" name=""/>
+        <dsp:cNvSpPr/>
+      </dsp:nvSpPr>
+      <dsp:spPr>
+        <a:xfrm>
+          <a:off x="2309368" y="2121677"/>
+          <a:ext cx="1492560" cy="746280"/>
+        </a:xfrm>
+        <a:prstGeom prst="rect">
+          <a:avLst/>
+        </a:prstGeom>
+        <a:solidFill>
+          <a:schemeClr val="accent1">
+            <a:hueOff val="0"/>
+            <a:satOff val="0"/>
+            <a:lumOff val="0"/>
+            <a:alphaOff val="0"/>
+          </a:schemeClr>
+        </a:solidFill>
+        <a:ln w="55000" cap="flat" cmpd="thickThin" algn="ctr">
+          <a:solidFill>
+            <a:schemeClr val="lt1">
+              <a:hueOff val="0"/>
+              <a:satOff val="0"/>
+              <a:lumOff val="0"/>
+              <a:alphaOff val="0"/>
+            </a:schemeClr>
+          </a:solidFill>
+          <a:prstDash val="solid"/>
+        </a:ln>
+        <a:effectLst/>
+      </dsp:spPr>
+      <dsp:style>
+        <a:lnRef idx="2">
+          <a:scrgbClr r="0" g="0" b="0"/>
+        </a:lnRef>
+        <a:fillRef idx="1">
+          <a:scrgbClr r="0" g="0" b="0"/>
+        </a:fillRef>
+        <a:effectRef idx="0">
+          <a:scrgbClr r="0" g="0" b="0"/>
+        </a:effectRef>
+        <a:fontRef idx="minor">
+          <a:schemeClr val="lt1"/>
+        </a:fontRef>
+      </dsp:style>
+      <dsp:txBody>
+        <a:bodyPr spcFirstLastPara="0" vert="horz" wrap="square" lIns="8255" tIns="8255" rIns="8255" bIns="8255" numCol="1" spcCol="1270" anchor="ctr" anchorCtr="0">
+          <a:noAutofit/>
+        </a:bodyPr>
+        <a:lstStyle/>
+        <a:p>
+          <a:pPr lvl="0" algn="ctr" defTabSz="577850">
+            <a:lnSpc>
+              <a:spcPct val="90000"/>
+            </a:lnSpc>
+            <a:spcBef>
+              <a:spcPct val="0"/>
+            </a:spcBef>
+            <a:spcAft>
+              <a:spcPct val="35000"/>
+            </a:spcAft>
+          </a:pPr>
+          <a:r>
+            <a:rPr lang="en-US" sz="1300" kern="1200" dirty="0" smtClean="0"/>
+            <a:t>State Homelessness Fund</a:t>
+          </a:r>
+          <a:endParaRPr lang="en-US" sz="1300" kern="1200" dirty="0"/>
+        </a:p>
+      </dsp:txBody>
+      <dsp:txXfrm>
+        <a:off x="2309368" y="2121677"/>
+        <a:ext cx="1492560" cy="746280"/>
+      </dsp:txXfrm>
+    </dsp:sp>
+    <dsp:sp modelId="{AB139912-4DEA-4907-B008-8A5E0218DC3B}">
+      <dsp:nvSpPr>
+        <dsp:cNvPr id="0" name=""/>
+        <dsp:cNvSpPr/>
+      </dsp:nvSpPr>
+      <dsp:spPr>
+        <a:xfrm>
+          <a:off x="503371" y="1061959"/>
+          <a:ext cx="1492560" cy="746280"/>
+        </a:xfrm>
+        <a:prstGeom prst="rect">
+          <a:avLst/>
+        </a:prstGeom>
+        <a:solidFill>
+          <a:schemeClr val="accent1">
+            <a:hueOff val="0"/>
+            <a:satOff val="0"/>
+            <a:lumOff val="0"/>
+            <a:alphaOff val="0"/>
+          </a:schemeClr>
+        </a:solidFill>
+        <a:ln w="55000" cap="flat" cmpd="thickThin" algn="ctr">
+          <a:solidFill>
+            <a:schemeClr val="lt1">
+              <a:hueOff val="0"/>
+              <a:satOff val="0"/>
+              <a:lumOff val="0"/>
+              <a:alphaOff val="0"/>
+            </a:schemeClr>
+          </a:solidFill>
+          <a:prstDash val="solid"/>
+        </a:ln>
+        <a:effectLst/>
+      </dsp:spPr>
+      <dsp:style>
+        <a:lnRef idx="2">
+          <a:scrgbClr r="0" g="0" b="0"/>
+        </a:lnRef>
+        <a:fillRef idx="1">
+          <a:scrgbClr r="0" g="0" b="0"/>
+        </a:fillRef>
+        <a:effectRef idx="0">
+          <a:scrgbClr r="0" g="0" b="0"/>
+        </a:effectRef>
+        <a:fontRef idx="minor">
+          <a:schemeClr val="lt1"/>
+        </a:fontRef>
+      </dsp:style>
+      <dsp:txBody>
+        <a:bodyPr spcFirstLastPara="0" vert="horz" wrap="square" lIns="8255" tIns="8255" rIns="8255" bIns="8255" numCol="1" spcCol="1270" anchor="ctr" anchorCtr="0">
+          <a:noAutofit/>
+        </a:bodyPr>
+        <a:lstStyle/>
+        <a:p>
+          <a:pPr lvl="0" algn="ctr" defTabSz="577850">
+            <a:lnSpc>
+              <a:spcPct val="90000"/>
+            </a:lnSpc>
+            <a:spcBef>
+              <a:spcPct val="0"/>
+            </a:spcBef>
+            <a:spcAft>
+              <a:spcPct val="35000"/>
+            </a:spcAft>
+          </a:pPr>
+          <a:r>
+            <a:rPr lang="en-US" sz="1300" kern="1200" dirty="0" smtClean="0"/>
+            <a:t>Our Programs</a:t>
+          </a:r>
+          <a:endParaRPr lang="en-US" sz="1300" kern="1200" dirty="0"/>
+        </a:p>
+      </dsp:txBody>
+      <dsp:txXfrm>
+        <a:off x="503371" y="1061959"/>
+        <a:ext cx="1492560" cy="746280"/>
       </dsp:txXfrm>
     </dsp:sp>
   </dsp:spTree>
@@ -2240,6 +3948,1152 @@
 </dgm:layoutDef>
 </file>
 
+<file path=ppt/diagrams/layout2.xml><?xml version="1.0" encoding="utf-8"?>
+<dgm:layoutDef xmlns:dgm="http://schemas.openxmlformats.org/drawingml/2006/diagram" xmlns:a="http://schemas.openxmlformats.org/drawingml/2006/main" uniqueId="urn:microsoft.com/office/officeart/2005/8/layout/orgChart1">
+  <dgm:title val=""/>
+  <dgm:desc val=""/>
+  <dgm:catLst>
+    <dgm:cat type="hierarchy" pri="1000"/>
+    <dgm:cat type="convert" pri="6000"/>
+  </dgm:catLst>
+  <dgm:sampData>
+    <dgm:dataModel>
+      <dgm:ptLst>
+        <dgm:pt modelId="0" type="doc"/>
+        <dgm:pt modelId="1">
+          <dgm:prSet phldr="1"/>
+        </dgm:pt>
+        <dgm:pt modelId="2" type="asst">
+          <dgm:prSet phldr="1"/>
+        </dgm:pt>
+        <dgm:pt modelId="3">
+          <dgm:prSet phldr="1"/>
+        </dgm:pt>
+        <dgm:pt modelId="4">
+          <dgm:prSet phldr="1"/>
+        </dgm:pt>
+        <dgm:pt modelId="5">
+          <dgm:prSet phldr="1"/>
+        </dgm:pt>
+      </dgm:ptLst>
+      <dgm:cxnLst>
+        <dgm:cxn modelId="5" srcId="0" destId="1" srcOrd="0" destOrd="0"/>
+        <dgm:cxn modelId="6" srcId="1" destId="2" srcOrd="0" destOrd="0"/>
+        <dgm:cxn modelId="7" srcId="1" destId="3" srcOrd="1" destOrd="0"/>
+        <dgm:cxn modelId="8" srcId="1" destId="4" srcOrd="2" destOrd="0"/>
+        <dgm:cxn modelId="9" srcId="1" destId="5" srcOrd="3" destOrd="0"/>
+      </dgm:cxnLst>
+      <dgm:bg/>
+      <dgm:whole/>
+    </dgm:dataModel>
+  </dgm:sampData>
+  <dgm:styleData>
+    <dgm:dataModel>
+      <dgm:ptLst>
+        <dgm:pt modelId="0" type="doc"/>
+        <dgm:pt modelId="1"/>
+        <dgm:pt modelId="12"/>
+        <dgm:pt modelId="13"/>
+      </dgm:ptLst>
+      <dgm:cxnLst>
+        <dgm:cxn modelId="2" srcId="0" destId="1" srcOrd="0" destOrd="0"/>
+        <dgm:cxn modelId="16" srcId="1" destId="12" srcOrd="1" destOrd="0"/>
+        <dgm:cxn modelId="17" srcId="1" destId="13" srcOrd="2" destOrd="0"/>
+      </dgm:cxnLst>
+      <dgm:bg/>
+      <dgm:whole/>
+    </dgm:dataModel>
+  </dgm:styleData>
+  <dgm:clrData>
+    <dgm:dataModel>
+      <dgm:ptLst>
+        <dgm:pt modelId="0" type="doc"/>
+        <dgm:pt modelId="1"/>
+        <dgm:pt modelId="11" type="asst"/>
+        <dgm:pt modelId="12"/>
+        <dgm:pt modelId="13"/>
+        <dgm:pt modelId="14"/>
+      </dgm:ptLst>
+      <dgm:cxnLst>
+        <dgm:cxn modelId="2" srcId="0" destId="1" srcOrd="0" destOrd="0"/>
+        <dgm:cxn modelId="15" srcId="1" destId="11" srcOrd="0" destOrd="0"/>
+        <dgm:cxn modelId="16" srcId="1" destId="12" srcOrd="1" destOrd="0"/>
+        <dgm:cxn modelId="17" srcId="1" destId="13" srcOrd="2" destOrd="0"/>
+        <dgm:cxn modelId="18" srcId="1" destId="14" srcOrd="2" destOrd="0"/>
+      </dgm:cxnLst>
+      <dgm:bg/>
+      <dgm:whole/>
+    </dgm:dataModel>
+  </dgm:clrData>
+  <dgm:layoutNode name="hierChild1">
+    <dgm:varLst>
+      <dgm:orgChart val="1"/>
+      <dgm:chPref val="1"/>
+      <dgm:dir/>
+      <dgm:animOne val="branch"/>
+      <dgm:animLvl val="lvl"/>
+      <dgm:resizeHandles/>
+    </dgm:varLst>
+    <dgm:choose name="Name0">
+      <dgm:if name="Name1" func="var" arg="dir" op="equ" val="norm">
+        <dgm:alg type="hierChild">
+          <dgm:param type="linDir" val="fromL"/>
+        </dgm:alg>
+      </dgm:if>
+      <dgm:else name="Name2">
+        <dgm:alg type="hierChild">
+          <dgm:param type="linDir" val="fromR"/>
+        </dgm:alg>
+      </dgm:else>
+    </dgm:choose>
+    <dgm:shape xmlns:r="http://schemas.openxmlformats.org/officeDocument/2006/relationships" r:blip="">
+      <dgm:adjLst/>
+    </dgm:shape>
+    <dgm:presOf/>
+    <dgm:constrLst>
+      <dgm:constr type="w" for="des" forName="rootComposite1" refType="w" fact="10"/>
+      <dgm:constr type="h" for="des" forName="rootComposite1" refType="w" refFor="des" refForName="rootComposite1" fact="0.5"/>
+      <dgm:constr type="w" for="des" forName="rootComposite" refType="w" fact="10"/>
+      <dgm:constr type="h" for="des" forName="rootComposite" refType="w" refFor="des" refForName="rootComposite1" fact="0.5"/>
+      <dgm:constr type="w" for="des" forName="rootComposite3" refType="w" fact="10"/>
+      <dgm:constr type="h" for="des" forName="rootComposite3" refType="w" refFor="des" refForName="rootComposite1" fact="0.5"/>
+      <dgm:constr type="primFontSz" for="des" ptType="node" op="equ"/>
+      <dgm:constr type="sp" for="des" op="equ"/>
+      <dgm:constr type="sp" for="des" forName="hierRoot1" refType="w" refFor="des" refForName="rootComposite1" fact="0.21"/>
+      <dgm:constr type="sp" for="des" forName="hierRoot2" refType="sp" refFor="des" refForName="hierRoot1"/>
+      <dgm:constr type="sp" for="des" forName="hierRoot3" refType="sp" refFor="des" refForName="hierRoot1"/>
+      <dgm:constr type="sibSp" refType="w" refFor="des" refForName="rootComposite1" fact="0.21"/>
+      <dgm:constr type="sibSp" for="des" forName="hierChild2" refType="sibSp"/>
+      <dgm:constr type="sibSp" for="des" forName="hierChild3" refType="sibSp"/>
+      <dgm:constr type="sibSp" for="des" forName="hierChild4" refType="sibSp"/>
+      <dgm:constr type="sibSp" for="des" forName="hierChild5" refType="sibSp"/>
+      <dgm:constr type="sibSp" for="des" forName="hierChild6" refType="sibSp"/>
+      <dgm:constr type="sibSp" for="des" forName="hierChild7" refType="sibSp"/>
+      <dgm:constr type="secSibSp" refType="w" refFor="des" refForName="rootComposite1" fact="0.21"/>
+      <dgm:constr type="secSibSp" for="des" forName="hierChild2" refType="secSibSp"/>
+      <dgm:constr type="secSibSp" for="des" forName="hierChild3" refType="secSibSp"/>
+      <dgm:constr type="secSibSp" for="des" forName="hierChild4" refType="secSibSp"/>
+      <dgm:constr type="secSibSp" for="des" forName="hierChild5" refType="secSibSp"/>
+      <dgm:constr type="secSibSp" for="des" forName="hierChild6" refType="secSibSp"/>
+      <dgm:constr type="secSibSp" for="des" forName="hierChild7" refType="secSibSp"/>
+    </dgm:constrLst>
+    <dgm:ruleLst/>
+    <dgm:forEach name="Name3" axis="ch">
+      <dgm:forEach name="Name4" axis="self" ptType="node">
+        <dgm:layoutNode name="hierRoot1">
+          <dgm:varLst>
+            <dgm:hierBranch val="init"/>
+          </dgm:varLst>
+          <dgm:choose name="Name5">
+            <dgm:if name="Name6" func="var" arg="hierBranch" op="equ" val="l">
+              <dgm:choose name="Name7">
+                <dgm:if name="Name8" axis="ch" ptType="asst" func="cnt" op="gte" val="1">
+                  <dgm:alg type="hierRoot">
+                    <dgm:param type="hierAlign" val="tR"/>
+                  </dgm:alg>
+                  <dgm:constrLst>
+                    <dgm:constr type="alignOff" val="0.65"/>
+                  </dgm:constrLst>
+                </dgm:if>
+                <dgm:else name="Name9">
+                  <dgm:alg type="hierRoot">
+                    <dgm:param type="hierAlign" val="tR"/>
+                  </dgm:alg>
+                  <dgm:constrLst>
+                    <dgm:constr type="alignOff" val="0.25"/>
+                  </dgm:constrLst>
+                </dgm:else>
+              </dgm:choose>
+            </dgm:if>
+            <dgm:if name="Name10" func="var" arg="hierBranch" op="equ" val="r">
+              <dgm:choose name="Name11">
+                <dgm:if name="Name12" axis="ch" ptType="asst" func="cnt" op="gte" val="1">
+                  <dgm:alg type="hierRoot">
+                    <dgm:param type="hierAlign" val="tL"/>
+                  </dgm:alg>
+                  <dgm:constrLst>
+                    <dgm:constr type="alignOff" val="0.65"/>
+                  </dgm:constrLst>
+                </dgm:if>
+                <dgm:else name="Name13">
+                  <dgm:alg type="hierRoot">
+                    <dgm:param type="hierAlign" val="tL"/>
+                  </dgm:alg>
+                  <dgm:constrLst>
+                    <dgm:constr type="alignOff" val="0.25"/>
+                  </dgm:constrLst>
+                </dgm:else>
+              </dgm:choose>
+            </dgm:if>
+            <dgm:if name="Name14" func="var" arg="hierBranch" op="equ" val="hang">
+              <dgm:alg type="hierRoot"/>
+              <dgm:constrLst>
+                <dgm:constr type="alignOff" val="0.65"/>
+              </dgm:constrLst>
+            </dgm:if>
+            <dgm:else name="Name15">
+              <dgm:alg type="hierRoot"/>
+              <dgm:constrLst>
+                <dgm:constr type="alignOff"/>
+                <dgm:constr type="bendDist" for="des" ptType="parTrans" refType="sp" fact="0.5"/>
+              </dgm:constrLst>
+            </dgm:else>
+          </dgm:choose>
+          <dgm:shape xmlns:r="http://schemas.openxmlformats.org/officeDocument/2006/relationships" r:blip="">
+            <dgm:adjLst/>
+          </dgm:shape>
+          <dgm:presOf/>
+          <dgm:ruleLst/>
+          <dgm:layoutNode name="rootComposite1">
+            <dgm:alg type="composite"/>
+            <dgm:shape xmlns:r="http://schemas.openxmlformats.org/officeDocument/2006/relationships" r:blip="">
+              <dgm:adjLst/>
+            </dgm:shape>
+            <dgm:presOf axis="self" ptType="node" cnt="1"/>
+            <dgm:choose name="Name16">
+              <dgm:if name="Name17" func="var" arg="hierBranch" op="equ" val="init">
+                <dgm:constrLst>
+                  <dgm:constr type="l" for="ch" forName="rootText1"/>
+                  <dgm:constr type="t" for="ch" forName="rootText1"/>
+                  <dgm:constr type="w" for="ch" forName="rootText1" refType="w"/>
+                  <dgm:constr type="h" for="ch" forName="rootText1" refType="h"/>
+                  <dgm:constr type="l" for="ch" forName="rootConnector1"/>
+                  <dgm:constr type="t" for="ch" forName="rootConnector1"/>
+                  <dgm:constr type="w" for="ch" forName="rootConnector1" refType="w" refFor="ch" refForName="rootText1" fact="0.2"/>
+                  <dgm:constr type="h" for="ch" forName="rootConnector1" refType="h" refFor="ch" refForName="rootText1"/>
+                </dgm:constrLst>
+              </dgm:if>
+              <dgm:if name="Name18" func="var" arg="hierBranch" op="equ" val="l">
+                <dgm:constrLst>
+                  <dgm:constr type="l" for="ch" forName="rootText1"/>
+                  <dgm:constr type="t" for="ch" forName="rootText1"/>
+                  <dgm:constr type="w" for="ch" forName="rootText1" refType="w"/>
+                  <dgm:constr type="h" for="ch" forName="rootText1" refType="h"/>
+                  <dgm:constr type="r" for="ch" forName="rootConnector1" refType="w"/>
+                  <dgm:constr type="t" for="ch" forName="rootConnector1"/>
+                  <dgm:constr type="w" for="ch" forName="rootConnector1" refType="w" refFor="ch" refForName="rootText1" fact="0.2"/>
+                  <dgm:constr type="h" for="ch" forName="rootConnector1" refType="h" refFor="ch" refForName="rootText1"/>
+                </dgm:constrLst>
+              </dgm:if>
+              <dgm:if name="Name19" func="var" arg="hierBranch" op="equ" val="r">
+                <dgm:constrLst>
+                  <dgm:constr type="l" for="ch" forName="rootText1"/>
+                  <dgm:constr type="t" for="ch" forName="rootText1"/>
+                  <dgm:constr type="w" for="ch" forName="rootText1" refType="w"/>
+                  <dgm:constr type="h" for="ch" forName="rootText1" refType="h"/>
+                  <dgm:constr type="l" for="ch" forName="rootConnector1"/>
+                  <dgm:constr type="t" for="ch" forName="rootConnector1"/>
+                  <dgm:constr type="w" for="ch" forName="rootConnector1" refType="w" refFor="ch" refForName="rootText1" fact="0.2"/>
+                  <dgm:constr type="h" for="ch" forName="rootConnector1" refType="h" refFor="ch" refForName="rootText1"/>
+                </dgm:constrLst>
+              </dgm:if>
+              <dgm:else name="Name20">
+                <dgm:constrLst>
+                  <dgm:constr type="l" for="ch" forName="rootText1"/>
+                  <dgm:constr type="t" for="ch" forName="rootText1"/>
+                  <dgm:constr type="w" for="ch" forName="rootText1" refType="w"/>
+                  <dgm:constr type="h" for="ch" forName="rootText1" refType="h"/>
+                  <dgm:constr type="r" for="ch" forName="rootConnector1" refType="w"/>
+                  <dgm:constr type="t" for="ch" forName="rootConnector1"/>
+                  <dgm:constr type="w" for="ch" forName="rootConnector1" refType="w" refFor="ch" refForName="rootText1" fact="0.2"/>
+                  <dgm:constr type="h" for="ch" forName="rootConnector1" refType="h" refFor="ch" refForName="rootText1"/>
+                </dgm:constrLst>
+              </dgm:else>
+            </dgm:choose>
+            <dgm:ruleLst/>
+            <dgm:layoutNode name="rootText1" styleLbl="node0">
+              <dgm:varLst>
+                <dgm:chPref val="3"/>
+              </dgm:varLst>
+              <dgm:alg type="tx"/>
+              <dgm:shape xmlns:r="http://schemas.openxmlformats.org/officeDocument/2006/relationships" type="rect" r:blip="">
+                <dgm:adjLst/>
+              </dgm:shape>
+              <dgm:presOf axis="self" ptType="node" cnt="1"/>
+              <dgm:constrLst>
+                <dgm:constr type="primFontSz" val="65"/>
+                <dgm:constr type="lMarg" refType="primFontSz" fact="0.05"/>
+                <dgm:constr type="rMarg" refType="primFontSz" fact="0.05"/>
+                <dgm:constr type="tMarg" refType="primFontSz" fact="0.05"/>
+                <dgm:constr type="bMarg" refType="primFontSz" fact="0.05"/>
+              </dgm:constrLst>
+              <dgm:ruleLst>
+                <dgm:rule type="primFontSz" val="5" fact="NaN" max="NaN"/>
+              </dgm:ruleLst>
+            </dgm:layoutNode>
+            <dgm:layoutNode name="rootConnector1" moveWith="rootText1">
+              <dgm:alg type="sp"/>
+              <dgm:shape xmlns:r="http://schemas.openxmlformats.org/officeDocument/2006/relationships" type="rect" r:blip="" hideGeom="1">
+                <dgm:adjLst/>
+              </dgm:shape>
+              <dgm:presOf axis="self" ptType="node" cnt="1"/>
+              <dgm:constrLst/>
+              <dgm:ruleLst/>
+            </dgm:layoutNode>
+          </dgm:layoutNode>
+          <dgm:layoutNode name="hierChild2">
+            <dgm:choose name="Name21">
+              <dgm:if name="Name22" func="var" arg="hierBranch" op="equ" val="l">
+                <dgm:alg type="hierChild">
+                  <dgm:param type="chAlign" val="r"/>
+                  <dgm:param type="linDir" val="fromT"/>
+                </dgm:alg>
+              </dgm:if>
+              <dgm:if name="Name23" func="var" arg="hierBranch" op="equ" val="r">
+                <dgm:alg type="hierChild">
+                  <dgm:param type="chAlign" val="l"/>
+                  <dgm:param type="linDir" val="fromT"/>
+                </dgm:alg>
+              </dgm:if>
+              <dgm:if name="Name24" func="var" arg="hierBranch" op="equ" val="hang">
+                <dgm:choose name="Name25">
+                  <dgm:if name="Name26" func="var" arg="dir" op="equ" val="norm">
+                    <dgm:alg type="hierChild">
+                      <dgm:param type="chAlign" val="l"/>
+                      <dgm:param type="linDir" val="fromL"/>
+                      <dgm:param type="secChAlign" val="t"/>
+                      <dgm:param type="secLinDir" val="fromT"/>
+                    </dgm:alg>
+                  </dgm:if>
+                  <dgm:else name="Name27">
+                    <dgm:alg type="hierChild">
+                      <dgm:param type="chAlign" val="l"/>
+                      <dgm:param type="linDir" val="fromR"/>
+                      <dgm:param type="secChAlign" val="t"/>
+                      <dgm:param type="secLinDir" val="fromT"/>
+                    </dgm:alg>
+                  </dgm:else>
+                </dgm:choose>
+              </dgm:if>
+              <dgm:else name="Name28">
+                <dgm:choose name="Name29">
+                  <dgm:if name="Name30" func="var" arg="dir" op="equ" val="norm">
+                    <dgm:alg type="hierChild"/>
+                  </dgm:if>
+                  <dgm:else name="Name31">
+                    <dgm:alg type="hierChild">
+                      <dgm:param type="linDir" val="fromR"/>
+                    </dgm:alg>
+                  </dgm:else>
+                </dgm:choose>
+              </dgm:else>
+            </dgm:choose>
+            <dgm:shape xmlns:r="http://schemas.openxmlformats.org/officeDocument/2006/relationships" r:blip="">
+              <dgm:adjLst/>
+            </dgm:shape>
+            <dgm:presOf/>
+            <dgm:constrLst/>
+            <dgm:ruleLst/>
+            <dgm:forEach name="rep2a" axis="ch" ptType="nonAsst">
+              <dgm:forEach name="Name32" axis="precedSib" ptType="parTrans" st="-1" cnt="1">
+                <dgm:choose name="Name33">
+                  <dgm:if name="Name34" func="var" arg="hierBranch" op="equ" val="std">
+                    <dgm:layoutNode name="Name35">
+                      <dgm:alg type="conn">
+                        <dgm:param type="connRout" val="bend"/>
+                        <dgm:param type="dim" val="1D"/>
+                        <dgm:param type="endSty" val="noArr"/>
+                        <dgm:param type="begPts" val="bCtr"/>
+                        <dgm:param type="endPts" val="tCtr"/>
+                        <dgm:param type="bendPt" val="end"/>
+                      </dgm:alg>
+                      <dgm:shape xmlns:r="http://schemas.openxmlformats.org/officeDocument/2006/relationships" type="conn" r:blip="" zOrderOff="-99999">
+                        <dgm:adjLst/>
+                      </dgm:shape>
+                      <dgm:presOf axis="self"/>
+                      <dgm:constrLst>
+                        <dgm:constr type="begPad"/>
+                        <dgm:constr type="endPad"/>
+                      </dgm:constrLst>
+                      <dgm:ruleLst/>
+                    </dgm:layoutNode>
+                  </dgm:if>
+                  <dgm:if name="Name36" func="var" arg="hierBranch" op="equ" val="init">
+                    <dgm:layoutNode name="Name37">
+                      <dgm:choose name="Name38">
+                        <dgm:if name="Name39" axis="self" func="depth" op="lte" val="2">
+                          <dgm:alg type="conn">
+                            <dgm:param type="connRout" val="bend"/>
+                            <dgm:param type="dim" val="1D"/>
+                            <dgm:param type="endSty" val="noArr"/>
+                            <dgm:param type="begPts" val="bCtr"/>
+                            <dgm:param type="endPts" val="tCtr"/>
+                            <dgm:param type="bendPt" val="end"/>
+                          </dgm:alg>
+                        </dgm:if>
+                        <dgm:else name="Name40">
+                          <dgm:choose name="Name41">
+                            <dgm:if name="Name42" axis="par des" func="maxDepth" op="lte" val="1">
+                              <dgm:choose name="Name43">
+                                <dgm:if name="Name44" axis="par ch" ptType="node asst" func="cnt" op="gte" val="1">
+                                  <dgm:alg type="conn">
+                                    <dgm:param type="connRout" val="bend"/>
+                                    <dgm:param type="dim" val="1D"/>
+                                    <dgm:param type="endSty" val="noArr"/>
+                                    <dgm:param type="begPts" val="bCtr"/>
+                                    <dgm:param type="endPts" val="midL midR"/>
+                                  </dgm:alg>
+                                </dgm:if>
+                                <dgm:else name="Name45">
+                                  <dgm:alg type="conn">
+                                    <dgm:param type="connRout" val="bend"/>
+                                    <dgm:param type="dim" val="1D"/>
+                                    <dgm:param type="endSty" val="noArr"/>
+                                    <dgm:param type="begPts" val="bCtr"/>
+                                    <dgm:param type="endPts" val="midL midR"/>
+                                    <dgm:param type="srcNode" val="rootConnector"/>
+                                  </dgm:alg>
+                                </dgm:else>
+                              </dgm:choose>
+                            </dgm:if>
+                            <dgm:else name="Name46">
+                              <dgm:alg type="conn">
+                                <dgm:param type="connRout" val="bend"/>
+                                <dgm:param type="dim" val="1D"/>
+                                <dgm:param type="endSty" val="noArr"/>
+                                <dgm:param type="begPts" val="bCtr"/>
+                                <dgm:param type="endPts" val="tCtr"/>
+                                <dgm:param type="bendPt" val="end"/>
+                              </dgm:alg>
+                            </dgm:else>
+                          </dgm:choose>
+                        </dgm:else>
+                      </dgm:choose>
+                      <dgm:shape xmlns:r="http://schemas.openxmlformats.org/officeDocument/2006/relationships" type="conn" r:blip="" zOrderOff="-99999">
+                        <dgm:adjLst/>
+                      </dgm:shape>
+                      <dgm:presOf axis="self"/>
+                      <dgm:constrLst>
+                        <dgm:constr type="begPad"/>
+                        <dgm:constr type="endPad"/>
+                      </dgm:constrLst>
+                      <dgm:ruleLst/>
+                    </dgm:layoutNode>
+                  </dgm:if>
+                  <dgm:if name="Name47" func="var" arg="hierBranch" op="equ" val="hang">
+                    <dgm:layoutNode name="Name48">
+                      <dgm:alg type="conn">
+                        <dgm:param type="connRout" val="bend"/>
+                        <dgm:param type="dim" val="1D"/>
+                        <dgm:param type="endSty" val="noArr"/>
+                        <dgm:param type="begPts" val="bCtr"/>
+                        <dgm:param type="endPts" val="midL midR"/>
+                      </dgm:alg>
+                      <dgm:shape xmlns:r="http://schemas.openxmlformats.org/officeDocument/2006/relationships" type="conn" r:blip="" zOrderOff="-99999">
+                        <dgm:adjLst/>
+                      </dgm:shape>
+                      <dgm:presOf axis="self"/>
+                      <dgm:constrLst>
+                        <dgm:constr type="begPad"/>
+                        <dgm:constr type="endPad"/>
+                      </dgm:constrLst>
+                      <dgm:ruleLst/>
+                    </dgm:layoutNode>
+                  </dgm:if>
+                  <dgm:else name="Name49">
+                    <dgm:layoutNode name="Name50">
+                      <dgm:choose name="Name51">
+                        <dgm:if name="Name52" axis="self" func="depth" op="lte" val="2">
+                          <dgm:choose name="Name53">
+                            <dgm:if name="Name54" axis="par ch" ptType="node asst" func="cnt" op="gte" val="1">
+                              <dgm:alg type="conn">
+                                <dgm:param type="connRout" val="bend"/>
+                                <dgm:param type="dim" val="1D"/>
+                                <dgm:param type="endSty" val="noArr"/>
+                                <dgm:param type="begPts" val="bCtr"/>
+                                <dgm:param type="endPts" val="midL midR"/>
+                              </dgm:alg>
+                            </dgm:if>
+                            <dgm:else name="Name55">
+                              <dgm:alg type="conn">
+                                <dgm:param type="connRout" val="bend"/>
+                                <dgm:param type="dim" val="1D"/>
+                                <dgm:param type="endSty" val="noArr"/>
+                                <dgm:param type="begPts" val="bCtr"/>
+                                <dgm:param type="endPts" val="midL midR"/>
+                                <dgm:param type="srcNode" val="rootConnector1"/>
+                              </dgm:alg>
+                            </dgm:else>
+                          </dgm:choose>
+                        </dgm:if>
+                        <dgm:else name="Name56">
+                          <dgm:choose name="Name57">
+                            <dgm:if name="Name58" axis="par ch" ptType="node asst" func="cnt" op="gte" val="1">
+                              <dgm:alg type="conn">
+                                <dgm:param type="connRout" val="bend"/>
+                                <dgm:param type="dim" val="1D"/>
+                                <dgm:param type="endSty" val="noArr"/>
+                                <dgm:param type="begPts" val="bCtr"/>
+                                <dgm:param type="endPts" val="midL midR"/>
+                              </dgm:alg>
+                            </dgm:if>
+                            <dgm:else name="Name59">
+                              <dgm:alg type="conn">
+                                <dgm:param type="connRout" val="bend"/>
+                                <dgm:param type="dim" val="1D"/>
+                                <dgm:param type="endSty" val="noArr"/>
+                                <dgm:param type="begPts" val="bCtr"/>
+                                <dgm:param type="endPts" val="midL midR"/>
+                                <dgm:param type="srcNode" val="rootConnector"/>
+                              </dgm:alg>
+                            </dgm:else>
+                          </dgm:choose>
+                        </dgm:else>
+                      </dgm:choose>
+                      <dgm:shape xmlns:r="http://schemas.openxmlformats.org/officeDocument/2006/relationships" type="conn" r:blip="" zOrderOff="-99999">
+                        <dgm:adjLst/>
+                      </dgm:shape>
+                      <dgm:presOf axis="self"/>
+                      <dgm:constrLst>
+                        <dgm:constr type="begPad"/>
+                        <dgm:constr type="endPad"/>
+                      </dgm:constrLst>
+                      <dgm:ruleLst/>
+                    </dgm:layoutNode>
+                  </dgm:else>
+                </dgm:choose>
+              </dgm:forEach>
+              <dgm:layoutNode name="hierRoot2">
+                <dgm:varLst>
+                  <dgm:hierBranch val="init"/>
+                </dgm:varLst>
+                <dgm:choose name="Name60">
+                  <dgm:if name="Name61" func="var" arg="hierBranch" op="equ" val="l">
+                    <dgm:choose name="Name62">
+                      <dgm:if name="Name63" axis="ch" ptType="asst" func="cnt" op="gte" val="1">
+                        <dgm:alg type="hierRoot">
+                          <dgm:param type="hierAlign" val="tR"/>
+                        </dgm:alg>
+                        <dgm:shape xmlns:r="http://schemas.openxmlformats.org/officeDocument/2006/relationships" r:blip="">
+                          <dgm:adjLst/>
+                        </dgm:shape>
+                        <dgm:presOf/>
+                        <dgm:constrLst>
+                          <dgm:constr type="alignOff" val="0.65"/>
+                        </dgm:constrLst>
+                      </dgm:if>
+                      <dgm:else name="Name64">
+                        <dgm:alg type="hierRoot">
+                          <dgm:param type="hierAlign" val="tR"/>
+                        </dgm:alg>
+                        <dgm:shape xmlns:r="http://schemas.openxmlformats.org/officeDocument/2006/relationships" r:blip="">
+                          <dgm:adjLst/>
+                        </dgm:shape>
+                        <dgm:presOf/>
+                        <dgm:constrLst>
+                          <dgm:constr type="alignOff" val="0.25"/>
+                        </dgm:constrLst>
+                      </dgm:else>
+                    </dgm:choose>
+                  </dgm:if>
+                  <dgm:if name="Name65" func="var" arg="hierBranch" op="equ" val="r">
+                    <dgm:choose name="Name66">
+                      <dgm:if name="Name67" axis="ch" ptType="asst" func="cnt" op="gte" val="1">
+                        <dgm:alg type="hierRoot">
+                          <dgm:param type="hierAlign" val="tL"/>
+                        </dgm:alg>
+                        <dgm:shape xmlns:r="http://schemas.openxmlformats.org/officeDocument/2006/relationships" r:blip="">
+                          <dgm:adjLst/>
+                        </dgm:shape>
+                        <dgm:presOf/>
+                        <dgm:constrLst>
+                          <dgm:constr type="alignOff" val="0.65"/>
+                        </dgm:constrLst>
+                      </dgm:if>
+                      <dgm:else name="Name68">
+                        <dgm:alg type="hierRoot">
+                          <dgm:param type="hierAlign" val="tL"/>
+                        </dgm:alg>
+                        <dgm:shape xmlns:r="http://schemas.openxmlformats.org/officeDocument/2006/relationships" r:blip="">
+                          <dgm:adjLst/>
+                        </dgm:shape>
+                        <dgm:presOf/>
+                        <dgm:constrLst>
+                          <dgm:constr type="alignOff" val="0.25"/>
+                        </dgm:constrLst>
+                      </dgm:else>
+                    </dgm:choose>
+                  </dgm:if>
+                  <dgm:if name="Name69" func="var" arg="hierBranch" op="equ" val="std">
+                    <dgm:alg type="hierRoot"/>
+                    <dgm:shape xmlns:r="http://schemas.openxmlformats.org/officeDocument/2006/relationships" r:blip="">
+                      <dgm:adjLst/>
+                    </dgm:shape>
+                    <dgm:presOf/>
+                    <dgm:constrLst>
+                      <dgm:constr type="alignOff"/>
+                      <dgm:constr type="bendDist" for="des" ptType="parTrans" refType="sp" fact="0.5"/>
+                    </dgm:constrLst>
+                  </dgm:if>
+                  <dgm:if name="Name70" func="var" arg="hierBranch" op="equ" val="init">
+                    <dgm:choose name="Name71">
+                      <dgm:if name="Name72" axis="des" func="maxDepth" op="lte" val="1">
+                        <dgm:choose name="Name73">
+                          <dgm:if name="Name74" axis="ch" ptType="asst" func="cnt" op="gte" val="1">
+                            <dgm:alg type="hierRoot">
+                              <dgm:param type="hierAlign" val="tL"/>
+                            </dgm:alg>
+                            <dgm:shape xmlns:r="http://schemas.openxmlformats.org/officeDocument/2006/relationships" r:blip="">
+                              <dgm:adjLst/>
+                            </dgm:shape>
+                            <dgm:presOf/>
+                            <dgm:constrLst>
+                              <dgm:constr type="alignOff" val="0.65"/>
+                            </dgm:constrLst>
+                          </dgm:if>
+                          <dgm:else name="Name75">
+                            <dgm:alg type="hierRoot">
+                              <dgm:param type="hierAlign" val="tL"/>
+                            </dgm:alg>
+                            <dgm:shape xmlns:r="http://schemas.openxmlformats.org/officeDocument/2006/relationships" r:blip="">
+                              <dgm:adjLst/>
+                            </dgm:shape>
+                            <dgm:presOf/>
+                            <dgm:constrLst>
+                              <dgm:constr type="alignOff" val="0.25"/>
+                            </dgm:constrLst>
+                          </dgm:else>
+                        </dgm:choose>
+                      </dgm:if>
+                      <dgm:else name="Name76">
+                        <dgm:alg type="hierRoot"/>
+                        <dgm:shape xmlns:r="http://schemas.openxmlformats.org/officeDocument/2006/relationships" r:blip="">
+                          <dgm:adjLst/>
+                        </dgm:shape>
+                        <dgm:presOf/>
+                        <dgm:constrLst>
+                          <dgm:constr type="alignOff"/>
+                          <dgm:constr type="bendDist" for="des" ptType="parTrans" refType="sp" fact="0.5"/>
+                        </dgm:constrLst>
+                      </dgm:else>
+                    </dgm:choose>
+                  </dgm:if>
+                  <dgm:else name="Name77">
+                    <dgm:alg type="hierRoot"/>
+                    <dgm:shape xmlns:r="http://schemas.openxmlformats.org/officeDocument/2006/relationships" r:blip="">
+                      <dgm:adjLst/>
+                    </dgm:shape>
+                    <dgm:presOf/>
+                    <dgm:constrLst>
+                      <dgm:constr type="alignOff" val="0.65"/>
+                    </dgm:constrLst>
+                  </dgm:else>
+                </dgm:choose>
+                <dgm:ruleLst/>
+                <dgm:layoutNode name="rootComposite">
+                  <dgm:alg type="composite"/>
+                  <dgm:shape xmlns:r="http://schemas.openxmlformats.org/officeDocument/2006/relationships" r:blip="">
+                    <dgm:adjLst/>
+                  </dgm:shape>
+                  <dgm:presOf axis="self" ptType="node" cnt="1"/>
+                  <dgm:choose name="Name78">
+                    <dgm:if name="Name79" func="var" arg="hierBranch" op="equ" val="init">
+                      <dgm:constrLst>
+                        <dgm:constr type="l" for="ch" forName="rootText"/>
+                        <dgm:constr type="t" for="ch" forName="rootText"/>
+                        <dgm:constr type="w" for="ch" forName="rootText" refType="w"/>
+                        <dgm:constr type="h" for="ch" forName="rootText" refType="h"/>
+                        <dgm:constr type="l" for="ch" forName="rootConnector"/>
+                        <dgm:constr type="t" for="ch" forName="rootConnector"/>
+                        <dgm:constr type="w" for="ch" forName="rootConnector" refType="w" refFor="ch" refForName="rootText" fact="0.2"/>
+                        <dgm:constr type="h" for="ch" forName="rootConnector" refType="h" refFor="ch" refForName="rootText"/>
+                      </dgm:constrLst>
+                    </dgm:if>
+                    <dgm:if name="Name80" func="var" arg="hierBranch" op="equ" val="l">
+                      <dgm:constrLst>
+                        <dgm:constr type="l" for="ch" forName="rootText"/>
+                        <dgm:constr type="t" for="ch" forName="rootText"/>
+                        <dgm:constr type="w" for="ch" forName="rootText" refType="w"/>
+                        <dgm:constr type="h" for="ch" forName="rootText" refType="h"/>
+                        <dgm:constr type="r" for="ch" forName="rootConnector" refType="w"/>
+                        <dgm:constr type="t" for="ch" forName="rootConnector"/>
+                        <dgm:constr type="w" for="ch" forName="rootConnector" refType="w" refFor="ch" refForName="rootText" fact="0.2"/>
+                        <dgm:constr type="h" for="ch" forName="rootConnector" refType="h" refFor="ch" refForName="rootText"/>
+                      </dgm:constrLst>
+                    </dgm:if>
+                    <dgm:if name="Name81" func="var" arg="hierBranch" op="equ" val="r">
+                      <dgm:constrLst>
+                        <dgm:constr type="l" for="ch" forName="rootText"/>
+                        <dgm:constr type="t" for="ch" forName="rootText"/>
+                        <dgm:constr type="w" for="ch" forName="rootText" refType="w"/>
+                        <dgm:constr type="h" for="ch" forName="rootText" refType="h"/>
+                        <dgm:constr type="l" for="ch" forName="rootConnector"/>
+                        <dgm:constr type="t" for="ch" forName="rootConnector"/>
+                        <dgm:constr type="w" for="ch" forName="rootConnector" refType="w" refFor="ch" refForName="rootText" fact="0.2"/>
+                        <dgm:constr type="h" for="ch" forName="rootConnector" refType="h" refFor="ch" refForName="rootText"/>
+                      </dgm:constrLst>
+                    </dgm:if>
+                    <dgm:else name="Name82">
+                      <dgm:constrLst>
+                        <dgm:constr type="l" for="ch" forName="rootText"/>
+                        <dgm:constr type="t" for="ch" forName="rootText"/>
+                        <dgm:constr type="w" for="ch" forName="rootText" refType="w"/>
+                        <dgm:constr type="h" for="ch" forName="rootText" refType="h"/>
+                        <dgm:constr type="r" for="ch" forName="rootConnector" refType="w"/>
+                        <dgm:constr type="t" for="ch" forName="rootConnector"/>
+                        <dgm:constr type="w" for="ch" forName="rootConnector" refType="w" refFor="ch" refForName="rootText" fact="0.2"/>
+                        <dgm:constr type="h" for="ch" forName="rootConnector" refType="h" refFor="ch" refForName="rootText"/>
+                      </dgm:constrLst>
+                    </dgm:else>
+                  </dgm:choose>
+                  <dgm:ruleLst/>
+                  <dgm:layoutNode name="rootText">
+                    <dgm:varLst>
+                      <dgm:chPref val="3"/>
+                    </dgm:varLst>
+                    <dgm:alg type="tx"/>
+                    <dgm:shape xmlns:r="http://schemas.openxmlformats.org/officeDocument/2006/relationships" type="rect" r:blip="">
+                      <dgm:adjLst/>
+                    </dgm:shape>
+                    <dgm:presOf axis="self" ptType="node" cnt="1"/>
+                    <dgm:constrLst>
+                      <dgm:constr type="primFontSz" val="65"/>
+                      <dgm:constr type="lMarg" refType="primFontSz" fact="0.05"/>
+                      <dgm:constr type="rMarg" refType="primFontSz" fact="0.05"/>
+                      <dgm:constr type="tMarg" refType="primFontSz" fact="0.05"/>
+                      <dgm:constr type="bMarg" refType="primFontSz" fact="0.05"/>
+                    </dgm:constrLst>
+                    <dgm:ruleLst>
+                      <dgm:rule type="primFontSz" val="5" fact="NaN" max="NaN"/>
+                    </dgm:ruleLst>
+                  </dgm:layoutNode>
+                  <dgm:layoutNode name="rootConnector" moveWith="rootText">
+                    <dgm:alg type="sp"/>
+                    <dgm:shape xmlns:r="http://schemas.openxmlformats.org/officeDocument/2006/relationships" type="rect" r:blip="" hideGeom="1">
+                      <dgm:adjLst/>
+                    </dgm:shape>
+                    <dgm:presOf axis="self" ptType="node" cnt="1"/>
+                    <dgm:constrLst/>
+                    <dgm:ruleLst/>
+                  </dgm:layoutNode>
+                </dgm:layoutNode>
+                <dgm:layoutNode name="hierChild4">
+                  <dgm:choose name="Name83">
+                    <dgm:if name="Name84" func="var" arg="hierBranch" op="equ" val="l">
+                      <dgm:alg type="hierChild">
+                        <dgm:param type="chAlign" val="r"/>
+                        <dgm:param type="linDir" val="fromT"/>
+                      </dgm:alg>
+                    </dgm:if>
+                    <dgm:if name="Name85" func="var" arg="hierBranch" op="equ" val="r">
+                      <dgm:alg type="hierChild">
+                        <dgm:param type="chAlign" val="l"/>
+                        <dgm:param type="linDir" val="fromT"/>
+                      </dgm:alg>
+                    </dgm:if>
+                    <dgm:if name="Name86" func="var" arg="hierBranch" op="equ" val="hang">
+                      <dgm:choose name="Name87">
+                        <dgm:if name="Name88" func="var" arg="dir" op="equ" val="norm">
+                          <dgm:alg type="hierChild">
+                            <dgm:param type="chAlign" val="l"/>
+                            <dgm:param type="linDir" val="fromL"/>
+                            <dgm:param type="secChAlign" val="t"/>
+                            <dgm:param type="secLinDir" val="fromT"/>
+                          </dgm:alg>
+                        </dgm:if>
+                        <dgm:else name="Name89">
+                          <dgm:alg type="hierChild">
+                            <dgm:param type="chAlign" val="l"/>
+                            <dgm:param type="linDir" val="fromR"/>
+                            <dgm:param type="secChAlign" val="t"/>
+                            <dgm:param type="secLinDir" val="fromT"/>
+                          </dgm:alg>
+                        </dgm:else>
+                      </dgm:choose>
+                    </dgm:if>
+                    <dgm:if name="Name90" func="var" arg="hierBranch" op="equ" val="std">
+                      <dgm:choose name="Name91">
+                        <dgm:if name="Name92" func="var" arg="dir" op="equ" val="norm">
+                          <dgm:alg type="hierChild"/>
+                        </dgm:if>
+                        <dgm:else name="Name93">
+                          <dgm:alg type="hierChild">
+                            <dgm:param type="linDir" val="fromR"/>
+                          </dgm:alg>
+                        </dgm:else>
+                      </dgm:choose>
+                    </dgm:if>
+                    <dgm:if name="Name94" func="var" arg="hierBranch" op="equ" val="init">
+                      <dgm:choose name="Name95">
+                        <dgm:if name="Name96" axis="des" func="maxDepth" op="lte" val="1">
+                          <dgm:alg type="hierChild">
+                            <dgm:param type="chAlign" val="l"/>
+                            <dgm:param type="linDir" val="fromT"/>
+                          </dgm:alg>
+                        </dgm:if>
+                        <dgm:else name="Name97">
+                          <dgm:choose name="Name98">
+                            <dgm:if name="Name99" func="var" arg="dir" op="equ" val="norm">
+                              <dgm:alg type="hierChild"/>
+                            </dgm:if>
+                            <dgm:else name="Name100">
+                              <dgm:alg type="hierChild">
+                                <dgm:param type="linDir" val="fromR"/>
+                              </dgm:alg>
+                            </dgm:else>
+                          </dgm:choose>
+                        </dgm:else>
+                      </dgm:choose>
+                    </dgm:if>
+                    <dgm:else name="Name101"/>
+                  </dgm:choose>
+                  <dgm:shape xmlns:r="http://schemas.openxmlformats.org/officeDocument/2006/relationships" r:blip="">
+                    <dgm:adjLst/>
+                  </dgm:shape>
+                  <dgm:presOf/>
+                  <dgm:constrLst/>
+                  <dgm:ruleLst/>
+                  <dgm:forEach name="Name102" ref="rep2a"/>
+                </dgm:layoutNode>
+                <dgm:layoutNode name="hierChild5">
+                  <dgm:choose name="Name103">
+                    <dgm:if name="Name104" func="var" arg="dir" op="equ" val="norm">
+                      <dgm:alg type="hierChild">
+                        <dgm:param type="chAlign" val="l"/>
+                        <dgm:param type="linDir" val="fromL"/>
+                        <dgm:param type="secChAlign" val="t"/>
+                        <dgm:param type="secLinDir" val="fromT"/>
+                      </dgm:alg>
+                    </dgm:if>
+                    <dgm:else name="Name105">
+                      <dgm:alg type="hierChild">
+                        <dgm:param type="chAlign" val="l"/>
+                        <dgm:param type="linDir" val="fromR"/>
+                        <dgm:param type="secChAlign" val="t"/>
+                        <dgm:param type="secLinDir" val="fromT"/>
+                      </dgm:alg>
+                    </dgm:else>
+                  </dgm:choose>
+                  <dgm:shape xmlns:r="http://schemas.openxmlformats.org/officeDocument/2006/relationships" r:blip="">
+                    <dgm:adjLst/>
+                  </dgm:shape>
+                  <dgm:presOf/>
+                  <dgm:constrLst/>
+                  <dgm:ruleLst/>
+                  <dgm:forEach name="Name106" ref="rep2b"/>
+                </dgm:layoutNode>
+              </dgm:layoutNode>
+            </dgm:forEach>
+          </dgm:layoutNode>
+          <dgm:layoutNode name="hierChild3">
+            <dgm:choose name="Name107">
+              <dgm:if name="Name108" func="var" arg="dir" op="equ" val="norm">
+                <dgm:alg type="hierChild">
+                  <dgm:param type="chAlign" val="l"/>
+                  <dgm:param type="linDir" val="fromL"/>
+                  <dgm:param type="secChAlign" val="t"/>
+                  <dgm:param type="secLinDir" val="fromT"/>
+                </dgm:alg>
+              </dgm:if>
+              <dgm:else name="Name109">
+                <dgm:alg type="hierChild">
+                  <dgm:param type="chAlign" val="l"/>
+                  <dgm:param type="linDir" val="fromR"/>
+                  <dgm:param type="secChAlign" val="t"/>
+                  <dgm:param type="secLinDir" val="fromT"/>
+                </dgm:alg>
+              </dgm:else>
+            </dgm:choose>
+            <dgm:shape xmlns:r="http://schemas.openxmlformats.org/officeDocument/2006/relationships" r:blip="">
+              <dgm:adjLst/>
+            </dgm:shape>
+            <dgm:presOf/>
+            <dgm:constrLst/>
+            <dgm:ruleLst/>
+            <dgm:forEach name="rep2b" axis="ch" ptType="asst">
+              <dgm:forEach name="Name110" axis="precedSib" ptType="parTrans" st="-1" cnt="1">
+                <dgm:layoutNode name="Name111">
+                  <dgm:alg type="conn">
+                    <dgm:param type="connRout" val="bend"/>
+                    <dgm:param type="dim" val="1D"/>
+                    <dgm:param type="endSty" val="noArr"/>
+                    <dgm:param type="begPts" val="bCtr"/>
+                    <dgm:param type="endPts" val="midL midR"/>
+                  </dgm:alg>
+                  <dgm:shape xmlns:r="http://schemas.openxmlformats.org/officeDocument/2006/relationships" type="conn" r:blip="" zOrderOff="-99999">
+                    <dgm:adjLst/>
+                  </dgm:shape>
+                  <dgm:presOf axis="self"/>
+                  <dgm:constrLst>
+                    <dgm:constr type="begPad"/>
+                    <dgm:constr type="endPad"/>
+                  </dgm:constrLst>
+                  <dgm:ruleLst/>
+                </dgm:layoutNode>
+              </dgm:forEach>
+              <dgm:layoutNode name="hierRoot3">
+                <dgm:varLst>
+                  <dgm:hierBranch val="init"/>
+                </dgm:varLst>
+                <dgm:choose name="Name112">
+                  <dgm:if name="Name113" func="var" arg="hierBranch" op="equ" val="l">
+                    <dgm:alg type="hierRoot">
+                      <dgm:param type="hierAlign" val="tR"/>
+                    </dgm:alg>
+                    <dgm:shape xmlns:r="http://schemas.openxmlformats.org/officeDocument/2006/relationships" r:blip="">
+                      <dgm:adjLst/>
+                    </dgm:shape>
+                    <dgm:presOf/>
+                    <dgm:constrLst>
+                      <dgm:constr type="alignOff" val="0.65"/>
+                    </dgm:constrLst>
+                  </dgm:if>
+                  <dgm:if name="Name114" func="var" arg="hierBranch" op="equ" val="r">
+                    <dgm:alg type="hierRoot">
+                      <dgm:param type="hierAlign" val="tL"/>
+                    </dgm:alg>
+                    <dgm:shape xmlns:r="http://schemas.openxmlformats.org/officeDocument/2006/relationships" r:blip="">
+                      <dgm:adjLst/>
+                    </dgm:shape>
+                    <dgm:presOf/>
+                    <dgm:constrLst>
+                      <dgm:constr type="alignOff" val="0.65"/>
+                    </dgm:constrLst>
+                  </dgm:if>
+                  <dgm:if name="Name115" func="var" arg="hierBranch" op="equ" val="hang">
+                    <dgm:alg type="hierRoot"/>
+                    <dgm:shape xmlns:r="http://schemas.openxmlformats.org/officeDocument/2006/relationships" r:blip="">
+                      <dgm:adjLst/>
+                    </dgm:shape>
+                    <dgm:presOf/>
+                    <dgm:constrLst>
+                      <dgm:constr type="alignOff" val="0.65"/>
+                    </dgm:constrLst>
+                  </dgm:if>
+                  <dgm:if name="Name116" func="var" arg="hierBranch" op="equ" val="std">
+                    <dgm:alg type="hierRoot"/>
+                    <dgm:shape xmlns:r="http://schemas.openxmlformats.org/officeDocument/2006/relationships" r:blip="">
+                      <dgm:adjLst/>
+                    </dgm:shape>
+                    <dgm:presOf/>
+                    <dgm:constrLst>
+                      <dgm:constr type="alignOff"/>
+                      <dgm:constr type="bendDist" for="des" ptType="parTrans" refType="sp" fact="0.5"/>
+                    </dgm:constrLst>
+                  </dgm:if>
+                  <dgm:if name="Name117" func="var" arg="hierBranch" op="equ" val="init">
+                    <dgm:choose name="Name118">
+                      <dgm:if name="Name119" axis="des" func="maxDepth" op="lte" val="1">
+                        <dgm:alg type="hierRoot">
+                          <dgm:param type="hierAlign" val="tL"/>
+                        </dgm:alg>
+                        <dgm:shape xmlns:r="http://schemas.openxmlformats.org/officeDocument/2006/relationships" r:blip="">
+                          <dgm:adjLst/>
+                        </dgm:shape>
+                        <dgm:presOf/>
+                        <dgm:constrLst>
+                          <dgm:constr type="alignOff" val="0.65"/>
+                        </dgm:constrLst>
+                      </dgm:if>
+                      <dgm:else name="Name120">
+                        <dgm:alg type="hierRoot"/>
+                        <dgm:shape xmlns:r="http://schemas.openxmlformats.org/officeDocument/2006/relationships" r:blip="">
+                          <dgm:adjLst/>
+                        </dgm:shape>
+                        <dgm:presOf/>
+                        <dgm:constrLst>
+                          <dgm:constr type="alignOff"/>
+                          <dgm:constr type="bendDist" for="des" ptType="parTrans" refType="sp" fact="0.5"/>
+                        </dgm:constrLst>
+                      </dgm:else>
+                    </dgm:choose>
+                  </dgm:if>
+                  <dgm:else name="Name121"/>
+                </dgm:choose>
+                <dgm:ruleLst/>
+                <dgm:layoutNode name="rootComposite3">
+                  <dgm:alg type="composite"/>
+                  <dgm:shape xmlns:r="http://schemas.openxmlformats.org/officeDocument/2006/relationships" r:blip="">
+                    <dgm:adjLst/>
+                  </dgm:shape>
+                  <dgm:presOf axis="self" ptType="node" cnt="1"/>
+                  <dgm:choose name="Name122">
+                    <dgm:if name="Name123" func="var" arg="hierBranch" op="equ" val="init">
+                      <dgm:constrLst>
+                        <dgm:constr type="l" for="ch" forName="rootText3"/>
+                        <dgm:constr type="t" for="ch" forName="rootText3"/>
+                        <dgm:constr type="w" for="ch" forName="rootText3" refType="w"/>
+                        <dgm:constr type="h" for="ch" forName="rootText3" refType="h"/>
+                        <dgm:constr type="l" for="ch" forName="rootConnector3"/>
+                        <dgm:constr type="t" for="ch" forName="rootConnector3"/>
+                        <dgm:constr type="w" for="ch" forName="rootConnector3" refType="w" refFor="ch" refForName="rootText3" fact="0.2"/>
+                        <dgm:constr type="h" for="ch" forName="rootConnector3" refType="h" refFor="ch" refForName="rootText3"/>
+                      </dgm:constrLst>
+                    </dgm:if>
+                    <dgm:if name="Name124" func="var" arg="hierBranch" op="equ" val="l">
+                      <dgm:constrLst>
+                        <dgm:constr type="l" for="ch" forName="rootText3"/>
+                        <dgm:constr type="t" for="ch" forName="rootText3"/>
+                        <dgm:constr type="w" for="ch" forName="rootText3" refType="w"/>
+                        <dgm:constr type="h" for="ch" forName="rootText3" refType="h"/>
+                        <dgm:constr type="r" for="ch" forName="rootConnector3" refType="w"/>
+                        <dgm:constr type="t" for="ch" forName="rootConnector3"/>
+                        <dgm:constr type="w" for="ch" forName="rootConnector3" refType="w" refFor="ch" refForName="rootText3" fact="0.2"/>
+                        <dgm:constr type="h" for="ch" forName="rootConnector3" refType="h" refFor="ch" refForName="rootText3"/>
+                      </dgm:constrLst>
+                    </dgm:if>
+                    <dgm:if name="Name125" func="var" arg="hierBranch" op="equ" val="r">
+                      <dgm:constrLst>
+                        <dgm:constr type="l" for="ch" forName="rootText3"/>
+                        <dgm:constr type="t" for="ch" forName="rootText3"/>
+                        <dgm:constr type="w" for="ch" forName="rootText3" refType="w"/>
+                        <dgm:constr type="h" for="ch" forName="rootText3" refType="h"/>
+                        <dgm:constr type="l" for="ch" forName="rootConnector3"/>
+                        <dgm:constr type="t" for="ch" forName="rootConnector3"/>
+                        <dgm:constr type="w" for="ch" forName="rootConnector3" refType="w" refFor="ch" refForName="rootText3" fact="0.2"/>
+                        <dgm:constr type="h" for="ch" forName="rootConnector3" refType="h" refFor="ch" refForName="rootText3"/>
+                      </dgm:constrLst>
+                    </dgm:if>
+                    <dgm:else name="Name126">
+                      <dgm:constrLst>
+                        <dgm:constr type="l" for="ch" forName="rootText3"/>
+                        <dgm:constr type="t" for="ch" forName="rootText3"/>
+                        <dgm:constr type="w" for="ch" forName="rootText3" refType="w"/>
+                        <dgm:constr type="h" for="ch" forName="rootText3" refType="h"/>
+                        <dgm:constr type="r" for="ch" forName="rootConnector3" refType="w"/>
+                        <dgm:constr type="t" for="ch" forName="rootConnector3"/>
+                        <dgm:constr type="w" for="ch" forName="rootConnector3" refType="w" refFor="ch" refForName="rootText3" fact="0.2"/>
+                        <dgm:constr type="h" for="ch" forName="rootConnector3" refType="h" refFor="ch" refForName="rootText3"/>
+                      </dgm:constrLst>
+                    </dgm:else>
+                  </dgm:choose>
+                  <dgm:ruleLst/>
+                  <dgm:layoutNode name="rootText3">
+                    <dgm:varLst>
+                      <dgm:chPref val="3"/>
+                    </dgm:varLst>
+                    <dgm:alg type="tx"/>
+                    <dgm:shape xmlns:r="http://schemas.openxmlformats.org/officeDocument/2006/relationships" type="rect" r:blip="">
+                      <dgm:adjLst/>
+                    </dgm:shape>
+                    <dgm:presOf axis="self" ptType="node" cnt="1"/>
+                    <dgm:constrLst>
+                      <dgm:constr type="primFontSz" val="65"/>
+                      <dgm:constr type="lMarg" refType="primFontSz" fact="0.05"/>
+                      <dgm:constr type="rMarg" refType="primFontSz" fact="0.05"/>
+                      <dgm:constr type="tMarg" refType="primFontSz" fact="0.05"/>
+                      <dgm:constr type="bMarg" refType="primFontSz" fact="0.05"/>
+                    </dgm:constrLst>
+                    <dgm:ruleLst>
+                      <dgm:rule type="primFontSz" val="5" fact="NaN" max="NaN"/>
+                    </dgm:ruleLst>
+                  </dgm:layoutNode>
+                  <dgm:layoutNode name="rootConnector3" moveWith="rootText1">
+                    <dgm:alg type="sp"/>
+                    <dgm:shape xmlns:r="http://schemas.openxmlformats.org/officeDocument/2006/relationships" type="rect" r:blip="" hideGeom="1">
+                      <dgm:adjLst/>
+                    </dgm:shape>
+                    <dgm:presOf axis="self" ptType="node" cnt="1"/>
+                    <dgm:constrLst/>
+                    <dgm:ruleLst/>
+                  </dgm:layoutNode>
+                </dgm:layoutNode>
+                <dgm:layoutNode name="hierChild6">
+                  <dgm:choose name="Name127">
+                    <dgm:if name="Name128" func="var" arg="hierBranch" op="equ" val="l">
+                      <dgm:alg type="hierChild">
+                        <dgm:param type="chAlign" val="r"/>
+                        <dgm:param type="linDir" val="fromT"/>
+                      </dgm:alg>
+                    </dgm:if>
+                    <dgm:if name="Name129" func="var" arg="hierBranch" op="equ" val="r">
+                      <dgm:alg type="hierChild">
+                        <dgm:param type="chAlign" val="l"/>
+                        <dgm:param type="linDir" val="fromT"/>
+                      </dgm:alg>
+                    </dgm:if>
+                    <dgm:if name="Name130" func="var" arg="hierBranch" op="equ" val="hang">
+                      <dgm:choose name="Name131">
+                        <dgm:if name="Name132" func="var" arg="dir" op="equ" val="norm">
+                          <dgm:alg type="hierChild">
+                            <dgm:param type="chAlign" val="l"/>
+                            <dgm:param type="linDir" val="fromL"/>
+                            <dgm:param type="secChAlign" val="t"/>
+                            <dgm:param type="secLinDir" val="fromT"/>
+                          </dgm:alg>
+                        </dgm:if>
+                        <dgm:else name="Name133">
+                          <dgm:alg type="hierChild">
+                            <dgm:param type="chAlign" val="l"/>
+                            <dgm:param type="linDir" val="fromR"/>
+                            <dgm:param type="secChAlign" val="t"/>
+                            <dgm:param type="secLinDir" val="fromT"/>
+                          </dgm:alg>
+                        </dgm:else>
+                      </dgm:choose>
+                    </dgm:if>
+                    <dgm:if name="Name134" func="var" arg="hierBranch" op="equ" val="std">
+                      <dgm:choose name="Name135">
+                        <dgm:if name="Name136" func="var" arg="dir" op="equ" val="norm">
+                          <dgm:alg type="hierChild"/>
+                        </dgm:if>
+                        <dgm:else name="Name137">
+                          <dgm:alg type="hierChild">
+                            <dgm:param type="linDir" val="fromR"/>
+                          </dgm:alg>
+                        </dgm:else>
+                      </dgm:choose>
+                    </dgm:if>
+                    <dgm:if name="Name138" func="var" arg="hierBranch" op="equ" val="init">
+                      <dgm:choose name="Name139">
+                        <dgm:if name="Name140" axis="des" func="maxDepth" op="lte" val="1">
+                          <dgm:alg type="hierChild">
+                            <dgm:param type="chAlign" val="l"/>
+                            <dgm:param type="linDir" val="fromT"/>
+                          </dgm:alg>
+                        </dgm:if>
+                        <dgm:else name="Name141">
+                          <dgm:alg type="hierChild"/>
+                        </dgm:else>
+                      </dgm:choose>
+                    </dgm:if>
+                    <dgm:else name="Name142"/>
+                  </dgm:choose>
+                  <dgm:shape xmlns:r="http://schemas.openxmlformats.org/officeDocument/2006/relationships" r:blip="">
+                    <dgm:adjLst/>
+                  </dgm:shape>
+                  <dgm:presOf/>
+                  <dgm:constrLst/>
+                  <dgm:ruleLst/>
+                  <dgm:forEach name="Name143" ref="rep2a"/>
+                </dgm:layoutNode>
+                <dgm:layoutNode name="hierChild7">
+                  <dgm:choose name="Name144">
+                    <dgm:if name="Name145" func="var" arg="dir" op="equ" val="norm">
+                      <dgm:alg type="hierChild">
+                        <dgm:param type="chAlign" val="l"/>
+                        <dgm:param type="linDir" val="fromL"/>
+                        <dgm:param type="secChAlign" val="t"/>
+                        <dgm:param type="secLinDir" val="fromT"/>
+                      </dgm:alg>
+                    </dgm:if>
+                    <dgm:else name="Name146">
+                      <dgm:alg type="hierChild">
+                        <dgm:param type="chAlign" val="l"/>
+                        <dgm:param type="linDir" val="fromR"/>
+                        <dgm:param type="secChAlign" val="t"/>
+                        <dgm:param type="secLinDir" val="fromT"/>
+                      </dgm:alg>
+                    </dgm:else>
+                  </dgm:choose>
+                  <dgm:shape xmlns:r="http://schemas.openxmlformats.org/officeDocument/2006/relationships" r:blip="">
+                    <dgm:adjLst/>
+                  </dgm:shape>
+                  <dgm:presOf/>
+                  <dgm:constrLst/>
+                  <dgm:ruleLst/>
+                  <dgm:forEach name="Name147" ref="rep2b"/>
+                </dgm:layoutNode>
+              </dgm:layoutNode>
+            </dgm:forEach>
+          </dgm:layoutNode>
+        </dgm:layoutNode>
+      </dgm:forEach>
+    </dgm:forEach>
+  </dgm:layoutNode>
+</dgm:layoutDef>
+</file>
+
 <file path=ppt/diagrams/quickStyle1.xml><?xml version="1.0" encoding="utf-8"?>
 <dgm:styleDef xmlns:dgm="http://schemas.openxmlformats.org/drawingml/2006/diagram" xmlns:a="http://schemas.openxmlformats.org/drawingml/2006/main" uniqueId="urn:microsoft.com/office/officeart/2005/8/quickstyle/simple4">
   <dgm:title val=""/>
@@ -3274,8 +6128,1042 @@
 </dgm:styleDef>
 </file>
 
+<file path=ppt/diagrams/quickStyle2.xml><?xml version="1.0" encoding="utf-8"?>
+<dgm:styleDef xmlns:dgm="http://schemas.openxmlformats.org/drawingml/2006/diagram" xmlns:a="http://schemas.openxmlformats.org/drawingml/2006/main" uniqueId="urn:microsoft.com/office/officeart/2005/8/quickstyle/simple1">
+  <dgm:title val=""/>
+  <dgm:desc val=""/>
+  <dgm:catLst>
+    <dgm:cat type="simple" pri="10100"/>
+  </dgm:catLst>
+  <dgm:scene3d>
+    <a:camera prst="orthographicFront"/>
+    <a:lightRig rig="threePt" dir="t"/>
+  </dgm:scene3d>
+  <dgm:styleLbl name="node0">
+    <dgm:scene3d>
+      <a:camera prst="orthographicFront"/>
+      <a:lightRig rig="threePt" dir="t"/>
+    </dgm:scene3d>
+    <dgm:sp3d/>
+    <dgm:txPr/>
+    <dgm:style>
+      <a:lnRef idx="2">
+        <a:scrgbClr r="0" g="0" b="0"/>
+      </a:lnRef>
+      <a:fillRef idx="1">
+        <a:scrgbClr r="0" g="0" b="0"/>
+      </a:fillRef>
+      <a:effectRef idx="0">
+        <a:scrgbClr r="0" g="0" b="0"/>
+      </a:effectRef>
+      <a:fontRef idx="minor">
+        <a:schemeClr val="lt1"/>
+      </a:fontRef>
+    </dgm:style>
+  </dgm:styleLbl>
+  <dgm:styleLbl name="lnNode1">
+    <dgm:scene3d>
+      <a:camera prst="orthographicFront"/>
+      <a:lightRig rig="threePt" dir="t"/>
+    </dgm:scene3d>
+    <dgm:sp3d/>
+    <dgm:txPr/>
+    <dgm:style>
+      <a:lnRef idx="2">
+        <a:scrgbClr r="0" g="0" b="0"/>
+      </a:lnRef>
+      <a:fillRef idx="1">
+        <a:scrgbClr r="0" g="0" b="0"/>
+      </a:fillRef>
+      <a:effectRef idx="0">
+        <a:scrgbClr r="0" g="0" b="0"/>
+      </a:effectRef>
+      <a:fontRef idx="minor">
+        <a:schemeClr val="lt1"/>
+      </a:fontRef>
+    </dgm:style>
+  </dgm:styleLbl>
+  <dgm:styleLbl name="vennNode1">
+    <dgm:scene3d>
+      <a:camera prst="orthographicFront"/>
+      <a:lightRig rig="threePt" dir="t"/>
+    </dgm:scene3d>
+    <dgm:sp3d/>
+    <dgm:txPr/>
+    <dgm:style>
+      <a:lnRef idx="2">
+        <a:scrgbClr r="0" g="0" b="0"/>
+      </a:lnRef>
+      <a:fillRef idx="1">
+        <a:scrgbClr r="0" g="0" b="0"/>
+      </a:fillRef>
+      <a:effectRef idx="0">
+        <a:scrgbClr r="0" g="0" b="0"/>
+      </a:effectRef>
+      <a:fontRef idx="minor">
+        <a:schemeClr val="tx1"/>
+      </a:fontRef>
+    </dgm:style>
+  </dgm:styleLbl>
+  <dgm:styleLbl name="alignNode1">
+    <dgm:scene3d>
+      <a:camera prst="orthographicFront"/>
+      <a:lightRig rig="threePt" dir="t"/>
+    </dgm:scene3d>
+    <dgm:sp3d/>
+    <dgm:txPr/>
+    <dgm:style>
+      <a:lnRef idx="2">
+        <a:scrgbClr r="0" g="0" b="0"/>
+      </a:lnRef>
+      <a:fillRef idx="1">
+        <a:scrgbClr r="0" g="0" b="0"/>
+      </a:fillRef>
+      <a:effectRef idx="0">
+        <a:scrgbClr r="0" g="0" b="0"/>
+      </a:effectRef>
+      <a:fontRef idx="minor">
+        <a:schemeClr val="lt1"/>
+      </a:fontRef>
+    </dgm:style>
+  </dgm:styleLbl>
+  <dgm:styleLbl name="node1">
+    <dgm:scene3d>
+      <a:camera prst="orthographicFront"/>
+      <a:lightRig rig="threePt" dir="t"/>
+    </dgm:scene3d>
+    <dgm:sp3d/>
+    <dgm:txPr/>
+    <dgm:style>
+      <a:lnRef idx="2">
+        <a:scrgbClr r="0" g="0" b="0"/>
+      </a:lnRef>
+      <a:fillRef idx="1">
+        <a:scrgbClr r="0" g="0" b="0"/>
+      </a:fillRef>
+      <a:effectRef idx="0">
+        <a:scrgbClr r="0" g="0" b="0"/>
+      </a:effectRef>
+      <a:fontRef idx="minor">
+        <a:schemeClr val="lt1"/>
+      </a:fontRef>
+    </dgm:style>
+  </dgm:styleLbl>
+  <dgm:styleLbl name="node2">
+    <dgm:scene3d>
+      <a:camera prst="orthographicFront"/>
+      <a:lightRig rig="threePt" dir="t"/>
+    </dgm:scene3d>
+    <dgm:sp3d/>
+    <dgm:txPr/>
+    <dgm:style>
+      <a:lnRef idx="2">
+        <a:scrgbClr r="0" g="0" b="0"/>
+      </a:lnRef>
+      <a:fillRef idx="1">
+        <a:scrgbClr r="0" g="0" b="0"/>
+      </a:fillRef>
+      <a:effectRef idx="0">
+        <a:scrgbClr r="0" g="0" b="0"/>
+      </a:effectRef>
+      <a:fontRef idx="minor">
+        <a:schemeClr val="lt1"/>
+      </a:fontRef>
+    </dgm:style>
+  </dgm:styleLbl>
+  <dgm:styleLbl name="node3">
+    <dgm:scene3d>
+      <a:camera prst="orthographicFront"/>
+      <a:lightRig rig="threePt" dir="t"/>
+    </dgm:scene3d>
+    <dgm:sp3d/>
+    <dgm:txPr/>
+    <dgm:style>
+      <a:lnRef idx="2">
+        <a:scrgbClr r="0" g="0" b="0"/>
+      </a:lnRef>
+      <a:fillRef idx="1">
+        <a:scrgbClr r="0" g="0" b="0"/>
+      </a:fillRef>
+      <a:effectRef idx="0">
+        <a:scrgbClr r="0" g="0" b="0"/>
+      </a:effectRef>
+      <a:fontRef idx="minor">
+        <a:schemeClr val="lt1"/>
+      </a:fontRef>
+    </dgm:style>
+  </dgm:styleLbl>
+  <dgm:styleLbl name="node4">
+    <dgm:scene3d>
+      <a:camera prst="orthographicFront"/>
+      <a:lightRig rig="threePt" dir="t"/>
+    </dgm:scene3d>
+    <dgm:sp3d/>
+    <dgm:txPr/>
+    <dgm:style>
+      <a:lnRef idx="2">
+        <a:scrgbClr r="0" g="0" b="0"/>
+      </a:lnRef>
+      <a:fillRef idx="1">
+        <a:scrgbClr r="0" g="0" b="0"/>
+      </a:fillRef>
+      <a:effectRef idx="0">
+        <a:scrgbClr r="0" g="0" b="0"/>
+      </a:effectRef>
+      <a:fontRef idx="minor">
+        <a:schemeClr val="lt1"/>
+      </a:fontRef>
+    </dgm:style>
+  </dgm:styleLbl>
+  <dgm:styleLbl name="fgImgPlace1">
+    <dgm:scene3d>
+      <a:camera prst="orthographicFront"/>
+      <a:lightRig rig="threePt" dir="t"/>
+    </dgm:scene3d>
+    <dgm:sp3d/>
+    <dgm:txPr/>
+    <dgm:style>
+      <a:lnRef idx="2">
+        <a:scrgbClr r="0" g="0" b="0"/>
+      </a:lnRef>
+      <a:fillRef idx="1">
+        <a:scrgbClr r="0" g="0" b="0"/>
+      </a:fillRef>
+      <a:effectRef idx="0">
+        <a:scrgbClr r="0" g="0" b="0"/>
+      </a:effectRef>
+      <a:fontRef idx="minor"/>
+    </dgm:style>
+  </dgm:styleLbl>
+  <dgm:styleLbl name="alignImgPlace1">
+    <dgm:scene3d>
+      <a:camera prst="orthographicFront"/>
+      <a:lightRig rig="threePt" dir="t"/>
+    </dgm:scene3d>
+    <dgm:sp3d/>
+    <dgm:txPr/>
+    <dgm:style>
+      <a:lnRef idx="2">
+        <a:scrgbClr r="0" g="0" b="0"/>
+      </a:lnRef>
+      <a:fillRef idx="1">
+        <a:scrgbClr r="0" g="0" b="0"/>
+      </a:fillRef>
+      <a:effectRef idx="0">
+        <a:scrgbClr r="0" g="0" b="0"/>
+      </a:effectRef>
+      <a:fontRef idx="minor"/>
+    </dgm:style>
+  </dgm:styleLbl>
+  <dgm:styleLbl name="bgImgPlace1">
+    <dgm:scene3d>
+      <a:camera prst="orthographicFront"/>
+      <a:lightRig rig="threePt" dir="t"/>
+    </dgm:scene3d>
+    <dgm:sp3d/>
+    <dgm:txPr/>
+    <dgm:style>
+      <a:lnRef idx="2">
+        <a:scrgbClr r="0" g="0" b="0"/>
+      </a:lnRef>
+      <a:fillRef idx="1">
+        <a:scrgbClr r="0" g="0" b="0"/>
+      </a:fillRef>
+      <a:effectRef idx="0">
+        <a:scrgbClr r="0" g="0" b="0"/>
+      </a:effectRef>
+      <a:fontRef idx="minor"/>
+    </dgm:style>
+  </dgm:styleLbl>
+  <dgm:styleLbl name="sibTrans2D1">
+    <dgm:scene3d>
+      <a:camera prst="orthographicFront"/>
+      <a:lightRig rig="threePt" dir="t"/>
+    </dgm:scene3d>
+    <dgm:sp3d/>
+    <dgm:txPr/>
+    <dgm:style>
+      <a:lnRef idx="0">
+        <a:scrgbClr r="0" g="0" b="0"/>
+      </a:lnRef>
+      <a:fillRef idx="1">
+        <a:scrgbClr r="0" g="0" b="0"/>
+      </a:fillRef>
+      <a:effectRef idx="0">
+        <a:scrgbClr r="0" g="0" b="0"/>
+      </a:effectRef>
+      <a:fontRef idx="minor">
+        <a:schemeClr val="lt1"/>
+      </a:fontRef>
+    </dgm:style>
+  </dgm:styleLbl>
+  <dgm:styleLbl name="fgSibTrans2D1">
+    <dgm:scene3d>
+      <a:camera prst="orthographicFront"/>
+      <a:lightRig rig="threePt" dir="t"/>
+    </dgm:scene3d>
+    <dgm:sp3d/>
+    <dgm:txPr/>
+    <dgm:style>
+      <a:lnRef idx="0">
+        <a:scrgbClr r="0" g="0" b="0"/>
+      </a:lnRef>
+      <a:fillRef idx="1">
+        <a:scrgbClr r="0" g="0" b="0"/>
+      </a:fillRef>
+      <a:effectRef idx="0">
+        <a:scrgbClr r="0" g="0" b="0"/>
+      </a:effectRef>
+      <a:fontRef idx="minor">
+        <a:schemeClr val="lt1"/>
+      </a:fontRef>
+    </dgm:style>
+  </dgm:styleLbl>
+  <dgm:styleLbl name="bgSibTrans2D1">
+    <dgm:scene3d>
+      <a:camera prst="orthographicFront"/>
+      <a:lightRig rig="threePt" dir="t"/>
+    </dgm:scene3d>
+    <dgm:sp3d/>
+    <dgm:txPr/>
+    <dgm:style>
+      <a:lnRef idx="0">
+        <a:scrgbClr r="0" g="0" b="0"/>
+      </a:lnRef>
+      <a:fillRef idx="1">
+        <a:scrgbClr r="0" g="0" b="0"/>
+      </a:fillRef>
+      <a:effectRef idx="0">
+        <a:scrgbClr r="0" g="0" b="0"/>
+      </a:effectRef>
+      <a:fontRef idx="minor">
+        <a:schemeClr val="lt1"/>
+      </a:fontRef>
+    </dgm:style>
+  </dgm:styleLbl>
+  <dgm:styleLbl name="sibTrans1D1">
+    <dgm:scene3d>
+      <a:camera prst="orthographicFront"/>
+      <a:lightRig rig="threePt" dir="t"/>
+    </dgm:scene3d>
+    <dgm:sp3d/>
+    <dgm:txPr/>
+    <dgm:style>
+      <a:lnRef idx="1">
+        <a:scrgbClr r="0" g="0" b="0"/>
+      </a:lnRef>
+      <a:fillRef idx="0">
+        <a:scrgbClr r="0" g="0" b="0"/>
+      </a:fillRef>
+      <a:effectRef idx="0">
+        <a:scrgbClr r="0" g="0" b="0"/>
+      </a:effectRef>
+      <a:fontRef idx="minor"/>
+    </dgm:style>
+  </dgm:styleLbl>
+  <dgm:styleLbl name="callout">
+    <dgm:scene3d>
+      <a:camera prst="orthographicFront"/>
+      <a:lightRig rig="threePt" dir="t"/>
+    </dgm:scene3d>
+    <dgm:sp3d/>
+    <dgm:txPr/>
+    <dgm:style>
+      <a:lnRef idx="2">
+        <a:scrgbClr r="0" g="0" b="0"/>
+      </a:lnRef>
+      <a:fillRef idx="1">
+        <a:scrgbClr r="0" g="0" b="0"/>
+      </a:fillRef>
+      <a:effectRef idx="0">
+        <a:scrgbClr r="0" g="0" b="0"/>
+      </a:effectRef>
+      <a:fontRef idx="minor"/>
+    </dgm:style>
+  </dgm:styleLbl>
+  <dgm:styleLbl name="asst0">
+    <dgm:scene3d>
+      <a:camera prst="orthographicFront"/>
+      <a:lightRig rig="threePt" dir="t"/>
+    </dgm:scene3d>
+    <dgm:sp3d/>
+    <dgm:txPr/>
+    <dgm:style>
+      <a:lnRef idx="2">
+        <a:scrgbClr r="0" g="0" b="0"/>
+      </a:lnRef>
+      <a:fillRef idx="1">
+        <a:scrgbClr r="0" g="0" b="0"/>
+      </a:fillRef>
+      <a:effectRef idx="0">
+        <a:scrgbClr r="0" g="0" b="0"/>
+      </a:effectRef>
+      <a:fontRef idx="minor">
+        <a:schemeClr val="lt1"/>
+      </a:fontRef>
+    </dgm:style>
+  </dgm:styleLbl>
+  <dgm:styleLbl name="asst1">
+    <dgm:scene3d>
+      <a:camera prst="orthographicFront"/>
+      <a:lightRig rig="threePt" dir="t"/>
+    </dgm:scene3d>
+    <dgm:sp3d/>
+    <dgm:txPr/>
+    <dgm:style>
+      <a:lnRef idx="2">
+        <a:scrgbClr r="0" g="0" b="0"/>
+      </a:lnRef>
+      <a:fillRef idx="1">
+        <a:scrgbClr r="0" g="0" b="0"/>
+      </a:fillRef>
+      <a:effectRef idx="0">
+        <a:scrgbClr r="0" g="0" b="0"/>
+      </a:effectRef>
+      <a:fontRef idx="minor">
+        <a:schemeClr val="lt1"/>
+      </a:fontRef>
+    </dgm:style>
+  </dgm:styleLbl>
+  <dgm:styleLbl name="asst2">
+    <dgm:scene3d>
+      <a:camera prst="orthographicFront"/>
+      <a:lightRig rig="threePt" dir="t"/>
+    </dgm:scene3d>
+    <dgm:sp3d/>
+    <dgm:txPr/>
+    <dgm:style>
+      <a:lnRef idx="2">
+        <a:scrgbClr r="0" g="0" b="0"/>
+      </a:lnRef>
+      <a:fillRef idx="1">
+        <a:scrgbClr r="0" g="0" b="0"/>
+      </a:fillRef>
+      <a:effectRef idx="0">
+        <a:scrgbClr r="0" g="0" b="0"/>
+      </a:effectRef>
+      <a:fontRef idx="minor">
+        <a:schemeClr val="lt1"/>
+      </a:fontRef>
+    </dgm:style>
+  </dgm:styleLbl>
+  <dgm:styleLbl name="asst3">
+    <dgm:scene3d>
+      <a:camera prst="orthographicFront"/>
+      <a:lightRig rig="threePt" dir="t"/>
+    </dgm:scene3d>
+    <dgm:sp3d/>
+    <dgm:txPr/>
+    <dgm:style>
+      <a:lnRef idx="2">
+        <a:scrgbClr r="0" g="0" b="0"/>
+      </a:lnRef>
+      <a:fillRef idx="1">
+        <a:scrgbClr r="0" g="0" b="0"/>
+      </a:fillRef>
+      <a:effectRef idx="0">
+        <a:scrgbClr r="0" g="0" b="0"/>
+      </a:effectRef>
+      <a:fontRef idx="minor">
+        <a:schemeClr val="lt1"/>
+      </a:fontRef>
+    </dgm:style>
+  </dgm:styleLbl>
+  <dgm:styleLbl name="asst4">
+    <dgm:scene3d>
+      <a:camera prst="orthographicFront"/>
+      <a:lightRig rig="threePt" dir="t"/>
+    </dgm:scene3d>
+    <dgm:sp3d/>
+    <dgm:txPr/>
+    <dgm:style>
+      <a:lnRef idx="2">
+        <a:scrgbClr r="0" g="0" b="0"/>
+      </a:lnRef>
+      <a:fillRef idx="1">
+        <a:scrgbClr r="0" g="0" b="0"/>
+      </a:fillRef>
+      <a:effectRef idx="0">
+        <a:scrgbClr r="0" g="0" b="0"/>
+      </a:effectRef>
+      <a:fontRef idx="minor">
+        <a:schemeClr val="lt1"/>
+      </a:fontRef>
+    </dgm:style>
+  </dgm:styleLbl>
+  <dgm:styleLbl name="parChTrans2D1">
+    <dgm:scene3d>
+      <a:camera prst="orthographicFront"/>
+      <a:lightRig rig="threePt" dir="t"/>
+    </dgm:scene3d>
+    <dgm:sp3d/>
+    <dgm:txPr/>
+    <dgm:style>
+      <a:lnRef idx="2">
+        <a:scrgbClr r="0" g="0" b="0"/>
+      </a:lnRef>
+      <a:fillRef idx="1">
+        <a:scrgbClr r="0" g="0" b="0"/>
+      </a:fillRef>
+      <a:effectRef idx="0">
+        <a:scrgbClr r="0" g="0" b="0"/>
+      </a:effectRef>
+      <a:fontRef idx="minor">
+        <a:schemeClr val="lt1"/>
+      </a:fontRef>
+    </dgm:style>
+  </dgm:styleLbl>
+  <dgm:styleLbl name="parChTrans2D2">
+    <dgm:scene3d>
+      <a:camera prst="orthographicFront"/>
+      <a:lightRig rig="threePt" dir="t"/>
+    </dgm:scene3d>
+    <dgm:sp3d/>
+    <dgm:txPr/>
+    <dgm:style>
+      <a:lnRef idx="2">
+        <a:scrgbClr r="0" g="0" b="0"/>
+      </a:lnRef>
+      <a:fillRef idx="1">
+        <a:scrgbClr r="0" g="0" b="0"/>
+      </a:fillRef>
+      <a:effectRef idx="0">
+        <a:scrgbClr r="0" g="0" b="0"/>
+      </a:effectRef>
+      <a:fontRef idx="minor">
+        <a:schemeClr val="lt1"/>
+      </a:fontRef>
+    </dgm:style>
+  </dgm:styleLbl>
+  <dgm:styleLbl name="parChTrans2D3">
+    <dgm:scene3d>
+      <a:camera prst="orthographicFront"/>
+      <a:lightRig rig="threePt" dir="t"/>
+    </dgm:scene3d>
+    <dgm:sp3d/>
+    <dgm:txPr/>
+    <dgm:style>
+      <a:lnRef idx="2">
+        <a:scrgbClr r="0" g="0" b="0"/>
+      </a:lnRef>
+      <a:fillRef idx="1">
+        <a:scrgbClr r="0" g="0" b="0"/>
+      </a:fillRef>
+      <a:effectRef idx="0">
+        <a:scrgbClr r="0" g="0" b="0"/>
+      </a:effectRef>
+      <a:fontRef idx="minor">
+        <a:schemeClr val="lt1"/>
+      </a:fontRef>
+    </dgm:style>
+  </dgm:styleLbl>
+  <dgm:styleLbl name="parChTrans2D4">
+    <dgm:scene3d>
+      <a:camera prst="orthographicFront"/>
+      <a:lightRig rig="threePt" dir="t"/>
+    </dgm:scene3d>
+    <dgm:sp3d/>
+    <dgm:txPr/>
+    <dgm:style>
+      <a:lnRef idx="2">
+        <a:scrgbClr r="0" g="0" b="0"/>
+      </a:lnRef>
+      <a:fillRef idx="1">
+        <a:scrgbClr r="0" g="0" b="0"/>
+      </a:fillRef>
+      <a:effectRef idx="0">
+        <a:scrgbClr r="0" g="0" b="0"/>
+      </a:effectRef>
+      <a:fontRef idx="minor">
+        <a:schemeClr val="lt1"/>
+      </a:fontRef>
+    </dgm:style>
+  </dgm:styleLbl>
+  <dgm:styleLbl name="parChTrans1D1">
+    <dgm:scene3d>
+      <a:camera prst="orthographicFront"/>
+      <a:lightRig rig="threePt" dir="t"/>
+    </dgm:scene3d>
+    <dgm:sp3d/>
+    <dgm:txPr/>
+    <dgm:style>
+      <a:lnRef idx="2">
+        <a:scrgbClr r="0" g="0" b="0"/>
+      </a:lnRef>
+      <a:fillRef idx="0">
+        <a:scrgbClr r="0" g="0" b="0"/>
+      </a:fillRef>
+      <a:effectRef idx="0">
+        <a:scrgbClr r="0" g="0" b="0"/>
+      </a:effectRef>
+      <a:fontRef idx="minor"/>
+    </dgm:style>
+  </dgm:styleLbl>
+  <dgm:styleLbl name="parChTrans1D2">
+    <dgm:scene3d>
+      <a:camera prst="orthographicFront"/>
+      <a:lightRig rig="threePt" dir="t"/>
+    </dgm:scene3d>
+    <dgm:sp3d/>
+    <dgm:txPr/>
+    <dgm:style>
+      <a:lnRef idx="2">
+        <a:scrgbClr r="0" g="0" b="0"/>
+      </a:lnRef>
+      <a:fillRef idx="0">
+        <a:scrgbClr r="0" g="0" b="0"/>
+      </a:fillRef>
+      <a:effectRef idx="0">
+        <a:scrgbClr r="0" g="0" b="0"/>
+      </a:effectRef>
+      <a:fontRef idx="minor"/>
+    </dgm:style>
+  </dgm:styleLbl>
+  <dgm:styleLbl name="parChTrans1D3">
+    <dgm:scene3d>
+      <a:camera prst="orthographicFront"/>
+      <a:lightRig rig="threePt" dir="t"/>
+    </dgm:scene3d>
+    <dgm:sp3d/>
+    <dgm:txPr/>
+    <dgm:style>
+      <a:lnRef idx="2">
+        <a:scrgbClr r="0" g="0" b="0"/>
+      </a:lnRef>
+      <a:fillRef idx="0">
+        <a:scrgbClr r="0" g="0" b="0"/>
+      </a:fillRef>
+      <a:effectRef idx="0">
+        <a:scrgbClr r="0" g="0" b="0"/>
+      </a:effectRef>
+      <a:fontRef idx="minor"/>
+    </dgm:style>
+  </dgm:styleLbl>
+  <dgm:styleLbl name="parChTrans1D4">
+    <dgm:scene3d>
+      <a:camera prst="orthographicFront"/>
+      <a:lightRig rig="threePt" dir="t"/>
+    </dgm:scene3d>
+    <dgm:sp3d/>
+    <dgm:txPr/>
+    <dgm:style>
+      <a:lnRef idx="2">
+        <a:scrgbClr r="0" g="0" b="0"/>
+      </a:lnRef>
+      <a:fillRef idx="0">
+        <a:scrgbClr r="0" g="0" b="0"/>
+      </a:fillRef>
+      <a:effectRef idx="0">
+        <a:scrgbClr r="0" g="0" b="0"/>
+      </a:effectRef>
+      <a:fontRef idx="minor"/>
+    </dgm:style>
+  </dgm:styleLbl>
+  <dgm:styleLbl name="fgAcc1">
+    <dgm:scene3d>
+      <a:camera prst="orthographicFront"/>
+      <a:lightRig rig="threePt" dir="t"/>
+    </dgm:scene3d>
+    <dgm:sp3d/>
+    <dgm:txPr/>
+    <dgm:style>
+      <a:lnRef idx="2">
+        <a:scrgbClr r="0" g="0" b="0"/>
+      </a:lnRef>
+      <a:fillRef idx="1">
+        <a:scrgbClr r="0" g="0" b="0"/>
+      </a:fillRef>
+      <a:effectRef idx="0">
+        <a:scrgbClr r="0" g="0" b="0"/>
+      </a:effectRef>
+      <a:fontRef idx="minor"/>
+    </dgm:style>
+  </dgm:styleLbl>
+  <dgm:styleLbl name="conFgAcc1">
+    <dgm:scene3d>
+      <a:camera prst="orthographicFront"/>
+      <a:lightRig rig="threePt" dir="t"/>
+    </dgm:scene3d>
+    <dgm:sp3d/>
+    <dgm:txPr/>
+    <dgm:style>
+      <a:lnRef idx="2">
+        <a:scrgbClr r="0" g="0" b="0"/>
+      </a:lnRef>
+      <a:fillRef idx="1">
+        <a:scrgbClr r="0" g="0" b="0"/>
+      </a:fillRef>
+      <a:effectRef idx="0">
+        <a:scrgbClr r="0" g="0" b="0"/>
+      </a:effectRef>
+      <a:fontRef idx="minor"/>
+    </dgm:style>
+  </dgm:styleLbl>
+  <dgm:styleLbl name="alignAcc1">
+    <dgm:scene3d>
+      <a:camera prst="orthographicFront"/>
+      <a:lightRig rig="threePt" dir="t"/>
+    </dgm:scene3d>
+    <dgm:sp3d/>
+    <dgm:txPr/>
+    <dgm:style>
+      <a:lnRef idx="2">
+        <a:scrgbClr r="0" g="0" b="0"/>
+      </a:lnRef>
+      <a:fillRef idx="1">
+        <a:scrgbClr r="0" g="0" b="0"/>
+      </a:fillRef>
+      <a:effectRef idx="0">
+        <a:scrgbClr r="0" g="0" b="0"/>
+      </a:effectRef>
+      <a:fontRef idx="minor"/>
+    </dgm:style>
+  </dgm:styleLbl>
+  <dgm:styleLbl name="trAlignAcc1">
+    <dgm:scene3d>
+      <a:camera prst="orthographicFront"/>
+      <a:lightRig rig="threePt" dir="t"/>
+    </dgm:scene3d>
+    <dgm:sp3d/>
+    <dgm:txPr/>
+    <dgm:style>
+      <a:lnRef idx="1">
+        <a:scrgbClr r="0" g="0" b="0"/>
+      </a:lnRef>
+      <a:fillRef idx="1">
+        <a:scrgbClr r="0" g="0" b="0"/>
+      </a:fillRef>
+      <a:effectRef idx="0">
+        <a:scrgbClr r="0" g="0" b="0"/>
+      </a:effectRef>
+      <a:fontRef idx="minor"/>
+    </dgm:style>
+  </dgm:styleLbl>
+  <dgm:styleLbl name="bgAcc1">
+    <dgm:scene3d>
+      <a:camera prst="orthographicFront"/>
+      <a:lightRig rig="threePt" dir="t"/>
+    </dgm:scene3d>
+    <dgm:sp3d/>
+    <dgm:txPr/>
+    <dgm:style>
+      <a:lnRef idx="2">
+        <a:scrgbClr r="0" g="0" b="0"/>
+      </a:lnRef>
+      <a:fillRef idx="1">
+        <a:scrgbClr r="0" g="0" b="0"/>
+      </a:fillRef>
+      <a:effectRef idx="0">
+        <a:scrgbClr r="0" g="0" b="0"/>
+      </a:effectRef>
+      <a:fontRef idx="minor"/>
+    </dgm:style>
+  </dgm:styleLbl>
+  <dgm:styleLbl name="solidFgAcc1">
+    <dgm:scene3d>
+      <a:camera prst="orthographicFront"/>
+      <a:lightRig rig="threePt" dir="t"/>
+    </dgm:scene3d>
+    <dgm:sp3d/>
+    <dgm:txPr/>
+    <dgm:style>
+      <a:lnRef idx="2">
+        <a:scrgbClr r="0" g="0" b="0"/>
+      </a:lnRef>
+      <a:fillRef idx="1">
+        <a:scrgbClr r="0" g="0" b="0"/>
+      </a:fillRef>
+      <a:effectRef idx="0">
+        <a:scrgbClr r="0" g="0" b="0"/>
+      </a:effectRef>
+      <a:fontRef idx="minor"/>
+    </dgm:style>
+  </dgm:styleLbl>
+  <dgm:styleLbl name="solidAlignAcc1">
+    <dgm:scene3d>
+      <a:camera prst="orthographicFront"/>
+      <a:lightRig rig="threePt" dir="t"/>
+    </dgm:scene3d>
+    <dgm:sp3d/>
+    <dgm:txPr/>
+    <dgm:style>
+      <a:lnRef idx="2">
+        <a:scrgbClr r="0" g="0" b="0"/>
+      </a:lnRef>
+      <a:fillRef idx="1">
+        <a:scrgbClr r="0" g="0" b="0"/>
+      </a:fillRef>
+      <a:effectRef idx="0">
+        <a:scrgbClr r="0" g="0" b="0"/>
+      </a:effectRef>
+      <a:fontRef idx="minor"/>
+    </dgm:style>
+  </dgm:styleLbl>
+  <dgm:styleLbl name="solidBgAcc1">
+    <dgm:scene3d>
+      <a:camera prst="orthographicFront"/>
+      <a:lightRig rig="threePt" dir="t"/>
+    </dgm:scene3d>
+    <dgm:sp3d/>
+    <dgm:txPr/>
+    <dgm:style>
+      <a:lnRef idx="2">
+        <a:scrgbClr r="0" g="0" b="0"/>
+      </a:lnRef>
+      <a:fillRef idx="1">
+        <a:scrgbClr r="0" g="0" b="0"/>
+      </a:fillRef>
+      <a:effectRef idx="0">
+        <a:scrgbClr r="0" g="0" b="0"/>
+      </a:effectRef>
+      <a:fontRef idx="minor"/>
+    </dgm:style>
+  </dgm:styleLbl>
+  <dgm:styleLbl name="fgAccFollowNode1">
+    <dgm:scene3d>
+      <a:camera prst="orthographicFront"/>
+      <a:lightRig rig="threePt" dir="t"/>
+    </dgm:scene3d>
+    <dgm:sp3d/>
+    <dgm:txPr/>
+    <dgm:style>
+      <a:lnRef idx="2">
+        <a:scrgbClr r="0" g="0" b="0"/>
+      </a:lnRef>
+      <a:fillRef idx="1">
+        <a:scrgbClr r="0" g="0" b="0"/>
+      </a:fillRef>
+      <a:effectRef idx="0">
+        <a:scrgbClr r="0" g="0" b="0"/>
+      </a:effectRef>
+      <a:fontRef idx="minor"/>
+    </dgm:style>
+  </dgm:styleLbl>
+  <dgm:styleLbl name="alignAccFollowNode1">
+    <dgm:scene3d>
+      <a:camera prst="orthographicFront"/>
+      <a:lightRig rig="threePt" dir="t"/>
+    </dgm:scene3d>
+    <dgm:sp3d/>
+    <dgm:txPr/>
+    <dgm:style>
+      <a:lnRef idx="2">
+        <a:scrgbClr r="0" g="0" b="0"/>
+      </a:lnRef>
+      <a:fillRef idx="1">
+        <a:scrgbClr r="0" g="0" b="0"/>
+      </a:fillRef>
+      <a:effectRef idx="0">
+        <a:scrgbClr r="0" g="0" b="0"/>
+      </a:effectRef>
+      <a:fontRef idx="minor"/>
+    </dgm:style>
+  </dgm:styleLbl>
+  <dgm:styleLbl name="bgAccFollowNode1">
+    <dgm:scene3d>
+      <a:camera prst="orthographicFront"/>
+      <a:lightRig rig="threePt" dir="t"/>
+    </dgm:scene3d>
+    <dgm:sp3d/>
+    <dgm:txPr/>
+    <dgm:style>
+      <a:lnRef idx="2">
+        <a:scrgbClr r="0" g="0" b="0"/>
+      </a:lnRef>
+      <a:fillRef idx="1">
+        <a:scrgbClr r="0" g="0" b="0"/>
+      </a:fillRef>
+      <a:effectRef idx="0">
+        <a:scrgbClr r="0" g="0" b="0"/>
+      </a:effectRef>
+      <a:fontRef idx="minor"/>
+    </dgm:style>
+  </dgm:styleLbl>
+  <dgm:styleLbl name="fgAcc0">
+    <dgm:scene3d>
+      <a:camera prst="orthographicFront"/>
+      <a:lightRig rig="threePt" dir="t"/>
+    </dgm:scene3d>
+    <dgm:sp3d/>
+    <dgm:txPr/>
+    <dgm:style>
+      <a:lnRef idx="2">
+        <a:scrgbClr r="0" g="0" b="0"/>
+      </a:lnRef>
+      <a:fillRef idx="1">
+        <a:scrgbClr r="0" g="0" b="0"/>
+      </a:fillRef>
+      <a:effectRef idx="0">
+        <a:scrgbClr r="0" g="0" b="0"/>
+      </a:effectRef>
+      <a:fontRef idx="minor"/>
+    </dgm:style>
+  </dgm:styleLbl>
+  <dgm:styleLbl name="fgAcc2">
+    <dgm:scene3d>
+      <a:camera prst="orthographicFront"/>
+      <a:lightRig rig="threePt" dir="t"/>
+    </dgm:scene3d>
+    <dgm:sp3d/>
+    <dgm:txPr/>
+    <dgm:style>
+      <a:lnRef idx="2">
+        <a:scrgbClr r="0" g="0" b="0"/>
+      </a:lnRef>
+      <a:fillRef idx="1">
+        <a:scrgbClr r="0" g="0" b="0"/>
+      </a:fillRef>
+      <a:effectRef idx="0">
+        <a:scrgbClr r="0" g="0" b="0"/>
+      </a:effectRef>
+      <a:fontRef idx="minor"/>
+    </dgm:style>
+  </dgm:styleLbl>
+  <dgm:styleLbl name="fgAcc3">
+    <dgm:scene3d>
+      <a:camera prst="orthographicFront"/>
+      <a:lightRig rig="threePt" dir="t"/>
+    </dgm:scene3d>
+    <dgm:sp3d/>
+    <dgm:txPr/>
+    <dgm:style>
+      <a:lnRef idx="2">
+        <a:scrgbClr r="0" g="0" b="0"/>
+      </a:lnRef>
+      <a:fillRef idx="1">
+        <a:scrgbClr r="0" g="0" b="0"/>
+      </a:fillRef>
+      <a:effectRef idx="0">
+        <a:scrgbClr r="0" g="0" b="0"/>
+      </a:effectRef>
+      <a:fontRef idx="minor"/>
+    </dgm:style>
+  </dgm:styleLbl>
+  <dgm:styleLbl name="fgAcc4">
+    <dgm:scene3d>
+      <a:camera prst="orthographicFront"/>
+      <a:lightRig rig="threePt" dir="t"/>
+    </dgm:scene3d>
+    <dgm:sp3d/>
+    <dgm:txPr/>
+    <dgm:style>
+      <a:lnRef idx="2">
+        <a:scrgbClr r="0" g="0" b="0"/>
+      </a:lnRef>
+      <a:fillRef idx="1">
+        <a:scrgbClr r="0" g="0" b="0"/>
+      </a:fillRef>
+      <a:effectRef idx="0">
+        <a:scrgbClr r="0" g="0" b="0"/>
+      </a:effectRef>
+      <a:fontRef idx="minor"/>
+    </dgm:style>
+  </dgm:styleLbl>
+  <dgm:styleLbl name="bgShp">
+    <dgm:scene3d>
+      <a:camera prst="orthographicFront"/>
+      <a:lightRig rig="threePt" dir="t"/>
+    </dgm:scene3d>
+    <dgm:sp3d/>
+    <dgm:txPr/>
+    <dgm:style>
+      <a:lnRef idx="0">
+        <a:scrgbClr r="0" g="0" b="0"/>
+      </a:lnRef>
+      <a:fillRef idx="1">
+        <a:scrgbClr r="0" g="0" b="0"/>
+      </a:fillRef>
+      <a:effectRef idx="0">
+        <a:scrgbClr r="0" g="0" b="0"/>
+      </a:effectRef>
+      <a:fontRef idx="minor"/>
+    </dgm:style>
+  </dgm:styleLbl>
+  <dgm:styleLbl name="dkBgShp">
+    <dgm:scene3d>
+      <a:camera prst="orthographicFront"/>
+      <a:lightRig rig="threePt" dir="t"/>
+    </dgm:scene3d>
+    <dgm:sp3d/>
+    <dgm:txPr/>
+    <dgm:style>
+      <a:lnRef idx="0">
+        <a:scrgbClr r="0" g="0" b="0"/>
+      </a:lnRef>
+      <a:fillRef idx="1">
+        <a:scrgbClr r="0" g="0" b="0"/>
+      </a:fillRef>
+      <a:effectRef idx="0">
+        <a:scrgbClr r="0" g="0" b="0"/>
+      </a:effectRef>
+      <a:fontRef idx="minor"/>
+    </dgm:style>
+  </dgm:styleLbl>
+  <dgm:styleLbl name="trBgShp">
+    <dgm:scene3d>
+      <a:camera prst="orthographicFront"/>
+      <a:lightRig rig="threePt" dir="t"/>
+    </dgm:scene3d>
+    <dgm:sp3d/>
+    <dgm:txPr/>
+    <dgm:style>
+      <a:lnRef idx="0">
+        <a:scrgbClr r="0" g="0" b="0"/>
+      </a:lnRef>
+      <a:fillRef idx="1">
+        <a:scrgbClr r="0" g="0" b="0"/>
+      </a:fillRef>
+      <a:effectRef idx="0">
+        <a:scrgbClr r="0" g="0" b="0"/>
+      </a:effectRef>
+      <a:fontRef idx="minor"/>
+    </dgm:style>
+  </dgm:styleLbl>
+  <dgm:styleLbl name="fgShp">
+    <dgm:scene3d>
+      <a:camera prst="orthographicFront"/>
+      <a:lightRig rig="threePt" dir="t"/>
+    </dgm:scene3d>
+    <dgm:sp3d/>
+    <dgm:txPr/>
+    <dgm:style>
+      <a:lnRef idx="2">
+        <a:scrgbClr r="0" g="0" b="0"/>
+      </a:lnRef>
+      <a:fillRef idx="1">
+        <a:scrgbClr r="0" g="0" b="0"/>
+      </a:fillRef>
+      <a:effectRef idx="0">
+        <a:scrgbClr r="0" g="0" b="0"/>
+      </a:effectRef>
+      <a:fontRef idx="minor"/>
+    </dgm:style>
+  </dgm:styleLbl>
+  <dgm:styleLbl name="revTx">
+    <dgm:scene3d>
+      <a:camera prst="orthographicFront"/>
+      <a:lightRig rig="threePt" dir="t"/>
+    </dgm:scene3d>
+    <dgm:sp3d/>
+    <dgm:txPr/>
+    <dgm:style>
+      <a:lnRef idx="0">
+        <a:scrgbClr r="0" g="0" b="0"/>
+      </a:lnRef>
+      <a:fillRef idx="0">
+        <a:scrgbClr r="0" g="0" b="0"/>
+      </a:fillRef>
+      <a:effectRef idx="0">
+        <a:scrgbClr r="0" g="0" b="0"/>
+      </a:effectRef>
+      <a:fontRef idx="minor"/>
+    </dgm:style>
+  </dgm:styleLbl>
+</dgm:styleDef>
+</file>
+
 <file path=ppt/slideLayouts/slideLayout1.xml><?xml version="1.0" encoding="utf-8"?>
-<p:sldLayout xmlns:a="http://schemas.openxmlformats.org/drawingml/2006/main" xmlns:r="http://schemas.openxmlformats.org/officeDocument/2006/relationships" xmlns:mc="http://schemas.openxmlformats.org/markup-compatibility/2006" xmlns:mv="urn:schemas-microsoft-com:mac:vml" xmlns:p="http://schemas.openxmlformats.org/presentationml/2006/main" mc:Ignorable="mv" mc:PreserveAttributes="mv:*" type="title" preserve="1">
+<p:sldLayout xmlns:a="http://schemas.openxmlformats.org/drawingml/2006/main" xmlns:r="http://schemas.openxmlformats.org/officeDocument/2006/relationships" xmlns:p="http://schemas.openxmlformats.org/presentationml/2006/main" type="title" preserve="1">
   <p:cSld name="Title Slide">
     <p:spTree>
       <p:nvGrpSpPr>
@@ -3889,7 +7777,7 @@
             <a:fld id="{B1D6FC58-91DE-2D40-9CA2-33CD2B677068}" type="datetimeFigureOut">
               <a:rPr lang="en-US" smtClean="0"/>
               <a:pPr/>
-              <a:t>6/3/13</a:t>
+              <a:t>6/4/2013</a:t>
             </a:fld>
             <a:endParaRPr lang="en-US"/>
           </a:p>
@@ -3965,7 +7853,7 @@
 </file>
 
 <file path=ppt/slideLayouts/slideLayout10.xml><?xml version="1.0" encoding="utf-8"?>
-<p:sldLayout xmlns:a="http://schemas.openxmlformats.org/drawingml/2006/main" xmlns:r="http://schemas.openxmlformats.org/officeDocument/2006/relationships" xmlns:mc="http://schemas.openxmlformats.org/markup-compatibility/2006" xmlns:mv="urn:schemas-microsoft-com:mac:vml" xmlns:p="http://schemas.openxmlformats.org/presentationml/2006/main" mc:Ignorable="mv" mc:PreserveAttributes="mv:*" type="vertTx" preserve="1">
+<p:sldLayout xmlns:a="http://schemas.openxmlformats.org/drawingml/2006/main" xmlns:r="http://schemas.openxmlformats.org/officeDocument/2006/relationships" xmlns:p="http://schemas.openxmlformats.org/presentationml/2006/main" type="vertTx" preserve="1">
   <p:cSld name="Title and Vertical Text">
     <p:spTree>
       <p:nvGrpSpPr>
@@ -4079,7 +7967,7 @@
             <a:fld id="{B1D6FC58-91DE-2D40-9CA2-33CD2B677068}" type="datetimeFigureOut">
               <a:rPr lang="en-US" smtClean="0"/>
               <a:pPr/>
-              <a:t>6/3/13</a:t>
+              <a:t>6/4/2013</a:t>
             </a:fld>
             <a:endParaRPr lang="en-US"/>
           </a:p>
@@ -4137,7 +8025,7 @@
 </file>
 
 <file path=ppt/slideLayouts/slideLayout11.xml><?xml version="1.0" encoding="utf-8"?>
-<p:sldLayout xmlns:a="http://schemas.openxmlformats.org/drawingml/2006/main" xmlns:r="http://schemas.openxmlformats.org/officeDocument/2006/relationships" xmlns:mc="http://schemas.openxmlformats.org/markup-compatibility/2006" xmlns:mv="urn:schemas-microsoft-com:mac:vml" xmlns:p="http://schemas.openxmlformats.org/presentationml/2006/main" mc:Ignorable="mv" mc:PreserveAttributes="mv:*" type="vertTitleAndTx" preserve="1">
+<p:sldLayout xmlns:a="http://schemas.openxmlformats.org/drawingml/2006/main" xmlns:r="http://schemas.openxmlformats.org/officeDocument/2006/relationships" xmlns:p="http://schemas.openxmlformats.org/presentationml/2006/main" type="vertTitleAndTx" preserve="1">
   <p:cSld name="Vertical Title and Text">
     <p:spTree>
       <p:nvGrpSpPr>
@@ -4256,7 +8144,7 @@
             <a:fld id="{B1D6FC58-91DE-2D40-9CA2-33CD2B677068}" type="datetimeFigureOut">
               <a:rPr lang="en-US" smtClean="0"/>
               <a:pPr/>
-              <a:t>6/3/13</a:t>
+              <a:t>6/4/2013</a:t>
             </a:fld>
             <a:endParaRPr lang="en-US"/>
           </a:p>
@@ -4314,7 +8202,7 @@
 </file>
 
 <file path=ppt/slideLayouts/slideLayout2.xml><?xml version="1.0" encoding="utf-8"?>
-<p:sldLayout xmlns:a="http://schemas.openxmlformats.org/drawingml/2006/main" xmlns:r="http://schemas.openxmlformats.org/officeDocument/2006/relationships" xmlns:mc="http://schemas.openxmlformats.org/markup-compatibility/2006" xmlns:mv="urn:schemas-microsoft-com:mac:vml" xmlns:p="http://schemas.openxmlformats.org/presentationml/2006/main" mc:Ignorable="mv" mc:PreserveAttributes="mv:*" type="obj" preserve="1">
+<p:sldLayout xmlns:a="http://schemas.openxmlformats.org/drawingml/2006/main" xmlns:r="http://schemas.openxmlformats.org/officeDocument/2006/relationships" xmlns:p="http://schemas.openxmlformats.org/presentationml/2006/main" type="obj" preserve="1">
   <p:cSld name="Title and Content">
     <p:spTree>
       <p:nvGrpSpPr>
@@ -4400,7 +8288,7 @@
             <a:fld id="{B1D6FC58-91DE-2D40-9CA2-33CD2B677068}" type="datetimeFigureOut">
               <a:rPr lang="en-US" smtClean="0"/>
               <a:pPr/>
-              <a:t>6/3/13</a:t>
+              <a:t>6/4/2013</a:t>
             </a:fld>
             <a:endParaRPr lang="en-US"/>
           </a:p>
@@ -4481,7 +8369,7 @@
 </file>
 
 <file path=ppt/slideLayouts/slideLayout3.xml><?xml version="1.0" encoding="utf-8"?>
-<p:sldLayout xmlns:a="http://schemas.openxmlformats.org/drawingml/2006/main" xmlns:r="http://schemas.openxmlformats.org/officeDocument/2006/relationships" xmlns:mc="http://schemas.openxmlformats.org/markup-compatibility/2006" xmlns:mv="urn:schemas-microsoft-com:mac:vml" xmlns:p="http://schemas.openxmlformats.org/presentationml/2006/main" mc:Ignorable="mv" mc:PreserveAttributes="mv:*" type="secHead" preserve="1">
+<p:sldLayout xmlns:a="http://schemas.openxmlformats.org/drawingml/2006/main" xmlns:r="http://schemas.openxmlformats.org/officeDocument/2006/relationships" xmlns:p="http://schemas.openxmlformats.org/presentationml/2006/main" type="secHead" preserve="1">
   <p:cSld name="Section Header">
     <p:spTree>
       <p:nvGrpSpPr>
@@ -4642,7 +8530,7 @@
             <a:fld id="{B1D6FC58-91DE-2D40-9CA2-33CD2B677068}" type="datetimeFigureOut">
               <a:rPr lang="en-US" smtClean="0"/>
               <a:pPr/>
-              <a:t>6/3/13</a:t>
+              <a:t>6/4/2013</a:t>
             </a:fld>
             <a:endParaRPr lang="en-US"/>
           </a:p>
@@ -4856,7 +8744,7 @@
 </file>
 
 <file path=ppt/slideLayouts/slideLayout4.xml><?xml version="1.0" encoding="utf-8"?>
-<p:sldLayout xmlns:a="http://schemas.openxmlformats.org/drawingml/2006/main" xmlns:r="http://schemas.openxmlformats.org/officeDocument/2006/relationships" xmlns:mc="http://schemas.openxmlformats.org/markup-compatibility/2006" xmlns:mv="urn:schemas-microsoft-com:mac:vml" xmlns:p="http://schemas.openxmlformats.org/presentationml/2006/main" mc:Ignorable="mv" mc:PreserveAttributes="mv:*" type="twoObj" preserve="1">
+<p:sldLayout xmlns:a="http://schemas.openxmlformats.org/drawingml/2006/main" xmlns:r="http://schemas.openxmlformats.org/officeDocument/2006/relationships" xmlns:p="http://schemas.openxmlformats.org/presentationml/2006/main" type="twoObj" preserve="1">
   <p:cSld name="Two Content">
     <p:spTree>
       <p:nvGrpSpPr>
@@ -5036,7 +8924,7 @@
             <a:fld id="{B1D6FC58-91DE-2D40-9CA2-33CD2B677068}" type="datetimeFigureOut">
               <a:rPr lang="en-US" smtClean="0"/>
               <a:pPr/>
-              <a:t>6/3/13</a:t>
+              <a:t>6/4/2013</a:t>
             </a:fld>
             <a:endParaRPr lang="en-US"/>
           </a:p>
@@ -5117,7 +9005,7 @@
 </file>
 
 <file path=ppt/slideLayouts/slideLayout5.xml><?xml version="1.0" encoding="utf-8"?>
-<p:sldLayout xmlns:a="http://schemas.openxmlformats.org/drawingml/2006/main" xmlns:r="http://schemas.openxmlformats.org/officeDocument/2006/relationships" xmlns:mc="http://schemas.openxmlformats.org/markup-compatibility/2006" xmlns:mv="urn:schemas-microsoft-com:mac:vml" xmlns:p="http://schemas.openxmlformats.org/presentationml/2006/main" mc:Ignorable="mv" mc:PreserveAttributes="mv:*" type="twoTxTwoObj" preserve="1">
+<p:sldLayout xmlns:a="http://schemas.openxmlformats.org/drawingml/2006/main" xmlns:r="http://schemas.openxmlformats.org/officeDocument/2006/relationships" xmlns:p="http://schemas.openxmlformats.org/presentationml/2006/main" type="twoTxTwoObj" preserve="1">
   <p:cSld name="Comparison">
     <p:spTree>
       <p:nvGrpSpPr>
@@ -5466,7 +9354,7 @@
             <a:fld id="{B1D6FC58-91DE-2D40-9CA2-33CD2B677068}" type="datetimeFigureOut">
               <a:rPr lang="en-US" smtClean="0"/>
               <a:pPr/>
-              <a:t>6/3/13</a:t>
+              <a:t>6/4/2013</a:t>
             </a:fld>
             <a:endParaRPr lang="en-US"/>
           </a:p>
@@ -5524,7 +9412,7 @@
 </file>
 
 <file path=ppt/slideLayouts/slideLayout6.xml><?xml version="1.0" encoding="utf-8"?>
-<p:sldLayout xmlns:a="http://schemas.openxmlformats.org/drawingml/2006/main" xmlns:r="http://schemas.openxmlformats.org/officeDocument/2006/relationships" xmlns:mc="http://schemas.openxmlformats.org/markup-compatibility/2006" xmlns:mv="urn:schemas-microsoft-com:mac:vml" xmlns:p="http://schemas.openxmlformats.org/presentationml/2006/main" mc:Ignorable="mv" mc:PreserveAttributes="mv:*" type="titleOnly" preserve="1">
+<p:sldLayout xmlns:a="http://schemas.openxmlformats.org/drawingml/2006/main" xmlns:r="http://schemas.openxmlformats.org/officeDocument/2006/relationships" xmlns:p="http://schemas.openxmlformats.org/presentationml/2006/main" type="titleOnly" preserve="1">
   <p:cSld name="Title Only">
     <p:spTree>
       <p:nvGrpSpPr>
@@ -5558,7 +9446,7 @@
             <a:fld id="{B1D6FC58-91DE-2D40-9CA2-33CD2B677068}" type="datetimeFigureOut">
               <a:rPr lang="en-US" smtClean="0"/>
               <a:pPr/>
-              <a:t>6/3/13</a:t>
+              <a:t>6/4/2013</a:t>
             </a:fld>
             <a:endParaRPr lang="en-US"/>
           </a:p>
@@ -5639,7 +9527,7 @@
 </file>
 
 <file path=ppt/slideLayouts/slideLayout7.xml><?xml version="1.0" encoding="utf-8"?>
-<p:sldLayout xmlns:a="http://schemas.openxmlformats.org/drawingml/2006/main" xmlns:r="http://schemas.openxmlformats.org/officeDocument/2006/relationships" xmlns:mc="http://schemas.openxmlformats.org/markup-compatibility/2006" xmlns:mv="urn:schemas-microsoft-com:mac:vml" xmlns:p="http://schemas.openxmlformats.org/presentationml/2006/main" mc:Ignorable="mv" mc:PreserveAttributes="mv:*" type="blank" preserve="1">
+<p:sldLayout xmlns:a="http://schemas.openxmlformats.org/drawingml/2006/main" xmlns:r="http://schemas.openxmlformats.org/officeDocument/2006/relationships" xmlns:p="http://schemas.openxmlformats.org/presentationml/2006/main" type="blank" preserve="1">
   <p:cSld name="Blank">
     <p:spTree>
       <p:nvGrpSpPr>
@@ -5673,7 +9561,7 @@
             <a:fld id="{B1D6FC58-91DE-2D40-9CA2-33CD2B677068}" type="datetimeFigureOut">
               <a:rPr lang="en-US" smtClean="0"/>
               <a:pPr/>
-              <a:t>6/3/13</a:t>
+              <a:t>6/4/2013</a:t>
             </a:fld>
             <a:endParaRPr lang="en-US"/>
           </a:p>
@@ -5731,7 +9619,7 @@
 </file>
 
 <file path=ppt/slideLayouts/slideLayout8.xml><?xml version="1.0" encoding="utf-8"?>
-<p:sldLayout xmlns:a="http://schemas.openxmlformats.org/drawingml/2006/main" xmlns:r="http://schemas.openxmlformats.org/officeDocument/2006/relationships" xmlns:mc="http://schemas.openxmlformats.org/markup-compatibility/2006" xmlns:mv="urn:schemas-microsoft-com:mac:vml" xmlns:p="http://schemas.openxmlformats.org/presentationml/2006/main" mc:Ignorable="mv" mc:PreserveAttributes="mv:*" type="objTx" preserve="1">
+<p:sldLayout xmlns:a="http://schemas.openxmlformats.org/drawingml/2006/main" xmlns:r="http://schemas.openxmlformats.org/officeDocument/2006/relationships" xmlns:p="http://schemas.openxmlformats.org/presentationml/2006/main" type="objTx" preserve="1">
   <p:cSld name="Content with Caption">
     <p:spTree>
       <p:nvGrpSpPr>
@@ -5935,7 +9823,7 @@
             <a:fld id="{B1D6FC58-91DE-2D40-9CA2-33CD2B677068}" type="datetimeFigureOut">
               <a:rPr lang="en-US" smtClean="0"/>
               <a:pPr/>
-              <a:t>6/3/13</a:t>
+              <a:t>6/4/2013</a:t>
             </a:fld>
             <a:endParaRPr lang="en-US"/>
           </a:p>
@@ -5993,7 +9881,7 @@
 </file>
 
 <file path=ppt/slideLayouts/slideLayout9.xml><?xml version="1.0" encoding="utf-8"?>
-<p:sldLayout xmlns:a="http://schemas.openxmlformats.org/drawingml/2006/main" xmlns:r="http://schemas.openxmlformats.org/officeDocument/2006/relationships" xmlns:mc="http://schemas.openxmlformats.org/markup-compatibility/2006" xmlns:mv="urn:schemas-microsoft-com:mac:vml" xmlns:p="http://schemas.openxmlformats.org/presentationml/2006/main" mc:Ignorable="mv" mc:PreserveAttributes="mv:*" type="picTx" preserve="1">
+<p:sldLayout xmlns:a="http://schemas.openxmlformats.org/drawingml/2006/main" xmlns:r="http://schemas.openxmlformats.org/officeDocument/2006/relationships" xmlns:p="http://schemas.openxmlformats.org/presentationml/2006/main" type="picTx" preserve="1">
   <p:cSld name="Picture with Caption">
     <p:spTree>
       <p:nvGrpSpPr>
@@ -6130,7 +10018,7 @@
             <a:fld id="{B1D6FC58-91DE-2D40-9CA2-33CD2B677068}" type="datetimeFigureOut">
               <a:rPr lang="en-US" smtClean="0"/>
               <a:pPr/>
-              <a:t>6/3/13</a:t>
+              <a:t>6/4/2013</a:t>
             </a:fld>
             <a:endParaRPr lang="en-US"/>
           </a:p>
@@ -6736,7 +10624,7 @@
 </file>
 
 <file path=ppt/slideMasters/slideMaster1.xml><?xml version="1.0" encoding="utf-8"?>
-<p:sldMaster xmlns:a="http://schemas.openxmlformats.org/drawingml/2006/main" xmlns:r="http://schemas.openxmlformats.org/officeDocument/2006/relationships" xmlns:mc="http://schemas.openxmlformats.org/markup-compatibility/2006" xmlns:mv="urn:schemas-microsoft-com:mac:vml" xmlns:p="http://schemas.openxmlformats.org/presentationml/2006/main" mc:Ignorable="mv" mc:PreserveAttributes="mv:*">
+<p:sldMaster xmlns:a="http://schemas.openxmlformats.org/drawingml/2006/main" xmlns:r="http://schemas.openxmlformats.org/officeDocument/2006/relationships" xmlns:p="http://schemas.openxmlformats.org/presentationml/2006/main">
   <p:cSld>
     <p:bg>
       <p:bgRef idx="1001">
@@ -7217,7 +11105,7 @@
             <a:fld id="{B1D6FC58-91DE-2D40-9CA2-33CD2B677068}" type="datetimeFigureOut">
               <a:rPr lang="en-US" smtClean="0"/>
               <a:pPr/>
-              <a:t>6/3/13</a:t>
+              <a:t>6/4/2013</a:t>
             </a:fld>
             <a:endParaRPr lang="en-US"/>
           </a:p>
@@ -7604,7 +11492,7 @@
 </file>
 
 <file path=ppt/slides/slide1.xml><?xml version="1.0" encoding="utf-8"?>
-<p:sld xmlns:a="http://schemas.openxmlformats.org/drawingml/2006/main" xmlns:r="http://schemas.openxmlformats.org/officeDocument/2006/relationships" xmlns:mc="http://schemas.openxmlformats.org/markup-compatibility/2006" xmlns:mv="urn:schemas-microsoft-com:mac:vml" xmlns:p="http://schemas.openxmlformats.org/presentationml/2006/main" mc:Ignorable="mv" mc:PreserveAttributes="mv:*">
+<p:sld xmlns:a="http://schemas.openxmlformats.org/drawingml/2006/main" xmlns:r="http://schemas.openxmlformats.org/officeDocument/2006/relationships" xmlns:p="http://schemas.openxmlformats.org/presentationml/2006/main">
   <p:cSld>
     <p:spTree>
       <p:nvGrpSpPr>
@@ -7757,7 +11645,7 @@
     </p:spTree>
     <p:extLst>
       <p:ext uri="{BB962C8B-B14F-4D97-AF65-F5344CB8AC3E}">
-        <p14:creationId xmlns:p14="http://schemas.microsoft.com/office/powerpoint/2010/main" xmlns:p="http://schemas.openxmlformats.org/presentationml/2006/main" xmlns:r="http://schemas.openxmlformats.org/officeDocument/2006/relationships" xmlns:a="http://schemas.openxmlformats.org/drawingml/2006/main" xmlns="" val="3122285007"/>
+        <p14:creationId xmlns:p14="http://schemas.microsoft.com/office/powerpoint/2010/main" val="3122285007"/>
       </p:ext>
     </p:extLst>
   </p:cSld>
@@ -7775,7 +11663,7 @@
 </file>
 
 <file path=ppt/slides/slide10.xml><?xml version="1.0" encoding="utf-8"?>
-<p:sld xmlns:a="http://schemas.openxmlformats.org/drawingml/2006/main" xmlns:r="http://schemas.openxmlformats.org/officeDocument/2006/relationships" xmlns:mc="http://schemas.openxmlformats.org/markup-compatibility/2006" xmlns:mv="urn:schemas-microsoft-com:mac:vml" xmlns:p="http://schemas.openxmlformats.org/presentationml/2006/main" mc:Ignorable="mv" mc:PreserveAttributes="mv:*">
+<p:sld xmlns:a="http://schemas.openxmlformats.org/drawingml/2006/main" xmlns:r="http://schemas.openxmlformats.org/officeDocument/2006/relationships" xmlns:p="http://schemas.openxmlformats.org/presentationml/2006/main">
   <p:cSld>
     <p:spTree>
       <p:nvGrpSpPr>
@@ -7907,7 +11795,176 @@
 </file>
 
 <file path=ppt/slides/slide11.xml><?xml version="1.0" encoding="utf-8"?>
-<p:sld xmlns:a="http://schemas.openxmlformats.org/drawingml/2006/main" xmlns:r="http://schemas.openxmlformats.org/officeDocument/2006/relationships" xmlns:mc="http://schemas.openxmlformats.org/markup-compatibility/2006" xmlns:mv="urn:schemas-microsoft-com:mac:vml" xmlns:p="http://schemas.openxmlformats.org/presentationml/2006/main" mc:Ignorable="mv" mc:PreserveAttributes="mv:*">
+<p:sld xmlns:a="http://schemas.openxmlformats.org/drawingml/2006/main" xmlns:r="http://schemas.openxmlformats.org/officeDocument/2006/relationships" xmlns:p="http://schemas.openxmlformats.org/presentationml/2006/main">
+  <p:cSld>
+    <p:spTree>
+      <p:nvGrpSpPr>
+        <p:cNvPr id="1" name=""/>
+        <p:cNvGrpSpPr/>
+        <p:nvPr/>
+      </p:nvGrpSpPr>
+      <p:grpSpPr>
+        <a:xfrm>
+          <a:off x="0" y="0"/>
+          <a:ext cx="0" cy="0"/>
+          <a:chOff x="0" y="0"/>
+          <a:chExt cx="0" cy="0"/>
+        </a:xfrm>
+      </p:grpSpPr>
+      <p:sp>
+        <p:nvSpPr>
+          <p:cNvPr id="3" name="Content Placeholder 2"/>
+          <p:cNvSpPr>
+            <a:spLocks noGrp="1"/>
+          </p:cNvSpPr>
+          <p:nvPr>
+            <p:ph idx="1"/>
+          </p:nvPr>
+        </p:nvSpPr>
+        <p:spPr/>
+        <p:txBody>
+          <a:bodyPr>
+            <a:normAutofit fontScale="92500" lnSpcReduction="10000"/>
+          </a:bodyPr>
+          <a:lstStyle/>
+          <a:p>
+            <a:r>
+              <a:rPr lang="en-US" dirty="0" smtClean="0"/>
+              <a:t>Carmel</a:t>
+            </a:r>
+          </a:p>
+          <a:p>
+            <a:pPr lvl="1"/>
+            <a:r>
+              <a:rPr lang="en-US" dirty="0" smtClean="0"/>
+              <a:t>Fixed Income on Section 8</a:t>
+            </a:r>
+          </a:p>
+          <a:p>
+            <a:pPr lvl="1"/>
+            <a:r>
+              <a:rPr lang="en-US" dirty="0" smtClean="0"/>
+              <a:t>She failed a home inspection because her stove was broken</a:t>
+            </a:r>
+          </a:p>
+          <a:p>
+            <a:pPr lvl="1"/>
+            <a:r>
+              <a:rPr lang="en-US" dirty="0" smtClean="0"/>
+              <a:t>Within a week she got a replacement stove and passed inspection</a:t>
+            </a:r>
+          </a:p>
+          <a:p>
+            <a:pPr lvl="1"/>
+            <a:endParaRPr lang="en-US" dirty="0"/>
+          </a:p>
+          <a:p>
+            <a:r>
+              <a:rPr lang="en-US" dirty="0" smtClean="0"/>
+              <a:t>Eric</a:t>
+            </a:r>
+          </a:p>
+          <a:p>
+            <a:pPr lvl="1"/>
+            <a:r>
+              <a:rPr lang="en-US" dirty="0" smtClean="0"/>
+              <a:t>Unemployed and homeless</a:t>
+            </a:r>
+          </a:p>
+          <a:p>
+            <a:pPr lvl="1"/>
+            <a:r>
+              <a:rPr lang="en-US" dirty="0" smtClean="0"/>
+              <a:t>Participated in Sustainable Income Program</a:t>
+            </a:r>
+          </a:p>
+          <a:p>
+            <a:pPr lvl="1"/>
+            <a:r>
+              <a:rPr lang="en-US" dirty="0" smtClean="0"/>
+              <a:t>Got funds to attend Security Officer Training and money for food</a:t>
+            </a:r>
+          </a:p>
+          <a:p>
+            <a:pPr lvl="1"/>
+            <a:r>
+              <a:rPr lang="en-US" dirty="0" smtClean="0"/>
+              <a:t>Now has his own apartment and sustainable income</a:t>
+            </a:r>
+            <a:endParaRPr lang="en-US" dirty="0"/>
+          </a:p>
+        </p:txBody>
+      </p:sp>
+      <p:sp>
+        <p:nvSpPr>
+          <p:cNvPr id="2" name="Title 1"/>
+          <p:cNvSpPr>
+            <a:spLocks noGrp="1"/>
+          </p:cNvSpPr>
+          <p:nvPr>
+            <p:ph type="title"/>
+          </p:nvPr>
+        </p:nvSpPr>
+        <p:spPr/>
+        <p:txBody>
+          <a:bodyPr/>
+          <a:lstStyle/>
+          <a:p>
+            <a:r>
+              <a:rPr lang="en-US" dirty="0" smtClean="0"/>
+              <a:t>Success Stories</a:t>
+            </a:r>
+            <a:endParaRPr lang="en-US" dirty="0"/>
+          </a:p>
+        </p:txBody>
+      </p:sp>
+      <p:pic>
+        <p:nvPicPr>
+          <p:cNvPr id="5" name="Content Placeholder 8" descr="emergencyfund.jpg"/>
+          <p:cNvPicPr>
+            <a:picLocks noChangeAspect="1"/>
+          </p:cNvPicPr>
+          <p:nvPr/>
+        </p:nvPicPr>
+        <p:blipFill>
+          <a:blip r:embed="rId2"/>
+          <a:srcRect l="-5559" r="-5559"/>
+          <a:stretch>
+            <a:fillRect/>
+          </a:stretch>
+        </p:blipFill>
+        <p:spPr>
+          <a:xfrm>
+            <a:off x="6920568" y="0"/>
+            <a:ext cx="2223432" cy="1222802"/>
+          </a:xfrm>
+          <a:prstGeom prst="rect">
+            <a:avLst/>
+          </a:prstGeom>
+        </p:spPr>
+      </p:pic>
+    </p:spTree>
+    <p:extLst>
+      <p:ext uri="{BB962C8B-B14F-4D97-AF65-F5344CB8AC3E}">
+        <p14:creationId xmlns:p14="http://schemas.microsoft.com/office/powerpoint/2010/main" val="2151170237"/>
+      </p:ext>
+    </p:extLst>
+  </p:cSld>
+  <p:clrMapOvr>
+    <a:masterClrMapping/>
+  </p:clrMapOvr>
+  <p:timing>
+    <p:tnLst>
+      <p:par>
+        <p:cTn id="1" dur="indefinite" restart="never" nodeType="tmRoot"/>
+      </p:par>
+    </p:tnLst>
+  </p:timing>
+</p:sld>
+</file>
+
+<file path=ppt/slides/slide12.xml><?xml version="1.0" encoding="utf-8"?>
+<p:sld xmlns:a="http://schemas.openxmlformats.org/drawingml/2006/main" xmlns:r="http://schemas.openxmlformats.org/officeDocument/2006/relationships" xmlns:p="http://schemas.openxmlformats.org/presentationml/2006/main">
   <p:cSld>
     <p:spTree>
       <p:nvGrpSpPr>
@@ -8083,8 +12140,8 @@
 </p:sld>
 </file>
 
-<file path=ppt/slides/slide12.xml><?xml version="1.0" encoding="utf-8"?>
-<p:sld xmlns:a="http://schemas.openxmlformats.org/drawingml/2006/main" xmlns:r="http://schemas.openxmlformats.org/officeDocument/2006/relationships" xmlns:mc="http://schemas.openxmlformats.org/markup-compatibility/2006" xmlns:mv="urn:schemas-microsoft-com:mac:vml" xmlns:p="http://schemas.openxmlformats.org/presentationml/2006/main" mc:Ignorable="mv" mc:PreserveAttributes="mv:*">
+<file path=ppt/slides/slide13.xml><?xml version="1.0" encoding="utf-8"?>
+<p:sld xmlns:a="http://schemas.openxmlformats.org/drawingml/2006/main" xmlns:r="http://schemas.openxmlformats.org/officeDocument/2006/relationships" xmlns:p="http://schemas.openxmlformats.org/presentationml/2006/main">
   <p:cSld>
     <p:spTree>
       <p:nvGrpSpPr>
@@ -8258,8 +12315,8 @@
 </p:sld>
 </file>
 
-<file path=ppt/slides/slide13.xml><?xml version="1.0" encoding="utf-8"?>
-<p:sld xmlns:a="http://schemas.openxmlformats.org/drawingml/2006/main" xmlns:r="http://schemas.openxmlformats.org/officeDocument/2006/relationships" xmlns:mc="http://schemas.openxmlformats.org/markup-compatibility/2006" xmlns:mv="urn:schemas-microsoft-com:mac:vml" xmlns:p="http://schemas.openxmlformats.org/presentationml/2006/main" mc:Ignorable="mv" mc:PreserveAttributes="mv:*">
+<file path=ppt/slides/slide14.xml><?xml version="1.0" encoding="utf-8"?>
+<p:sld xmlns:a="http://schemas.openxmlformats.org/drawingml/2006/main" xmlns:r="http://schemas.openxmlformats.org/officeDocument/2006/relationships" xmlns:p="http://schemas.openxmlformats.org/presentationml/2006/main">
   <p:cSld>
     <p:spTree>
       <p:nvGrpSpPr>
@@ -8522,8 +12579,8 @@
 </p:sld>
 </file>
 
-<file path=ppt/slides/slide14.xml><?xml version="1.0" encoding="utf-8"?>
-<p:sld xmlns:a="http://schemas.openxmlformats.org/drawingml/2006/main" xmlns:r="http://schemas.openxmlformats.org/officeDocument/2006/relationships" xmlns:mc="http://schemas.openxmlformats.org/markup-compatibility/2006" xmlns:mv="urn:schemas-microsoft-com:mac:vml" xmlns:p="http://schemas.openxmlformats.org/presentationml/2006/main" mc:Ignorable="mv" mc:PreserveAttributes="mv:*">
+<file path=ppt/slides/slide15.xml><?xml version="1.0" encoding="utf-8"?>
+<p:sld xmlns:a="http://schemas.openxmlformats.org/drawingml/2006/main" xmlns:r="http://schemas.openxmlformats.org/officeDocument/2006/relationships" xmlns:p="http://schemas.openxmlformats.org/presentationml/2006/main">
   <p:cSld>
     <p:spTree>
       <p:nvGrpSpPr>
@@ -8655,8 +12712,8 @@
 </p:sld>
 </file>
 
-<file path=ppt/slides/slide15.xml><?xml version="1.0" encoding="utf-8"?>
-<p:sld xmlns:a="http://schemas.openxmlformats.org/drawingml/2006/main" xmlns:r="http://schemas.openxmlformats.org/officeDocument/2006/relationships" xmlns:mc="http://schemas.openxmlformats.org/markup-compatibility/2006" xmlns:mv="urn:schemas-microsoft-com:mac:vml" xmlns:p="http://schemas.openxmlformats.org/presentationml/2006/main" mc:Ignorable="mv" mc:PreserveAttributes="mv:*">
+<file path=ppt/slides/slide16.xml><?xml version="1.0" encoding="utf-8"?>
+<p:sld xmlns:a="http://schemas.openxmlformats.org/drawingml/2006/main" xmlns:r="http://schemas.openxmlformats.org/officeDocument/2006/relationships" xmlns:p="http://schemas.openxmlformats.org/presentationml/2006/main">
   <p:cSld>
     <p:spTree>
       <p:nvGrpSpPr>
@@ -8905,8 +12962,8 @@
 </p:sld>
 </file>
 
-<file path=ppt/slides/slide16.xml><?xml version="1.0" encoding="utf-8"?>
-<p:sld xmlns:a="http://schemas.openxmlformats.org/drawingml/2006/main" xmlns:r="http://schemas.openxmlformats.org/officeDocument/2006/relationships" xmlns:mc="http://schemas.openxmlformats.org/markup-compatibility/2006" xmlns:mv="urn:schemas-microsoft-com:mac:vml" xmlns:p="http://schemas.openxmlformats.org/presentationml/2006/main" mc:Ignorable="mv" mc:PreserveAttributes="mv:*">
+<file path=ppt/slides/slide17.xml><?xml version="1.0" encoding="utf-8"?>
+<p:sld xmlns:a="http://schemas.openxmlformats.org/drawingml/2006/main" xmlns:r="http://schemas.openxmlformats.org/officeDocument/2006/relationships" xmlns:p="http://schemas.openxmlformats.org/presentationml/2006/main">
   <p:cSld>
     <p:spTree>
       <p:nvGrpSpPr>
@@ -8944,7 +13001,6 @@
               <a:rPr lang="en-US" dirty="0" smtClean="0"/>
               <a:t>Donations</a:t>
             </a:r>
-            <a:endParaRPr lang="en-US" dirty="0" smtClean="0"/>
           </a:p>
           <a:p>
             <a:endParaRPr lang="en-US" dirty="0" smtClean="0"/>
@@ -9039,8 +13095,543 @@
 </p:sld>
 </file>
 
-<file path=ppt/slides/slide17.xml><?xml version="1.0" encoding="utf-8"?>
-<p:sld xmlns:a="http://schemas.openxmlformats.org/drawingml/2006/main" xmlns:r="http://schemas.openxmlformats.org/officeDocument/2006/relationships" xmlns:mc="http://schemas.openxmlformats.org/markup-compatibility/2006" xmlns:mv="urn:schemas-microsoft-com:mac:vml" xmlns:p="http://schemas.openxmlformats.org/presentationml/2006/main" mc:Ignorable="mv" mc:PreserveAttributes="mv:*">
+<file path=ppt/slides/slide18.xml><?xml version="1.0" encoding="utf-8"?>
+<p:sld xmlns:a="http://schemas.openxmlformats.org/drawingml/2006/main" xmlns:r="http://schemas.openxmlformats.org/officeDocument/2006/relationships" xmlns:p="http://schemas.openxmlformats.org/presentationml/2006/main">
+  <p:cSld>
+    <p:spTree>
+      <p:nvGrpSpPr>
+        <p:cNvPr id="1" name=""/>
+        <p:cNvGrpSpPr/>
+        <p:nvPr/>
+      </p:nvGrpSpPr>
+      <p:grpSpPr>
+        <a:xfrm>
+          <a:off x="0" y="0"/>
+          <a:ext cx="0" cy="0"/>
+          <a:chOff x="0" y="0"/>
+          <a:chExt cx="0" cy="0"/>
+        </a:xfrm>
+      </p:grpSpPr>
+      <p:graphicFrame>
+        <p:nvGraphicFramePr>
+          <p:cNvPr id="6" name="Content Placeholder 5"/>
+          <p:cNvGraphicFramePr>
+            <a:graphicFrameLocks noGrp="1"/>
+          </p:cNvGraphicFramePr>
+          <p:nvPr>
+            <p:ph idx="1"/>
+          </p:nvPr>
+        </p:nvGraphicFramePr>
+        <p:xfrm>
+          <a:off x="152400" y="1524000"/>
+          <a:ext cx="8915400" cy="4602163"/>
+        </p:xfrm>
+        <a:graphic>
+          <a:graphicData uri="http://schemas.openxmlformats.org/drawingml/2006/diagram">
+            <dgm:relIds xmlns:dgm="http://schemas.openxmlformats.org/drawingml/2006/diagram" xmlns:r="http://schemas.openxmlformats.org/officeDocument/2006/relationships" r:dm="rId2" r:lo="rId3" r:qs="rId4" r:cs="rId5"/>
+          </a:graphicData>
+        </a:graphic>
+      </p:graphicFrame>
+      <p:sp>
+        <p:nvSpPr>
+          <p:cNvPr id="2" name="Title 1"/>
+          <p:cNvSpPr>
+            <a:spLocks noGrp="1"/>
+          </p:cNvSpPr>
+          <p:nvPr>
+            <p:ph type="title"/>
+          </p:nvPr>
+        </p:nvSpPr>
+        <p:spPr/>
+        <p:txBody>
+          <a:bodyPr/>
+          <a:lstStyle/>
+          <a:p>
+            <a:r>
+              <a:rPr lang="en-US" dirty="0" smtClean="0"/>
+              <a:t>SWOT Analysis</a:t>
+            </a:r>
+            <a:endParaRPr lang="en-US" dirty="0"/>
+          </a:p>
+        </p:txBody>
+      </p:sp>
+      <p:pic>
+        <p:nvPicPr>
+          <p:cNvPr id="5" name="Content Placeholder 8" descr="emergencyfund.jpg"/>
+          <p:cNvPicPr>
+            <a:picLocks noChangeAspect="1"/>
+          </p:cNvPicPr>
+          <p:nvPr/>
+        </p:nvPicPr>
+        <p:blipFill>
+          <a:blip r:embed="rId7"/>
+          <a:srcRect l="-5559" r="-5559"/>
+          <a:stretch>
+            <a:fillRect/>
+          </a:stretch>
+        </p:blipFill>
+        <p:spPr>
+          <a:xfrm>
+            <a:off x="6920568" y="0"/>
+            <a:ext cx="2223432" cy="1222802"/>
+          </a:xfrm>
+          <a:prstGeom prst="rect">
+            <a:avLst/>
+          </a:prstGeom>
+        </p:spPr>
+      </p:pic>
+    </p:spTree>
+  </p:cSld>
+  <p:clrMapOvr>
+    <a:masterClrMapping/>
+  </p:clrMapOvr>
+  <p:timing>
+    <p:tnLst>
+      <p:par>
+        <p:cTn id="1" dur="indefinite" restart="never" nodeType="tmRoot"/>
+      </p:par>
+    </p:tnLst>
+  </p:timing>
+</p:sld>
+</file>
+
+<file path=ppt/slides/slide19.xml><?xml version="1.0" encoding="utf-8"?>
+<p:sld xmlns:a="http://schemas.openxmlformats.org/drawingml/2006/main" xmlns:r="http://schemas.openxmlformats.org/officeDocument/2006/relationships" xmlns:p="http://schemas.openxmlformats.org/presentationml/2006/main">
+  <p:cSld>
+    <p:spTree>
+      <p:nvGrpSpPr>
+        <p:cNvPr id="1" name=""/>
+        <p:cNvGrpSpPr/>
+        <p:nvPr/>
+      </p:nvGrpSpPr>
+      <p:grpSpPr>
+        <a:xfrm>
+          <a:off x="0" y="0"/>
+          <a:ext cx="0" cy="0"/>
+          <a:chOff x="0" y="0"/>
+          <a:chExt cx="0" cy="0"/>
+        </a:xfrm>
+      </p:grpSpPr>
+      <p:sp>
+        <p:nvSpPr>
+          <p:cNvPr id="5" name="TextBox 4"/>
+          <p:cNvSpPr txBox="1"/>
+          <p:nvPr/>
+        </p:nvSpPr>
+        <p:spPr>
+          <a:xfrm>
+            <a:off x="-685800" y="2147111"/>
+            <a:ext cx="10515600" cy="938719"/>
+          </a:xfrm>
+          <a:prstGeom prst="rect">
+            <a:avLst/>
+          </a:prstGeom>
+          <a:noFill/>
+        </p:spPr>
+        <p:txBody>
+          <a:bodyPr wrap="square" rtlCol="0">
+            <a:spAutoFit/>
+          </a:bodyPr>
+          <a:lstStyle/>
+          <a:p>
+            <a:pPr algn="ctr" hangingPunct="0">
+              <a:lnSpc>
+                <a:spcPct val="80000"/>
+              </a:lnSpc>
+            </a:pPr>
+            <a:r>
+              <a:rPr lang="en-US" sz="6600" b="1" dirty="0" smtClean="0">
+                <a:solidFill>
+                  <a:srgbClr val="FFFFFF"/>
+                </a:solidFill>
+                <a:latin typeface="Calibri"/>
+                <a:cs typeface="Calibri"/>
+              </a:rPr>
+              <a:t>Website Analysis</a:t>
+            </a:r>
+            <a:endParaRPr lang="en-US" sz="6600" b="1" dirty="0">
+              <a:solidFill>
+                <a:srgbClr val="FFFFFF"/>
+              </a:solidFill>
+              <a:latin typeface="Calibri"/>
+              <a:cs typeface="Calibri"/>
+            </a:endParaRPr>
+          </a:p>
+        </p:txBody>
+      </p:sp>
+      <p:sp>
+        <p:nvSpPr>
+          <p:cNvPr id="4" name="Title 3"/>
+          <p:cNvSpPr>
+            <a:spLocks noGrp="1"/>
+          </p:cNvSpPr>
+          <p:nvPr>
+            <p:ph type="ctrTitle"/>
+          </p:nvPr>
+        </p:nvSpPr>
+        <p:spPr/>
+        <p:txBody>
+          <a:bodyPr/>
+          <a:lstStyle/>
+          <a:p>
+            <a:r>
+              <a:rPr lang="en-US" dirty="0" smtClean="0"/>
+              <a:t>Website Analysis</a:t>
+            </a:r>
+            <a:endParaRPr lang="en-US" dirty="0"/>
+          </a:p>
+        </p:txBody>
+      </p:sp>
+      <p:pic>
+        <p:nvPicPr>
+          <p:cNvPr id="7" name="Content Placeholder 8" descr="emergencyfund.jpg"/>
+          <p:cNvPicPr>
+            <a:picLocks noChangeAspect="1"/>
+          </p:cNvPicPr>
+          <p:nvPr/>
+        </p:nvPicPr>
+        <p:blipFill>
+          <a:blip r:embed="rId2"/>
+          <a:srcRect l="-5559" r="-5559"/>
+          <a:stretch>
+            <a:fillRect/>
+          </a:stretch>
+        </p:blipFill>
+        <p:spPr>
+          <a:xfrm>
+            <a:off x="6920568" y="0"/>
+            <a:ext cx="2223432" cy="1222802"/>
+          </a:xfrm>
+          <a:prstGeom prst="rect">
+            <a:avLst/>
+          </a:prstGeom>
+        </p:spPr>
+      </p:pic>
+    </p:spTree>
+    <p:extLst>
+      <p:ext uri="{BB962C8B-B14F-4D97-AF65-F5344CB8AC3E}">
+        <p14:creationId xmlns:p14="http://schemas.microsoft.com/office/powerpoint/2010/main" val="228983955"/>
+      </p:ext>
+    </p:extLst>
+  </p:cSld>
+  <p:clrMapOvr>
+    <a:masterClrMapping/>
+  </p:clrMapOvr>
+  <p:timing>
+    <p:tnLst>
+      <p:par>
+        <p:cTn id="1" dur="indefinite" restart="never" nodeType="tmRoot"/>
+      </p:par>
+    </p:tnLst>
+  </p:timing>
+</p:sld>
+</file>
+
+<file path=ppt/slides/slide2.xml><?xml version="1.0" encoding="utf-8"?>
+<p:sld xmlns:a="http://schemas.openxmlformats.org/drawingml/2006/main" xmlns:r="http://schemas.openxmlformats.org/officeDocument/2006/relationships" xmlns:p="http://schemas.openxmlformats.org/presentationml/2006/main">
+  <p:cSld>
+    <p:spTree>
+      <p:nvGrpSpPr>
+        <p:cNvPr id="1" name=""/>
+        <p:cNvGrpSpPr/>
+        <p:nvPr/>
+      </p:nvGrpSpPr>
+      <p:grpSpPr>
+        <a:xfrm>
+          <a:off x="0" y="0"/>
+          <a:ext cx="0" cy="0"/>
+          <a:chOff x="0" y="0"/>
+          <a:chExt cx="0" cy="0"/>
+        </a:xfrm>
+      </p:grpSpPr>
+      <p:sp>
+        <p:nvSpPr>
+          <p:cNvPr id="5" name="TextBox 4"/>
+          <p:cNvSpPr txBox="1"/>
+          <p:nvPr/>
+        </p:nvSpPr>
+        <p:spPr>
+          <a:xfrm>
+            <a:off x="-685800" y="2151728"/>
+            <a:ext cx="10515600" cy="2554545"/>
+          </a:xfrm>
+          <a:prstGeom prst="rect">
+            <a:avLst/>
+          </a:prstGeom>
+          <a:noFill/>
+        </p:spPr>
+        <p:txBody>
+          <a:bodyPr wrap="square" rtlCol="0">
+            <a:spAutoFit/>
+          </a:bodyPr>
+          <a:lstStyle/>
+          <a:p>
+            <a:pPr algn="ctr"/>
+            <a:r>
+              <a:rPr lang="en-US" sz="8000" b="1" dirty="0">
+                <a:solidFill>
+                  <a:srgbClr val="FFFFFF"/>
+                </a:solidFill>
+                <a:latin typeface="Calibri"/>
+                <a:cs typeface="Calibri"/>
+              </a:rPr>
+              <a:t>Agency </a:t>
+            </a:r>
+            <a:endParaRPr lang="en-US" sz="8000" b="1" dirty="0" smtClean="0">
+              <a:solidFill>
+                <a:srgbClr val="FFFFFF"/>
+              </a:solidFill>
+              <a:latin typeface="Calibri"/>
+              <a:cs typeface="Calibri"/>
+            </a:endParaRPr>
+          </a:p>
+          <a:p>
+            <a:pPr algn="ctr"/>
+            <a:r>
+              <a:rPr lang="en-US" sz="8000" b="1" dirty="0" smtClean="0">
+                <a:solidFill>
+                  <a:srgbClr val="FFFFFF"/>
+                </a:solidFill>
+                <a:latin typeface="Calibri"/>
+                <a:cs typeface="Calibri"/>
+              </a:rPr>
+              <a:t>Information</a:t>
+            </a:r>
+            <a:endParaRPr lang="en-US" sz="8000" b="1" dirty="0">
+              <a:solidFill>
+                <a:srgbClr val="FFFFFF"/>
+              </a:solidFill>
+              <a:latin typeface="Calibri"/>
+              <a:cs typeface="Calibri"/>
+            </a:endParaRPr>
+          </a:p>
+        </p:txBody>
+      </p:sp>
+      <p:sp>
+        <p:nvSpPr>
+          <p:cNvPr id="14" name="Title 13"/>
+          <p:cNvSpPr>
+            <a:spLocks noGrp="1"/>
+          </p:cNvSpPr>
+          <p:nvPr>
+            <p:ph type="ctrTitle"/>
+          </p:nvPr>
+        </p:nvSpPr>
+        <p:spPr/>
+        <p:txBody>
+          <a:bodyPr/>
+          <a:lstStyle/>
+          <a:p>
+            <a:r>
+              <a:rPr lang="en-US" dirty="0" smtClean="0"/>
+              <a:t>Agency Information</a:t>
+            </a:r>
+            <a:endParaRPr lang="en-US" dirty="0"/>
+          </a:p>
+        </p:txBody>
+      </p:sp>
+    </p:spTree>
+    <p:extLst>
+      <p:ext uri="{BB962C8B-B14F-4D97-AF65-F5344CB8AC3E}">
+        <p14:creationId xmlns:p14="http://schemas.microsoft.com/office/powerpoint/2010/main" val="3122285007"/>
+      </p:ext>
+    </p:extLst>
+  </p:cSld>
+  <p:clrMapOvr>
+    <a:masterClrMapping/>
+  </p:clrMapOvr>
+  <p:timing>
+    <p:tnLst>
+      <p:par>
+        <p:cTn id="1" dur="indefinite" restart="never" nodeType="tmRoot"/>
+      </p:par>
+    </p:tnLst>
+  </p:timing>
+</p:sld>
+</file>
+
+<file path=ppt/slides/slide20.xml><?xml version="1.0" encoding="utf-8"?>
+<p:sld xmlns:a="http://schemas.openxmlformats.org/drawingml/2006/main" xmlns:r="http://schemas.openxmlformats.org/officeDocument/2006/relationships" xmlns:p="http://schemas.openxmlformats.org/presentationml/2006/main">
+  <p:cSld>
+    <p:spTree>
+      <p:nvGrpSpPr>
+        <p:cNvPr id="1" name=""/>
+        <p:cNvGrpSpPr/>
+        <p:nvPr/>
+      </p:nvGrpSpPr>
+      <p:grpSpPr>
+        <a:xfrm>
+          <a:off x="0" y="0"/>
+          <a:ext cx="0" cy="0"/>
+          <a:chOff x="0" y="0"/>
+          <a:chExt cx="0" cy="0"/>
+        </a:xfrm>
+      </p:grpSpPr>
+      <p:sp>
+        <p:nvSpPr>
+          <p:cNvPr id="3" name="Content Placeholder 2"/>
+          <p:cNvSpPr>
+            <a:spLocks noGrp="1"/>
+          </p:cNvSpPr>
+          <p:nvPr>
+            <p:ph idx="1"/>
+          </p:nvPr>
+        </p:nvSpPr>
+        <p:spPr/>
+        <p:txBody>
+          <a:bodyPr>
+            <a:normAutofit/>
+          </a:bodyPr>
+          <a:lstStyle/>
+          <a:p>
+            <a:endParaRPr lang="en-US" dirty="0" smtClean="0"/>
+          </a:p>
+          <a:p>
+            <a:r>
+              <a:rPr lang="en-US" dirty="0" smtClean="0"/>
+              <a:t>Hierarchical Structure</a:t>
+            </a:r>
+          </a:p>
+          <a:p>
+            <a:endParaRPr lang="en-US" dirty="0" smtClean="0"/>
+          </a:p>
+          <a:p>
+            <a:pPr marL="109728" indent="0">
+              <a:buNone/>
+            </a:pPr>
+            <a:endParaRPr lang="en-US" dirty="0"/>
+          </a:p>
+          <a:p>
+            <a:r>
+              <a:rPr lang="en-US" dirty="0" smtClean="0"/>
+              <a:t>Static Code</a:t>
+            </a:r>
+          </a:p>
+          <a:p>
+            <a:pPr lvl="1"/>
+            <a:r>
+              <a:rPr lang="en-US" dirty="0" smtClean="0"/>
+              <a:t>Info needs to be</a:t>
+            </a:r>
+          </a:p>
+          <a:p>
+            <a:pPr marL="393192" lvl="1" indent="0">
+              <a:buNone/>
+            </a:pPr>
+            <a:r>
+              <a:rPr lang="en-US" dirty="0" smtClean="0"/>
+              <a:t>  manually changed</a:t>
+            </a:r>
+            <a:endParaRPr lang="en-US" dirty="0" smtClean="0"/>
+          </a:p>
+          <a:p>
+            <a:pPr marL="393192" lvl="1" indent="0">
+              <a:buNone/>
+            </a:pPr>
+            <a:endParaRPr lang="en-US" dirty="0"/>
+          </a:p>
+          <a:p>
+            <a:endParaRPr lang="en-US" dirty="0"/>
+          </a:p>
+        </p:txBody>
+      </p:sp>
+      <p:sp>
+        <p:nvSpPr>
+          <p:cNvPr id="2" name="Title 1"/>
+          <p:cNvSpPr>
+            <a:spLocks noGrp="1"/>
+          </p:cNvSpPr>
+          <p:nvPr>
+            <p:ph type="title"/>
+          </p:nvPr>
+        </p:nvSpPr>
+        <p:spPr>
+          <a:xfrm>
+            <a:off x="533400" y="254000"/>
+            <a:ext cx="8229600" cy="1143000"/>
+          </a:xfrm>
+        </p:spPr>
+        <p:txBody>
+          <a:bodyPr/>
+          <a:lstStyle/>
+          <a:p>
+            <a:r>
+              <a:rPr lang="en-US" dirty="0" smtClean="0"/>
+              <a:t>Type of Website</a:t>
+            </a:r>
+            <a:endParaRPr lang="en-US" dirty="0"/>
+          </a:p>
+        </p:txBody>
+      </p:sp>
+      <p:pic>
+        <p:nvPicPr>
+          <p:cNvPr id="5" name="Content Placeholder 8" descr="emergencyfund.jpg"/>
+          <p:cNvPicPr>
+            <a:picLocks noChangeAspect="1"/>
+          </p:cNvPicPr>
+          <p:nvPr/>
+        </p:nvPicPr>
+        <p:blipFill>
+          <a:blip r:embed="rId2"/>
+          <a:srcRect l="-5559" r="-5559"/>
+          <a:stretch>
+            <a:fillRect/>
+          </a:stretch>
+        </p:blipFill>
+        <p:spPr>
+          <a:xfrm>
+            <a:off x="6920568" y="0"/>
+            <a:ext cx="2223432" cy="1222802"/>
+          </a:xfrm>
+          <a:prstGeom prst="rect">
+            <a:avLst/>
+          </a:prstGeom>
+        </p:spPr>
+      </p:pic>
+      <p:graphicFrame>
+        <p:nvGraphicFramePr>
+          <p:cNvPr id="4" name="Diagram 3"/>
+          <p:cNvGraphicFramePr/>
+          <p:nvPr>
+            <p:extLst>
+              <p:ext uri="{D42A27DB-BD31-4B8C-83A1-F6EECF244321}">
+                <p14:modId xmlns:p14="http://schemas.microsoft.com/office/powerpoint/2010/main" val="894298672"/>
+              </p:ext>
+            </p:extLst>
+          </p:nvPr>
+        </p:nvGraphicFramePr>
+        <p:xfrm>
+          <a:off x="3726984" y="2514600"/>
+          <a:ext cx="4305300" cy="2870200"/>
+        </p:xfrm>
+        <a:graphic>
+          <a:graphicData uri="http://schemas.openxmlformats.org/drawingml/2006/diagram">
+            <dgm:relIds xmlns:dgm="http://schemas.openxmlformats.org/drawingml/2006/diagram" xmlns:r="http://schemas.openxmlformats.org/officeDocument/2006/relationships" r:dm="rId3" r:lo="rId4" r:qs="rId5" r:cs="rId6"/>
+          </a:graphicData>
+        </a:graphic>
+      </p:graphicFrame>
+    </p:spTree>
+    <p:extLst>
+      <p:ext uri="{BB962C8B-B14F-4D97-AF65-F5344CB8AC3E}">
+        <p14:creationId xmlns:p14="http://schemas.microsoft.com/office/powerpoint/2010/main" val="3473567579"/>
+      </p:ext>
+    </p:extLst>
+  </p:cSld>
+  <p:clrMapOvr>
+    <a:masterClrMapping/>
+  </p:clrMapOvr>
+  <p:timing>
+    <p:tnLst>
+      <p:par>
+        <p:cTn id="1" dur="indefinite" restart="never" nodeType="tmRoot"/>
+      </p:par>
+    </p:tnLst>
+  </p:timing>
+</p:sld>
+</file>
+
+<file path=ppt/slides/slide21.xml><?xml version="1.0" encoding="utf-8"?>
+<p:sld xmlns:a="http://schemas.openxmlformats.org/drawingml/2006/main" xmlns:r="http://schemas.openxmlformats.org/officeDocument/2006/relationships" xmlns:p="http://schemas.openxmlformats.org/presentationml/2006/main">
   <p:cSld>
     <p:spTree>
       <p:nvGrpSpPr>
@@ -9179,363 +13770,8 @@
 </p:sld>
 </file>
 
-<file path=ppt/slides/slide18.xml><?xml version="1.0" encoding="utf-8"?>
-<p:sld xmlns:a="http://schemas.openxmlformats.org/drawingml/2006/main" xmlns:r="http://schemas.openxmlformats.org/officeDocument/2006/relationships" xmlns:mc="http://schemas.openxmlformats.org/markup-compatibility/2006" xmlns:mv="urn:schemas-microsoft-com:mac:vml" xmlns:p="http://schemas.openxmlformats.org/presentationml/2006/main" mc:Ignorable="mv" mc:PreserveAttributes="mv:*">
-  <p:cSld>
-    <p:spTree>
-      <p:nvGrpSpPr>
-        <p:cNvPr id="1" name=""/>
-        <p:cNvGrpSpPr/>
-        <p:nvPr/>
-      </p:nvGrpSpPr>
-      <p:grpSpPr>
-        <a:xfrm>
-          <a:off x="0" y="0"/>
-          <a:ext cx="0" cy="0"/>
-          <a:chOff x="0" y="0"/>
-          <a:chExt cx="0" cy="0"/>
-        </a:xfrm>
-      </p:grpSpPr>
-      <p:graphicFrame>
-        <p:nvGraphicFramePr>
-          <p:cNvPr id="6" name="Content Placeholder 5"/>
-          <p:cNvGraphicFramePr>
-            <a:graphicFrameLocks noGrp="1"/>
-          </p:cNvGraphicFramePr>
-          <p:nvPr>
-            <p:ph idx="1"/>
-          </p:nvPr>
-        </p:nvGraphicFramePr>
-        <p:xfrm>
-          <a:off x="152400" y="1524000"/>
-          <a:ext cx="8915400" cy="4602163"/>
-        </p:xfrm>
-        <a:graphic>
-          <a:graphicData uri="http://schemas.openxmlformats.org/drawingml/2006/diagram">
-            <a:relIds xmlns:dgm="http://schemas.openxmlformats.org/drawingml/2006/diagram" xmlns:r="http://schemas.openxmlformats.org/officeDocument/2006/relationships" r:dm="rId2" r:lo="rId3" r:qs="rId4" r:cs="rId5"/>
-          </a:graphicData>
-        </a:graphic>
-      </p:graphicFrame>
-      <p:sp>
-        <p:nvSpPr>
-          <p:cNvPr id="2" name="Title 1"/>
-          <p:cNvSpPr>
-            <a:spLocks noGrp="1"/>
-          </p:cNvSpPr>
-          <p:nvPr>
-            <p:ph type="title"/>
-          </p:nvPr>
-        </p:nvSpPr>
-        <p:spPr/>
-        <p:txBody>
-          <a:bodyPr/>
-          <a:lstStyle/>
-          <a:p>
-            <a:r>
-              <a:rPr lang="en-US" dirty="0" smtClean="0"/>
-              <a:t>SWOT Analysis</a:t>
-            </a:r>
-            <a:endParaRPr lang="en-US" dirty="0"/>
-          </a:p>
-        </p:txBody>
-      </p:sp>
-      <p:pic>
-        <p:nvPicPr>
-          <p:cNvPr id="5" name="Content Placeholder 8" descr="emergencyfund.jpg"/>
-          <p:cNvPicPr>
-            <a:picLocks noChangeAspect="1"/>
-          </p:cNvPicPr>
-          <p:nvPr/>
-        </p:nvPicPr>
-        <p:blipFill>
-          <a:blip r:embed="rId6"/>
-          <a:srcRect l="-5559" r="-5559"/>
-          <a:stretch>
-            <a:fillRect/>
-          </a:stretch>
-        </p:blipFill>
-        <p:spPr>
-          <a:xfrm>
-            <a:off x="6920568" y="0"/>
-            <a:ext cx="2223432" cy="1222802"/>
-          </a:xfrm>
-          <a:prstGeom prst="rect">
-            <a:avLst/>
-          </a:prstGeom>
-        </p:spPr>
-      </p:pic>
-    </p:spTree>
-  </p:cSld>
-  <p:clrMapOvr>
-    <a:masterClrMapping/>
-  </p:clrMapOvr>
-  <p:timing>
-    <p:tnLst>
-      <p:par>
-        <p:cTn id="1" dur="indefinite" restart="never" nodeType="tmRoot"/>
-      </p:par>
-    </p:tnLst>
-  </p:timing>
-</p:sld>
-</file>
-
-<file path=ppt/slides/slide19.xml><?xml version="1.0" encoding="utf-8"?>
-<p:sld xmlns:a="http://schemas.openxmlformats.org/drawingml/2006/main" xmlns:r="http://schemas.openxmlformats.org/officeDocument/2006/relationships" xmlns:mc="http://schemas.openxmlformats.org/markup-compatibility/2006" xmlns:mv="urn:schemas-microsoft-com:mac:vml" xmlns:p="http://schemas.openxmlformats.org/presentationml/2006/main" mc:Ignorable="mv" mc:PreserveAttributes="mv:*">
-  <p:cSld>
-    <p:spTree>
-      <p:nvGrpSpPr>
-        <p:cNvPr id="1" name=""/>
-        <p:cNvGrpSpPr/>
-        <p:nvPr/>
-      </p:nvGrpSpPr>
-      <p:grpSpPr>
-        <a:xfrm>
-          <a:off x="0" y="0"/>
-          <a:ext cx="0" cy="0"/>
-          <a:chOff x="0" y="0"/>
-          <a:chExt cx="0" cy="0"/>
-        </a:xfrm>
-      </p:grpSpPr>
-      <p:sp>
-        <p:nvSpPr>
-          <p:cNvPr id="5" name="TextBox 4"/>
-          <p:cNvSpPr txBox="1"/>
-          <p:nvPr/>
-        </p:nvSpPr>
-        <p:spPr>
-          <a:xfrm>
-            <a:off x="-685800" y="2147111"/>
-            <a:ext cx="10515600" cy="938719"/>
-          </a:xfrm>
-          <a:prstGeom prst="rect">
-            <a:avLst/>
-          </a:prstGeom>
-          <a:noFill/>
-        </p:spPr>
-        <p:txBody>
-          <a:bodyPr wrap="square" rtlCol="0">
-            <a:spAutoFit/>
-          </a:bodyPr>
-          <a:lstStyle/>
-          <a:p>
-            <a:pPr algn="ctr" hangingPunct="0">
-              <a:lnSpc>
-                <a:spcPct val="80000"/>
-              </a:lnSpc>
-            </a:pPr>
-            <a:r>
-              <a:rPr lang="en-US" sz="6600" b="1" dirty="0" smtClean="0">
-                <a:solidFill>
-                  <a:srgbClr val="FFFFFF"/>
-                </a:solidFill>
-                <a:latin typeface="Calibri"/>
-                <a:cs typeface="Calibri"/>
-              </a:rPr>
-              <a:t>Website Analysis</a:t>
-            </a:r>
-            <a:endParaRPr lang="en-US" sz="6600" b="1" dirty="0">
-              <a:solidFill>
-                <a:srgbClr val="FFFFFF"/>
-              </a:solidFill>
-              <a:latin typeface="Calibri"/>
-              <a:cs typeface="Calibri"/>
-            </a:endParaRPr>
-          </a:p>
-        </p:txBody>
-      </p:sp>
-      <p:sp>
-        <p:nvSpPr>
-          <p:cNvPr id="4" name="Title 3"/>
-          <p:cNvSpPr>
-            <a:spLocks noGrp="1"/>
-          </p:cNvSpPr>
-          <p:nvPr>
-            <p:ph type="ctrTitle"/>
-          </p:nvPr>
-        </p:nvSpPr>
-        <p:spPr/>
-        <p:txBody>
-          <a:bodyPr/>
-          <a:lstStyle/>
-          <a:p>
-            <a:r>
-              <a:rPr lang="en-US" dirty="0" smtClean="0"/>
-              <a:t>Website Analysis</a:t>
-            </a:r>
-            <a:endParaRPr lang="en-US" dirty="0"/>
-          </a:p>
-        </p:txBody>
-      </p:sp>
-      <p:pic>
-        <p:nvPicPr>
-          <p:cNvPr id="7" name="Content Placeholder 8" descr="emergencyfund.jpg"/>
-          <p:cNvPicPr>
-            <a:picLocks noChangeAspect="1"/>
-          </p:cNvPicPr>
-          <p:nvPr/>
-        </p:nvPicPr>
-        <p:blipFill>
-          <a:blip r:embed="rId2"/>
-          <a:srcRect l="-5559" r="-5559"/>
-          <a:stretch>
-            <a:fillRect/>
-          </a:stretch>
-        </p:blipFill>
-        <p:spPr>
-          <a:xfrm>
-            <a:off x="6920568" y="0"/>
-            <a:ext cx="2223432" cy="1222802"/>
-          </a:xfrm>
-          <a:prstGeom prst="rect">
-            <a:avLst/>
-          </a:prstGeom>
-        </p:spPr>
-      </p:pic>
-    </p:spTree>
-    <p:extLst>
-      <p:ext uri="{BB962C8B-B14F-4D97-AF65-F5344CB8AC3E}">
-        <p14:creationId xmlns:p14="http://schemas.microsoft.com/office/powerpoint/2010/main" xmlns:p="http://schemas.openxmlformats.org/presentationml/2006/main" xmlns:r="http://schemas.openxmlformats.org/officeDocument/2006/relationships" xmlns:a="http://schemas.openxmlformats.org/drawingml/2006/main" xmlns="" val="228983955"/>
-      </p:ext>
-    </p:extLst>
-  </p:cSld>
-  <p:clrMapOvr>
-    <a:masterClrMapping/>
-  </p:clrMapOvr>
-  <p:timing>
-    <p:tnLst>
-      <p:par>
-        <p:cTn id="1" dur="indefinite" restart="never" nodeType="tmRoot"/>
-      </p:par>
-    </p:tnLst>
-  </p:timing>
-</p:sld>
-</file>
-
-<file path=ppt/slides/slide2.xml><?xml version="1.0" encoding="utf-8"?>
-<p:sld xmlns:a="http://schemas.openxmlformats.org/drawingml/2006/main" xmlns:r="http://schemas.openxmlformats.org/officeDocument/2006/relationships" xmlns:mc="http://schemas.openxmlformats.org/markup-compatibility/2006" xmlns:mv="urn:schemas-microsoft-com:mac:vml" xmlns:p="http://schemas.openxmlformats.org/presentationml/2006/main" mc:Ignorable="mv" mc:PreserveAttributes="mv:*">
-  <p:cSld>
-    <p:spTree>
-      <p:nvGrpSpPr>
-        <p:cNvPr id="1" name=""/>
-        <p:cNvGrpSpPr/>
-        <p:nvPr/>
-      </p:nvGrpSpPr>
-      <p:grpSpPr>
-        <a:xfrm>
-          <a:off x="0" y="0"/>
-          <a:ext cx="0" cy="0"/>
-          <a:chOff x="0" y="0"/>
-          <a:chExt cx="0" cy="0"/>
-        </a:xfrm>
-      </p:grpSpPr>
-      <p:sp>
-        <p:nvSpPr>
-          <p:cNvPr id="5" name="TextBox 4"/>
-          <p:cNvSpPr txBox="1"/>
-          <p:nvPr/>
-        </p:nvSpPr>
-        <p:spPr>
-          <a:xfrm>
-            <a:off x="-685800" y="2151728"/>
-            <a:ext cx="10515600" cy="2554545"/>
-          </a:xfrm>
-          <a:prstGeom prst="rect">
-            <a:avLst/>
-          </a:prstGeom>
-          <a:noFill/>
-        </p:spPr>
-        <p:txBody>
-          <a:bodyPr wrap="square" rtlCol="0">
-            <a:spAutoFit/>
-          </a:bodyPr>
-          <a:lstStyle/>
-          <a:p>
-            <a:pPr algn="ctr"/>
-            <a:r>
-              <a:rPr lang="en-US" sz="8000" b="1" dirty="0">
-                <a:solidFill>
-                  <a:srgbClr val="FFFFFF"/>
-                </a:solidFill>
-                <a:latin typeface="Calibri"/>
-                <a:cs typeface="Calibri"/>
-              </a:rPr>
-              <a:t>Agency </a:t>
-            </a:r>
-            <a:endParaRPr lang="en-US" sz="8000" b="1" dirty="0" smtClean="0">
-              <a:solidFill>
-                <a:srgbClr val="FFFFFF"/>
-              </a:solidFill>
-              <a:latin typeface="Calibri"/>
-              <a:cs typeface="Calibri"/>
-            </a:endParaRPr>
-          </a:p>
-          <a:p>
-            <a:pPr algn="ctr"/>
-            <a:r>
-              <a:rPr lang="en-US" sz="8000" b="1" dirty="0" smtClean="0">
-                <a:solidFill>
-                  <a:srgbClr val="FFFFFF"/>
-                </a:solidFill>
-                <a:latin typeface="Calibri"/>
-                <a:cs typeface="Calibri"/>
-              </a:rPr>
-              <a:t>Information</a:t>
-            </a:r>
-            <a:endParaRPr lang="en-US" sz="8000" b="1" dirty="0">
-              <a:solidFill>
-                <a:srgbClr val="FFFFFF"/>
-              </a:solidFill>
-              <a:latin typeface="Calibri"/>
-              <a:cs typeface="Calibri"/>
-            </a:endParaRPr>
-          </a:p>
-        </p:txBody>
-      </p:sp>
-      <p:sp>
-        <p:nvSpPr>
-          <p:cNvPr id="14" name="Title 13"/>
-          <p:cNvSpPr>
-            <a:spLocks noGrp="1"/>
-          </p:cNvSpPr>
-          <p:nvPr>
-            <p:ph type="ctrTitle"/>
-          </p:nvPr>
-        </p:nvSpPr>
-        <p:spPr/>
-        <p:txBody>
-          <a:bodyPr/>
-          <a:lstStyle/>
-          <a:p>
-            <a:r>
-              <a:rPr lang="en-US" dirty="0" smtClean="0"/>
-              <a:t>Agency Information</a:t>
-            </a:r>
-            <a:endParaRPr lang="en-US" dirty="0"/>
-          </a:p>
-        </p:txBody>
-      </p:sp>
-    </p:spTree>
-    <p:extLst>
-      <p:ext uri="{BB962C8B-B14F-4D97-AF65-F5344CB8AC3E}">
-        <p14:creationId xmlns:p14="http://schemas.microsoft.com/office/powerpoint/2010/main" xmlns:p="http://schemas.openxmlformats.org/presentationml/2006/main" xmlns:r="http://schemas.openxmlformats.org/officeDocument/2006/relationships" xmlns:a="http://schemas.openxmlformats.org/drawingml/2006/main" xmlns="" val="3122285007"/>
-      </p:ext>
-    </p:extLst>
-  </p:cSld>
-  <p:clrMapOvr>
-    <a:masterClrMapping/>
-  </p:clrMapOvr>
-  <p:timing>
-    <p:tnLst>
-      <p:par>
-        <p:cTn id="1" dur="indefinite" restart="never" nodeType="tmRoot"/>
-      </p:par>
-    </p:tnLst>
-  </p:timing>
-</p:sld>
-</file>
-
-<file path=ppt/slides/slide20.xml><?xml version="1.0" encoding="utf-8"?>
-<p:sld xmlns:a="http://schemas.openxmlformats.org/drawingml/2006/main" xmlns:r="http://schemas.openxmlformats.org/officeDocument/2006/relationships" xmlns:mc="http://schemas.openxmlformats.org/markup-compatibility/2006" xmlns:mv="urn:schemas-microsoft-com:mac:vml" xmlns:p="http://schemas.openxmlformats.org/presentationml/2006/main" mc:Ignorable="mv" mc:PreserveAttributes="mv:*">
+<file path=ppt/slides/slide22.xml><?xml version="1.0" encoding="utf-8"?>
+<p:sld xmlns:a="http://schemas.openxmlformats.org/drawingml/2006/main" xmlns:r="http://schemas.openxmlformats.org/officeDocument/2006/relationships" xmlns:p="http://schemas.openxmlformats.org/presentationml/2006/main">
   <p:cSld>
     <p:spTree>
       <p:nvGrpSpPr>
@@ -9566,45 +13802,43 @@
           <a:bodyPr/>
           <a:lstStyle/>
           <a:p>
+            <a:pPr marL="109728" indent="0">
+              <a:buNone/>
+            </a:pPr>
+            <a:endParaRPr lang="en-US" dirty="0"/>
+          </a:p>
+          <a:p>
             <a:r>
               <a:rPr lang="en-US" dirty="0" smtClean="0"/>
-              <a:t>Outsources administrative services:</a:t>
+              <a:t>Expedite assistance requests</a:t>
             </a:r>
           </a:p>
           <a:p>
             <a:pPr lvl="1"/>
             <a:r>
               <a:rPr lang="en-US" dirty="0" smtClean="0"/>
-              <a:t>Credit Card Transactions</a:t>
+              <a:t>Case Manager works quickly to give assistance</a:t>
             </a:r>
           </a:p>
           <a:p>
             <a:pPr lvl="1"/>
+            <a:endParaRPr lang="en-US" dirty="0" smtClean="0"/>
+          </a:p>
+          <a:p>
+            <a:pPr lvl="1"/>
+            <a:endParaRPr lang="en-US" dirty="0"/>
+          </a:p>
+          <a:p>
             <a:r>
               <a:rPr lang="en-US" dirty="0" smtClean="0"/>
-              <a:t>Mail</a:t>
+              <a:t>No direct contact with the company</a:t>
             </a:r>
           </a:p>
           <a:p>
             <a:pPr lvl="1"/>
             <a:r>
               <a:rPr lang="en-US" dirty="0" smtClean="0"/>
-              <a:t>Managing databases</a:t>
-            </a:r>
-          </a:p>
-          <a:p>
-            <a:pPr lvl="2"/>
-            <a:r>
-              <a:rPr lang="en-US" dirty="0" smtClean="0"/>
-              <a:t>The exchange of personal information with these 3</a:t>
-            </a:r>
-            <a:r>
-              <a:rPr lang="en-US" baseline="30000" dirty="0" smtClean="0"/>
-              <a:t>rd</a:t>
-            </a:r>
-            <a:r>
-              <a:rPr lang="en-US" dirty="0" smtClean="0"/>
-              <a:t> parties requires strict handling of confidential information</a:t>
+              <a:t>Those needing assistance should call 3-1-1</a:t>
             </a:r>
           </a:p>
         </p:txBody>
@@ -9626,7 +13860,11 @@
           <a:p>
             <a:r>
               <a:rPr lang="en-US" dirty="0" smtClean="0"/>
-              <a:t>Privacy Policies	</a:t>
+              <a:t>Customer Service</a:t>
+            </a:r>
+            <a:r>
+              <a:rPr lang="en-US" dirty="0" smtClean="0"/>
+              <a:t>	</a:t>
             </a:r>
             <a:endParaRPr lang="en-US" dirty="0"/>
           </a:p>
@@ -9660,7 +13898,7 @@
     </p:spTree>
     <p:extLst>
       <p:ext uri="{BB962C8B-B14F-4D97-AF65-F5344CB8AC3E}">
-        <p14:creationId xmlns:p14="http://schemas.microsoft.com/office/powerpoint/2010/main" xmlns:p="http://schemas.openxmlformats.org/presentationml/2006/main" xmlns:r="http://schemas.openxmlformats.org/officeDocument/2006/relationships" xmlns:a="http://schemas.openxmlformats.org/drawingml/2006/main" xmlns="" val="555766071"/>
+        <p14:creationId xmlns:p14="http://schemas.microsoft.com/office/powerpoint/2010/main" val="555766071"/>
       </p:ext>
     </p:extLst>
   </p:cSld>
@@ -9670,8 +13908,144 @@
 </p:sld>
 </file>
 
-<file path=ppt/slides/slide21.xml><?xml version="1.0" encoding="utf-8"?>
-<p:sld xmlns:a="http://schemas.openxmlformats.org/drawingml/2006/main" xmlns:r="http://schemas.openxmlformats.org/officeDocument/2006/relationships" xmlns:mc="http://schemas.openxmlformats.org/markup-compatibility/2006" xmlns:mv="urn:schemas-microsoft-com:mac:vml" xmlns:p="http://schemas.openxmlformats.org/presentationml/2006/main" mc:Ignorable="mv" mc:PreserveAttributes="mv:*">
+<file path=ppt/slides/slide23.xml><?xml version="1.0" encoding="utf-8"?>
+<p:sld xmlns:a="http://schemas.openxmlformats.org/drawingml/2006/main" xmlns:r="http://schemas.openxmlformats.org/officeDocument/2006/relationships" xmlns:p="http://schemas.openxmlformats.org/presentationml/2006/main">
+  <p:cSld>
+    <p:spTree>
+      <p:nvGrpSpPr>
+        <p:cNvPr id="1" name=""/>
+        <p:cNvGrpSpPr/>
+        <p:nvPr/>
+      </p:nvGrpSpPr>
+      <p:grpSpPr>
+        <a:xfrm>
+          <a:off x="0" y="0"/>
+          <a:ext cx="0" cy="0"/>
+          <a:chOff x="0" y="0"/>
+          <a:chExt cx="0" cy="0"/>
+        </a:xfrm>
+      </p:grpSpPr>
+      <p:sp>
+        <p:nvSpPr>
+          <p:cNvPr id="3" name="Content Placeholder 2"/>
+          <p:cNvSpPr>
+            <a:spLocks noGrp="1"/>
+          </p:cNvSpPr>
+          <p:nvPr>
+            <p:ph idx="1"/>
+          </p:nvPr>
+        </p:nvSpPr>
+        <p:spPr/>
+        <p:txBody>
+          <a:bodyPr/>
+          <a:lstStyle/>
+          <a:p>
+            <a:r>
+              <a:rPr lang="en-US" dirty="0" smtClean="0"/>
+              <a:t>Outsources administrative services:</a:t>
+            </a:r>
+          </a:p>
+          <a:p>
+            <a:pPr lvl="1"/>
+            <a:r>
+              <a:rPr lang="en-US" dirty="0" smtClean="0"/>
+              <a:t>Credit Card Transactions</a:t>
+            </a:r>
+          </a:p>
+          <a:p>
+            <a:pPr lvl="1"/>
+            <a:r>
+              <a:rPr lang="en-US" dirty="0" smtClean="0"/>
+              <a:t>Mail</a:t>
+            </a:r>
+          </a:p>
+          <a:p>
+            <a:pPr lvl="1"/>
+            <a:r>
+              <a:rPr lang="en-US" dirty="0" smtClean="0"/>
+              <a:t>Managing databases</a:t>
+            </a:r>
+          </a:p>
+          <a:p>
+            <a:pPr lvl="2"/>
+            <a:r>
+              <a:rPr lang="en-US" dirty="0" smtClean="0"/>
+              <a:t>The exchange of personal information with these 3</a:t>
+            </a:r>
+            <a:r>
+              <a:rPr lang="en-US" baseline="30000" dirty="0" smtClean="0"/>
+              <a:t>rd</a:t>
+            </a:r>
+            <a:r>
+              <a:rPr lang="en-US" dirty="0" smtClean="0"/>
+              <a:t> parties requires strict handling of confidential information</a:t>
+            </a:r>
+          </a:p>
+        </p:txBody>
+      </p:sp>
+      <p:sp>
+        <p:nvSpPr>
+          <p:cNvPr id="2" name="Title 1"/>
+          <p:cNvSpPr>
+            <a:spLocks noGrp="1"/>
+          </p:cNvSpPr>
+          <p:nvPr>
+            <p:ph type="title"/>
+          </p:nvPr>
+        </p:nvSpPr>
+        <p:spPr/>
+        <p:txBody>
+          <a:bodyPr/>
+          <a:lstStyle/>
+          <a:p>
+            <a:r>
+              <a:rPr lang="en-US" dirty="0" smtClean="0"/>
+              <a:t>Privacy Policies	</a:t>
+            </a:r>
+            <a:endParaRPr lang="en-US" dirty="0"/>
+          </a:p>
+        </p:txBody>
+      </p:sp>
+      <p:pic>
+        <p:nvPicPr>
+          <p:cNvPr id="5" name="Content Placeholder 8" descr="emergencyfund.jpg"/>
+          <p:cNvPicPr>
+            <a:picLocks noChangeAspect="1"/>
+          </p:cNvPicPr>
+          <p:nvPr/>
+        </p:nvPicPr>
+        <p:blipFill>
+          <a:blip r:embed="rId2"/>
+          <a:srcRect l="-5559" r="-5559"/>
+          <a:stretch>
+            <a:fillRect/>
+          </a:stretch>
+        </p:blipFill>
+        <p:spPr>
+          <a:xfrm>
+            <a:off x="6920568" y="0"/>
+            <a:ext cx="2223432" cy="1222802"/>
+          </a:xfrm>
+          <a:prstGeom prst="rect">
+            <a:avLst/>
+          </a:prstGeom>
+        </p:spPr>
+      </p:pic>
+    </p:spTree>
+    <p:extLst>
+      <p:ext uri="{BB962C8B-B14F-4D97-AF65-F5344CB8AC3E}">
+        <p14:creationId xmlns:p14="http://schemas.microsoft.com/office/powerpoint/2010/main" val="1918116506"/>
+      </p:ext>
+    </p:extLst>
+  </p:cSld>
+  <p:clrMapOvr>
+    <a:masterClrMapping/>
+  </p:clrMapOvr>
+</p:sld>
+</file>
+
+<file path=ppt/slides/slide24.xml><?xml version="1.0" encoding="utf-8"?>
+<p:sld xmlns:a="http://schemas.openxmlformats.org/drawingml/2006/main" xmlns:r="http://schemas.openxmlformats.org/officeDocument/2006/relationships" xmlns:p="http://schemas.openxmlformats.org/presentationml/2006/main">
   <p:cSld>
     <p:spTree>
       <p:nvGrpSpPr>
@@ -9859,7 +14233,7 @@
     </p:spTree>
     <p:extLst>
       <p:ext uri="{BB962C8B-B14F-4D97-AF65-F5344CB8AC3E}">
-        <p14:creationId xmlns:p14="http://schemas.microsoft.com/office/powerpoint/2010/main" xmlns:p="http://schemas.openxmlformats.org/presentationml/2006/main" xmlns:r="http://schemas.openxmlformats.org/officeDocument/2006/relationships" xmlns:a="http://schemas.openxmlformats.org/drawingml/2006/main" xmlns="" val="3359360881"/>
+        <p14:creationId xmlns:p14="http://schemas.microsoft.com/office/powerpoint/2010/main" val="3359360881"/>
       </p:ext>
     </p:extLst>
   </p:cSld>
@@ -9869,8 +14243,8 @@
 </p:sld>
 </file>
 
-<file path=ppt/slides/slide22.xml><?xml version="1.0" encoding="utf-8"?>
-<p:sld xmlns:a="http://schemas.openxmlformats.org/drawingml/2006/main" xmlns:r="http://schemas.openxmlformats.org/officeDocument/2006/relationships" xmlns:mc="http://schemas.openxmlformats.org/markup-compatibility/2006" xmlns:mv="urn:schemas-microsoft-com:mac:vml" xmlns:p="http://schemas.openxmlformats.org/presentationml/2006/main" mc:Ignorable="mv" mc:PreserveAttributes="mv:*">
+<file path=ppt/slides/slide25.xml><?xml version="1.0" encoding="utf-8"?>
+<p:sld xmlns:a="http://schemas.openxmlformats.org/drawingml/2006/main" xmlns:r="http://schemas.openxmlformats.org/officeDocument/2006/relationships" xmlns:p="http://schemas.openxmlformats.org/presentationml/2006/main">
   <p:cSld>
     <p:spTree>
       <p:nvGrpSpPr>
@@ -9888,17 +14262,19 @@
       </p:grpSpPr>
       <p:pic>
         <p:nvPicPr>
-          <p:cNvPr id="4" name="Picture 3" descr="screen-capture.png"/>
+          <p:cNvPr id="4" name="Picture 3" descr="screen-capture.png">
+            <a:hlinkClick r:id="rId2"/>
+          </p:cNvPr>
           <p:cNvPicPr>
             <a:picLocks noChangeAspect="1"/>
           </p:cNvPicPr>
           <p:nvPr/>
         </p:nvPicPr>
         <p:blipFill>
-          <a:blip r:embed="rId2">
+          <a:blip r:embed="rId3">
             <a:extLst>
               <a:ext uri="{28A0092B-C50C-407E-A947-70E740481C1C}">
-                <a14:useLocalDpi xmlns:a14="http://schemas.microsoft.com/office/drawing/2010/main" xmlns:p="http://schemas.openxmlformats.org/presentationml/2006/main" xmlns:r="http://schemas.openxmlformats.org/officeDocument/2006/relationships" xmlns:a="http://schemas.openxmlformats.org/drawingml/2006/main" xmlns="" val="0"/>
+                <a14:useLocalDpi xmlns:a14="http://schemas.microsoft.com/office/drawing/2010/main" val="0"/>
               </a:ext>
             </a:extLst>
           </a:blip>
@@ -9919,7 +14295,7 @@
     </p:spTree>
     <p:extLst>
       <p:ext uri="{BB962C8B-B14F-4D97-AF65-F5344CB8AC3E}">
-        <p14:creationId xmlns:p14="http://schemas.microsoft.com/office/powerpoint/2010/main" xmlns:p="http://schemas.openxmlformats.org/presentationml/2006/main" xmlns:r="http://schemas.openxmlformats.org/officeDocument/2006/relationships" xmlns:a="http://schemas.openxmlformats.org/drawingml/2006/main" xmlns="" val="2337359749"/>
+        <p14:creationId xmlns:p14="http://schemas.microsoft.com/office/powerpoint/2010/main" val="2337359749"/>
       </p:ext>
     </p:extLst>
   </p:cSld>
@@ -9936,8 +14312,8 @@
 </p:sld>
 </file>
 
-<file path=ppt/slides/slide23.xml><?xml version="1.0" encoding="utf-8"?>
-<p:sld xmlns:a="http://schemas.openxmlformats.org/drawingml/2006/main" xmlns:r="http://schemas.openxmlformats.org/officeDocument/2006/relationships" xmlns:mc="http://schemas.openxmlformats.org/markup-compatibility/2006" xmlns:mv="urn:schemas-microsoft-com:mac:vml" xmlns:p="http://schemas.openxmlformats.org/presentationml/2006/main" mc:Ignorable="mv" mc:PreserveAttributes="mv:*">
+<file path=ppt/slides/slide26.xml><?xml version="1.0" encoding="utf-8"?>
+<p:sld xmlns:a="http://schemas.openxmlformats.org/drawingml/2006/main" xmlns:r="http://schemas.openxmlformats.org/officeDocument/2006/relationships" xmlns:p="http://schemas.openxmlformats.org/presentationml/2006/main">
   <p:cSld>
     <p:spTree>
       <p:nvGrpSpPr>
@@ -10060,7 +14436,7 @@
     </p:spTree>
     <p:extLst>
       <p:ext uri="{BB962C8B-B14F-4D97-AF65-F5344CB8AC3E}">
-        <p14:creationId xmlns:p14="http://schemas.microsoft.com/office/powerpoint/2010/main" xmlns:p="http://schemas.openxmlformats.org/presentationml/2006/main" xmlns:r="http://schemas.openxmlformats.org/officeDocument/2006/relationships" xmlns:a="http://schemas.openxmlformats.org/drawingml/2006/main" xmlns="" val="484131638"/>
+        <p14:creationId xmlns:p14="http://schemas.microsoft.com/office/powerpoint/2010/main" val="484131638"/>
       </p:ext>
     </p:extLst>
   </p:cSld>
@@ -10077,8 +14453,8 @@
 </p:sld>
 </file>
 
-<file path=ppt/slides/slide24.xml><?xml version="1.0" encoding="utf-8"?>
-<p:sld xmlns:a="http://schemas.openxmlformats.org/drawingml/2006/main" xmlns:r="http://schemas.openxmlformats.org/officeDocument/2006/relationships" xmlns:mc="http://schemas.openxmlformats.org/markup-compatibility/2006" xmlns:mv="urn:schemas-microsoft-com:mac:vml" xmlns:p="http://schemas.openxmlformats.org/presentationml/2006/main" mc:Ignorable="mv" mc:PreserveAttributes="mv:*">
+<file path=ppt/slides/slide27.xml><?xml version="1.0" encoding="utf-8"?>
+<p:sld xmlns:a="http://schemas.openxmlformats.org/drawingml/2006/main" xmlns:r="http://schemas.openxmlformats.org/officeDocument/2006/relationships" xmlns:p="http://schemas.openxmlformats.org/presentationml/2006/main">
   <p:cSld>
     <p:spTree>
       <p:nvGrpSpPr>
@@ -10119,11 +14495,7 @@
           <a:p>
             <a:r>
               <a:rPr lang="en-US" dirty="0" smtClean="0"/>
-              <a:t>Low income families or </a:t>
-            </a:r>
-            <a:r>
-              <a:rPr lang="en-US" dirty="0" smtClean="0"/>
-              <a:t>individuals</a:t>
+              <a:t>Low income families or individuals</a:t>
             </a:r>
           </a:p>
           <a:p>
@@ -10142,11 +14514,7 @@
           <a:p>
             <a:r>
               <a:rPr lang="en-US" dirty="0" smtClean="0"/>
-              <a:t>Unemployed </a:t>
-            </a:r>
-            <a:r>
-              <a:rPr lang="en-US" dirty="0" smtClean="0"/>
-              <a:t>individuals</a:t>
+              <a:t>Unemployed individuals</a:t>
             </a:r>
           </a:p>
           <a:p>
@@ -10247,7 +14615,7 @@
     </p:spTree>
     <p:extLst>
       <p:ext uri="{BB962C8B-B14F-4D97-AF65-F5344CB8AC3E}">
-        <p14:creationId xmlns:p14="http://schemas.microsoft.com/office/powerpoint/2010/main" xmlns:p="http://schemas.openxmlformats.org/presentationml/2006/main" xmlns:r="http://schemas.openxmlformats.org/officeDocument/2006/relationships" xmlns:a="http://schemas.openxmlformats.org/drawingml/2006/main" xmlns="" val="967543406"/>
+        <p14:creationId xmlns:p14="http://schemas.microsoft.com/office/powerpoint/2010/main" val="967543406"/>
       </p:ext>
     </p:extLst>
   </p:cSld>
@@ -10257,8 +14625,8 @@
 </p:sld>
 </file>
 
-<file path=ppt/slides/slide25.xml><?xml version="1.0" encoding="utf-8"?>
-<p:sld xmlns:a="http://schemas.openxmlformats.org/drawingml/2006/main" xmlns:r="http://schemas.openxmlformats.org/officeDocument/2006/relationships" xmlns:mc="http://schemas.openxmlformats.org/markup-compatibility/2006" xmlns:mv="urn:schemas-microsoft-com:mac:vml" xmlns:p="http://schemas.openxmlformats.org/presentationml/2006/main" mc:Ignorable="mv" mc:PreserveAttributes="mv:*">
+<file path=ppt/slides/slide28.xml><?xml version="1.0" encoding="utf-8"?>
+<p:sld xmlns:a="http://schemas.openxmlformats.org/drawingml/2006/main" xmlns:r="http://schemas.openxmlformats.org/officeDocument/2006/relationships" xmlns:p="http://schemas.openxmlformats.org/presentationml/2006/main">
   <p:cSld>
     <p:spTree>
       <p:nvGrpSpPr>
@@ -10291,29 +14659,17 @@
           <a:p>
             <a:r>
               <a:rPr lang="en-US" dirty="0" smtClean="0"/>
-              <a:t>Donors </a:t>
-            </a:r>
+              <a:t>Donors are also clients of the site</a:t>
+            </a:r>
+          </a:p>
+          <a:p>
+            <a:endParaRPr lang="en-US" dirty="0" smtClean="0"/>
+          </a:p>
+          <a:p>
+            <a:pPr lvl="1"/>
             <a:r>
               <a:rPr lang="en-US" dirty="0" smtClean="0"/>
-              <a:t>are also </a:t>
-            </a:r>
-            <a:r>
-              <a:rPr lang="en-US" dirty="0" smtClean="0"/>
-              <a:t>clients of the site</a:t>
-            </a:r>
-          </a:p>
-          <a:p>
-            <a:endParaRPr lang="en-US" dirty="0" smtClean="0"/>
-          </a:p>
-          <a:p>
-            <a:pPr lvl="1"/>
-            <a:r>
-              <a:rPr lang="en-US" dirty="0" smtClean="0"/>
-              <a:t>They provide money for the </a:t>
-            </a:r>
-            <a:r>
-              <a:rPr lang="en-US" dirty="0" smtClean="0"/>
-              <a:t>funds</a:t>
+              <a:t>They provide money for the funds</a:t>
             </a:r>
           </a:p>
           <a:p>
@@ -10328,11 +14684,7 @@
             <a:pPr lvl="1"/>
             <a:r>
               <a:rPr lang="en-US" dirty="0" smtClean="0"/>
-              <a:t>Can be an “emergency fund” for the emergency fund.</a:t>
-            </a:r>
-            <a:r>
-              <a:rPr lang="en-US" dirty="0" smtClean="0"/>
-              <a:t> </a:t>
+              <a:t>Can be an “emergency fund” for the emergency fund. </a:t>
             </a:r>
           </a:p>
           <a:p>
@@ -10427,7 +14779,7 @@
     </p:spTree>
     <p:extLst>
       <p:ext uri="{BB962C8B-B14F-4D97-AF65-F5344CB8AC3E}">
-        <p14:creationId xmlns:p14="http://schemas.microsoft.com/office/powerpoint/2010/main" xmlns:p="http://schemas.openxmlformats.org/presentationml/2006/main" xmlns:r="http://schemas.openxmlformats.org/officeDocument/2006/relationships" xmlns:a="http://schemas.openxmlformats.org/drawingml/2006/main" xmlns="" val="10558731"/>
+        <p14:creationId xmlns:p14="http://schemas.microsoft.com/office/powerpoint/2010/main" val="10558731"/>
       </p:ext>
     </p:extLst>
   </p:cSld>
@@ -10437,8 +14789,8 @@
 </p:sld>
 </file>
 
-<file path=ppt/slides/slide26.xml><?xml version="1.0" encoding="utf-8"?>
-<p:sld xmlns:a="http://schemas.openxmlformats.org/drawingml/2006/main" xmlns:r="http://schemas.openxmlformats.org/officeDocument/2006/relationships" xmlns:mc="http://schemas.openxmlformats.org/markup-compatibility/2006" xmlns:mv="urn:schemas-microsoft-com:mac:vml" xmlns:p="http://schemas.openxmlformats.org/presentationml/2006/main" mc:Ignorable="mv" mc:PreserveAttributes="mv:*">
+<file path=ppt/slides/slide29.xml><?xml version="1.0" encoding="utf-8"?>
+<p:sld xmlns:a="http://schemas.openxmlformats.org/drawingml/2006/main" xmlns:r="http://schemas.openxmlformats.org/officeDocument/2006/relationships" xmlns:p="http://schemas.openxmlformats.org/presentationml/2006/main">
   <p:cSld>
     <p:spTree>
       <p:nvGrpSpPr>
@@ -10600,455 +14952,7 @@
     </p:spTree>
     <p:extLst>
       <p:ext uri="{BB962C8B-B14F-4D97-AF65-F5344CB8AC3E}">
-        <p14:creationId xmlns:p14="http://schemas.microsoft.com/office/powerpoint/2010/main" xmlns:p="http://schemas.openxmlformats.org/presentationml/2006/main" xmlns:r="http://schemas.openxmlformats.org/officeDocument/2006/relationships" xmlns:a="http://schemas.openxmlformats.org/drawingml/2006/main" xmlns="" val="1391531135"/>
-      </p:ext>
-    </p:extLst>
-  </p:cSld>
-  <p:clrMapOvr>
-    <a:masterClrMapping/>
-  </p:clrMapOvr>
-</p:sld>
-</file>
-
-<file path=ppt/slides/slide27.xml><?xml version="1.0" encoding="utf-8"?>
-<p:sld xmlns:a="http://schemas.openxmlformats.org/drawingml/2006/main" xmlns:r="http://schemas.openxmlformats.org/officeDocument/2006/relationships" xmlns:mc="http://schemas.openxmlformats.org/markup-compatibility/2006" xmlns:mv="urn:schemas-microsoft-com:mac:vml" xmlns:p="http://schemas.openxmlformats.org/presentationml/2006/main" mc:Ignorable="mv" mc:PreserveAttributes="mv:*">
-  <p:cSld>
-    <p:spTree>
-      <p:nvGrpSpPr>
-        <p:cNvPr id="1" name=""/>
-        <p:cNvGrpSpPr/>
-        <p:nvPr/>
-      </p:nvGrpSpPr>
-      <p:grpSpPr>
-        <a:xfrm>
-          <a:off x="0" y="0"/>
-          <a:ext cx="0" cy="0"/>
-          <a:chOff x="0" y="0"/>
-          <a:chExt cx="0" cy="0"/>
-        </a:xfrm>
-      </p:grpSpPr>
-      <p:sp>
-        <p:nvSpPr>
-          <p:cNvPr id="3" name="Content Placeholder 2"/>
-          <p:cNvSpPr>
-            <a:spLocks noGrp="1"/>
-          </p:cNvSpPr>
-          <p:nvPr>
-            <p:ph idx="1"/>
-          </p:nvPr>
-        </p:nvSpPr>
-        <p:spPr/>
-        <p:txBody>
-          <a:bodyPr>
-            <a:normAutofit lnSpcReduction="10000"/>
-          </a:bodyPr>
-          <a:lstStyle/>
-          <a:p>
-            <a:r>
-              <a:rPr lang="en-US" dirty="0" smtClean="0"/>
-              <a:t>From a donors perspective “It will provide the financial relief to the ones in need</a:t>
-            </a:r>
-          </a:p>
-          <a:p>
-            <a:r>
-              <a:rPr lang="en-US" dirty="0" smtClean="0"/>
-              <a:t>From the receiver’s perspective “It will aid you when in need. </a:t>
-            </a:r>
-          </a:p>
-          <a:p>
-            <a:pPr lvl="1"/>
-            <a:r>
-              <a:rPr lang="en-US" dirty="0" smtClean="0"/>
-              <a:t>Such as the temporary CTA pass.</a:t>
-            </a:r>
-          </a:p>
-          <a:p>
-            <a:endParaRPr lang="en-US" dirty="0" smtClean="0"/>
-          </a:p>
-          <a:p>
-            <a:r>
-              <a:rPr lang="en-US" dirty="0" smtClean="0"/>
-              <a:t>Gives the ability to temporarily aid others in a different or a unique approach. </a:t>
-            </a:r>
-            <a:endParaRPr lang="en-US" dirty="0"/>
-          </a:p>
-          <a:p>
-            <a:pPr lvl="1"/>
-            <a:r>
-              <a:rPr lang="en-US" dirty="0" smtClean="0"/>
-              <a:t>Other websites do not offer the ability to purchase certain gifts or in many cases they do not even have the gift catalog ability</a:t>
-            </a:r>
-            <a:endParaRPr lang="en-US" dirty="0"/>
-          </a:p>
-        </p:txBody>
-      </p:sp>
-      <p:sp>
-        <p:nvSpPr>
-          <p:cNvPr id="2" name="Title 1"/>
-          <p:cNvSpPr>
-            <a:spLocks noGrp="1"/>
-          </p:cNvSpPr>
-          <p:nvPr>
-            <p:ph type="title"/>
-          </p:nvPr>
-        </p:nvSpPr>
-        <p:spPr/>
-        <p:txBody>
-          <a:bodyPr/>
-          <a:lstStyle/>
-          <a:p>
-            <a:r>
-              <a:rPr lang="en-US" dirty="0" smtClean="0"/>
-              <a:t>Why use this site</a:t>
-            </a:r>
-            <a:endParaRPr lang="en-US" dirty="0"/>
-          </a:p>
-        </p:txBody>
-      </p:sp>
-      <p:pic>
-        <p:nvPicPr>
-          <p:cNvPr id="5" name="Picture 4"/>
-          <p:cNvPicPr>
-            <a:picLocks noChangeAspect="1"/>
-          </p:cNvPicPr>
-          <p:nvPr/>
-        </p:nvPicPr>
-        <p:blipFill>
-          <a:blip r:embed="rId2"/>
-          <a:stretch>
-            <a:fillRect/>
-          </a:stretch>
-        </p:blipFill>
-        <p:spPr>
-          <a:xfrm>
-            <a:off x="4834862" y="5347188"/>
-            <a:ext cx="1760275" cy="1320206"/>
-          </a:xfrm>
-          <a:prstGeom prst="rect">
-            <a:avLst/>
-          </a:prstGeom>
-        </p:spPr>
-      </p:pic>
-      <p:pic>
-        <p:nvPicPr>
-          <p:cNvPr id="7" name="Content Placeholder 8" descr="emergencyfund.jpg"/>
-          <p:cNvPicPr>
-            <a:picLocks noChangeAspect="1"/>
-          </p:cNvPicPr>
-          <p:nvPr/>
-        </p:nvPicPr>
-        <p:blipFill>
-          <a:blip r:embed="rId3"/>
-          <a:srcRect l="-5559" r="-5559"/>
-          <a:stretch>
-            <a:fillRect/>
-          </a:stretch>
-        </p:blipFill>
-        <p:spPr>
-          <a:xfrm>
-            <a:off x="6920568" y="0"/>
-            <a:ext cx="2223432" cy="1222802"/>
-          </a:xfrm>
-          <a:prstGeom prst="rect">
-            <a:avLst/>
-          </a:prstGeom>
-        </p:spPr>
-      </p:pic>
-    </p:spTree>
-    <p:extLst>
-      <p:ext uri="{BB962C8B-B14F-4D97-AF65-F5344CB8AC3E}">
-        <p14:creationId xmlns:p14="http://schemas.microsoft.com/office/powerpoint/2010/main" xmlns:p="http://schemas.openxmlformats.org/presentationml/2006/main" xmlns:r="http://schemas.openxmlformats.org/officeDocument/2006/relationships" xmlns:a="http://schemas.openxmlformats.org/drawingml/2006/main" xmlns="" val="232756629"/>
-      </p:ext>
-    </p:extLst>
-  </p:cSld>
-  <p:clrMapOvr>
-    <a:masterClrMapping/>
-  </p:clrMapOvr>
-</p:sld>
-</file>
-
-<file path=ppt/slides/slide28.xml><?xml version="1.0" encoding="utf-8"?>
-<p:sld xmlns:a="http://schemas.openxmlformats.org/drawingml/2006/main" xmlns:r="http://schemas.openxmlformats.org/officeDocument/2006/relationships" xmlns:mc="http://schemas.openxmlformats.org/markup-compatibility/2006" xmlns:mv="urn:schemas-microsoft-com:mac:vml" xmlns:p="http://schemas.openxmlformats.org/presentationml/2006/main" mc:Ignorable="mv" mc:PreserveAttributes="mv:*">
-  <p:cSld>
-    <p:spTree>
-      <p:nvGrpSpPr>
-        <p:cNvPr id="1" name=""/>
-        <p:cNvGrpSpPr/>
-        <p:nvPr/>
-      </p:nvGrpSpPr>
-      <p:grpSpPr>
-        <a:xfrm>
-          <a:off x="0" y="0"/>
-          <a:ext cx="0" cy="0"/>
-          <a:chOff x="0" y="0"/>
-          <a:chExt cx="0" cy="0"/>
-        </a:xfrm>
-      </p:grpSpPr>
-      <p:sp>
-        <p:nvSpPr>
-          <p:cNvPr id="3" name="Content Placeholder 2"/>
-          <p:cNvSpPr>
-            <a:spLocks noGrp="1"/>
-          </p:cNvSpPr>
-          <p:nvPr>
-            <p:ph idx="1"/>
-          </p:nvPr>
-        </p:nvSpPr>
-        <p:spPr/>
-        <p:txBody>
-          <a:bodyPr/>
-          <a:lstStyle/>
-          <a:p>
-            <a:r>
-              <a:rPr lang="en-US" dirty="0" smtClean="0"/>
-              <a:t>Basic needs for the head of household</a:t>
-            </a:r>
-          </a:p>
-          <a:p>
-            <a:r>
-              <a:rPr lang="en-US" dirty="0" smtClean="0"/>
-              <a:t>Ability to donate for shelter. E.g. rent</a:t>
-            </a:r>
-          </a:p>
-          <a:p>
-            <a:r>
-              <a:rPr lang="en-US" dirty="0" smtClean="0"/>
-              <a:t>Kitchen supplies to aid the cooking process for the family.</a:t>
-            </a:r>
-          </a:p>
-          <a:p>
-            <a:r>
-              <a:rPr lang="en-US" dirty="0" smtClean="0"/>
-              <a:t>School supplies, Eye exams and glasses, clothing</a:t>
-            </a:r>
-          </a:p>
-          <a:p>
-            <a:r>
-              <a:rPr lang="en-US" dirty="0" smtClean="0"/>
-              <a:t>Heat is important especially for a Chicago land residents </a:t>
-            </a:r>
-          </a:p>
-        </p:txBody>
-      </p:sp>
-      <p:sp>
-        <p:nvSpPr>
-          <p:cNvPr id="2" name="Title 1"/>
-          <p:cNvSpPr>
-            <a:spLocks noGrp="1"/>
-          </p:cNvSpPr>
-          <p:nvPr>
-            <p:ph type="title"/>
-          </p:nvPr>
-        </p:nvSpPr>
-        <p:spPr/>
-        <p:txBody>
-          <a:bodyPr>
-            <a:normAutofit/>
-          </a:bodyPr>
-          <a:lstStyle/>
-          <a:p>
-            <a:r>
-              <a:rPr lang="en-US" dirty="0" smtClean="0"/>
-              <a:t>Meeting the Needs</a:t>
-            </a:r>
-            <a:endParaRPr lang="en-US" dirty="0"/>
-          </a:p>
-        </p:txBody>
-      </p:sp>
-      <p:pic>
-        <p:nvPicPr>
-          <p:cNvPr id="4" name="Picture 3"/>
-          <p:cNvPicPr>
-            <a:picLocks noChangeAspect="1"/>
-          </p:cNvPicPr>
-          <p:nvPr/>
-        </p:nvPicPr>
-        <p:blipFill>
-          <a:blip r:embed="rId2"/>
-          <a:stretch>
-            <a:fillRect/>
-          </a:stretch>
-        </p:blipFill>
-        <p:spPr>
-          <a:xfrm>
-            <a:off x="4876800" y="4800600"/>
-            <a:ext cx="1809661" cy="1523925"/>
-          </a:xfrm>
-          <a:prstGeom prst="rect">
-            <a:avLst/>
-          </a:prstGeom>
-        </p:spPr>
-      </p:pic>
-      <p:pic>
-        <p:nvPicPr>
-          <p:cNvPr id="5" name="Content Placeholder 8" descr="emergencyfund.jpg"/>
-          <p:cNvPicPr>
-            <a:picLocks noChangeAspect="1"/>
-          </p:cNvPicPr>
-          <p:nvPr/>
-        </p:nvPicPr>
-        <p:blipFill>
-          <a:blip r:embed="rId3"/>
-          <a:srcRect l="-5559" r="-5559"/>
-          <a:stretch>
-            <a:fillRect/>
-          </a:stretch>
-        </p:blipFill>
-        <p:spPr>
-          <a:xfrm>
-            <a:off x="6920568" y="0"/>
-            <a:ext cx="2223432" cy="1222802"/>
-          </a:xfrm>
-          <a:prstGeom prst="rect">
-            <a:avLst/>
-          </a:prstGeom>
-        </p:spPr>
-      </p:pic>
-    </p:spTree>
-    <p:extLst>
-      <p:ext uri="{BB962C8B-B14F-4D97-AF65-F5344CB8AC3E}">
-        <p14:creationId xmlns:p14="http://schemas.microsoft.com/office/powerpoint/2010/main" xmlns:p="http://schemas.openxmlformats.org/presentationml/2006/main" xmlns:r="http://schemas.openxmlformats.org/officeDocument/2006/relationships" xmlns:a="http://schemas.openxmlformats.org/drawingml/2006/main" xmlns="" val="2043227639"/>
-      </p:ext>
-    </p:extLst>
-  </p:cSld>
-  <p:clrMapOvr>
-    <a:masterClrMapping/>
-  </p:clrMapOvr>
-</p:sld>
-</file>
-
-<file path=ppt/slides/slide29.xml><?xml version="1.0" encoding="utf-8"?>
-<p:sld xmlns:a="http://schemas.openxmlformats.org/drawingml/2006/main" xmlns:r="http://schemas.openxmlformats.org/officeDocument/2006/relationships" xmlns:mc="http://schemas.openxmlformats.org/markup-compatibility/2006" xmlns:mv="urn:schemas-microsoft-com:mac:vml" xmlns:p="http://schemas.openxmlformats.org/presentationml/2006/main" mc:Ignorable="mv" mc:PreserveAttributes="mv:*">
-  <p:cSld>
-    <p:spTree>
-      <p:nvGrpSpPr>
-        <p:cNvPr id="1" name=""/>
-        <p:cNvGrpSpPr/>
-        <p:nvPr/>
-      </p:nvGrpSpPr>
-      <p:grpSpPr>
-        <a:xfrm>
-          <a:off x="0" y="0"/>
-          <a:ext cx="0" cy="0"/>
-          <a:chOff x="0" y="0"/>
-          <a:chExt cx="0" cy="0"/>
-        </a:xfrm>
-      </p:grpSpPr>
-      <p:sp>
-        <p:nvSpPr>
-          <p:cNvPr id="3" name="Content Placeholder 2"/>
-          <p:cNvSpPr>
-            <a:spLocks noGrp="1"/>
-          </p:cNvSpPr>
-          <p:nvPr>
-            <p:ph idx="1"/>
-          </p:nvPr>
-        </p:nvSpPr>
-        <p:spPr/>
-        <p:txBody>
-          <a:bodyPr/>
-          <a:lstStyle/>
-          <a:p>
-            <a:r>
-              <a:rPr lang="en-US" dirty="0" smtClean="0"/>
-              <a:t>Very easy to use</a:t>
-            </a:r>
-          </a:p>
-          <a:p>
-            <a:pPr lvl="1"/>
-            <a:r>
-              <a:rPr lang="en-US" dirty="0" smtClean="0"/>
-              <a:t>Click on Donate and it will give you many different options on what to donate</a:t>
-            </a:r>
-            <a:r>
-              <a:rPr lang="en-US" dirty="0" smtClean="0"/>
-              <a:t>.</a:t>
-            </a:r>
-          </a:p>
-          <a:p>
-            <a:pPr lvl="1"/>
-            <a:endParaRPr lang="en-US" dirty="0" smtClean="0"/>
-          </a:p>
-          <a:p>
-            <a:pPr lvl="1"/>
-            <a:r>
-              <a:rPr lang="en-US" dirty="0" smtClean="0"/>
-              <a:t>Donating can be done online, thus no visits </a:t>
-            </a:r>
-            <a:r>
-              <a:rPr lang="en-US" dirty="0" smtClean="0"/>
-              <a:t>required</a:t>
-            </a:r>
-          </a:p>
-          <a:p>
-            <a:pPr lvl="1"/>
-            <a:endParaRPr lang="en-US" dirty="0" smtClean="0"/>
-          </a:p>
-          <a:p>
-            <a:pPr lvl="1"/>
-            <a:r>
-              <a:rPr lang="en-US" dirty="0" smtClean="0"/>
-              <a:t>Colors of the website give it a warm feeling</a:t>
-            </a:r>
-          </a:p>
-          <a:p>
-            <a:pPr lvl="1"/>
-            <a:endParaRPr lang="en-US" dirty="0"/>
-          </a:p>
-        </p:txBody>
-      </p:sp>
-      <p:sp>
-        <p:nvSpPr>
-          <p:cNvPr id="2" name="Title 1"/>
-          <p:cNvSpPr>
-            <a:spLocks noGrp="1"/>
-          </p:cNvSpPr>
-          <p:nvPr>
-            <p:ph type="title"/>
-          </p:nvPr>
-        </p:nvSpPr>
-        <p:spPr/>
-        <p:txBody>
-          <a:bodyPr/>
-          <a:lstStyle/>
-          <a:p>
-            <a:r>
-              <a:rPr lang="en-US" dirty="0" smtClean="0"/>
-              <a:t>Marketing itself</a:t>
-            </a:r>
-            <a:endParaRPr lang="en-US" dirty="0"/>
-          </a:p>
-        </p:txBody>
-      </p:sp>
-      <p:pic>
-        <p:nvPicPr>
-          <p:cNvPr id="4" name="Content Placeholder 8" descr="emergencyfund.jpg"/>
-          <p:cNvPicPr>
-            <a:picLocks noChangeAspect="1"/>
-          </p:cNvPicPr>
-          <p:nvPr/>
-        </p:nvPicPr>
-        <p:blipFill>
-          <a:blip r:embed="rId2"/>
-          <a:srcRect l="-5559" r="-5559"/>
-          <a:stretch>
-            <a:fillRect/>
-          </a:stretch>
-        </p:blipFill>
-        <p:spPr>
-          <a:xfrm>
-            <a:off x="6920568" y="0"/>
-            <a:ext cx="2223432" cy="1222802"/>
-          </a:xfrm>
-          <a:prstGeom prst="rect">
-            <a:avLst/>
-          </a:prstGeom>
-        </p:spPr>
-      </p:pic>
-    </p:spTree>
-    <p:extLst>
-      <p:ext uri="{BB962C8B-B14F-4D97-AF65-F5344CB8AC3E}">
-        <p14:creationId xmlns:p14="http://schemas.microsoft.com/office/powerpoint/2010/main" xmlns:p="http://schemas.openxmlformats.org/presentationml/2006/main" xmlns:r="http://schemas.openxmlformats.org/officeDocument/2006/relationships" xmlns:a="http://schemas.openxmlformats.org/drawingml/2006/main" xmlns="" val="3280878126"/>
+        <p14:creationId xmlns:p14="http://schemas.microsoft.com/office/powerpoint/2010/main" val="1391531135"/>
       </p:ext>
     </p:extLst>
   </p:cSld>
@@ -11059,7 +14963,7 @@
 </file>
 
 <file path=ppt/slides/slide3.xml><?xml version="1.0" encoding="utf-8"?>
-<p:sld xmlns:a="http://schemas.openxmlformats.org/drawingml/2006/main" xmlns:r="http://schemas.openxmlformats.org/officeDocument/2006/relationships" xmlns:mc="http://schemas.openxmlformats.org/markup-compatibility/2006" xmlns:mv="urn:schemas-microsoft-com:mac:vml" xmlns:p="http://schemas.openxmlformats.org/presentationml/2006/main" mc:Ignorable="mv" mc:PreserveAttributes="mv:*">
+<p:sld xmlns:a="http://schemas.openxmlformats.org/drawingml/2006/main" xmlns:r="http://schemas.openxmlformats.org/officeDocument/2006/relationships" xmlns:p="http://schemas.openxmlformats.org/presentationml/2006/main">
   <p:cSld>
     <p:spTree>
       <p:nvGrpSpPr>
@@ -11157,7 +15061,447 @@
 </file>
 
 <file path=ppt/slides/slide30.xml><?xml version="1.0" encoding="utf-8"?>
-<p:sld xmlns:a="http://schemas.openxmlformats.org/drawingml/2006/main" xmlns:r="http://schemas.openxmlformats.org/officeDocument/2006/relationships" xmlns:mc="http://schemas.openxmlformats.org/markup-compatibility/2006" xmlns:mv="urn:schemas-microsoft-com:mac:vml" xmlns:p="http://schemas.openxmlformats.org/presentationml/2006/main" mc:Ignorable="mv" mc:PreserveAttributes="mv:*">
+<p:sld xmlns:a="http://schemas.openxmlformats.org/drawingml/2006/main" xmlns:r="http://schemas.openxmlformats.org/officeDocument/2006/relationships" xmlns:p="http://schemas.openxmlformats.org/presentationml/2006/main">
+  <p:cSld>
+    <p:spTree>
+      <p:nvGrpSpPr>
+        <p:cNvPr id="1" name=""/>
+        <p:cNvGrpSpPr/>
+        <p:nvPr/>
+      </p:nvGrpSpPr>
+      <p:grpSpPr>
+        <a:xfrm>
+          <a:off x="0" y="0"/>
+          <a:ext cx="0" cy="0"/>
+          <a:chOff x="0" y="0"/>
+          <a:chExt cx="0" cy="0"/>
+        </a:xfrm>
+      </p:grpSpPr>
+      <p:sp>
+        <p:nvSpPr>
+          <p:cNvPr id="3" name="Content Placeholder 2"/>
+          <p:cNvSpPr>
+            <a:spLocks noGrp="1"/>
+          </p:cNvSpPr>
+          <p:nvPr>
+            <p:ph idx="1"/>
+          </p:nvPr>
+        </p:nvSpPr>
+        <p:spPr/>
+        <p:txBody>
+          <a:bodyPr>
+            <a:normAutofit lnSpcReduction="10000"/>
+          </a:bodyPr>
+          <a:lstStyle/>
+          <a:p>
+            <a:r>
+              <a:rPr lang="en-US" dirty="0" smtClean="0"/>
+              <a:t>From a donors perspective “It will provide the financial relief to the ones in need</a:t>
+            </a:r>
+          </a:p>
+          <a:p>
+            <a:r>
+              <a:rPr lang="en-US" dirty="0" smtClean="0"/>
+              <a:t>From the receiver’s perspective “It will aid you when in need. </a:t>
+            </a:r>
+          </a:p>
+          <a:p>
+            <a:pPr lvl="1"/>
+            <a:r>
+              <a:rPr lang="en-US" dirty="0" smtClean="0"/>
+              <a:t>Such as the temporary CTA pass.</a:t>
+            </a:r>
+          </a:p>
+          <a:p>
+            <a:endParaRPr lang="en-US" dirty="0" smtClean="0"/>
+          </a:p>
+          <a:p>
+            <a:r>
+              <a:rPr lang="en-US" dirty="0" smtClean="0"/>
+              <a:t>Gives the ability to temporarily aid others in a different or a unique approach. </a:t>
+            </a:r>
+            <a:endParaRPr lang="en-US" dirty="0"/>
+          </a:p>
+          <a:p>
+            <a:pPr lvl="1"/>
+            <a:r>
+              <a:rPr lang="en-US" dirty="0" smtClean="0"/>
+              <a:t>Other websites do not offer the ability to purchase certain gifts or in many cases they do not even have the gift catalog ability</a:t>
+            </a:r>
+            <a:endParaRPr lang="en-US" dirty="0"/>
+          </a:p>
+        </p:txBody>
+      </p:sp>
+      <p:sp>
+        <p:nvSpPr>
+          <p:cNvPr id="2" name="Title 1"/>
+          <p:cNvSpPr>
+            <a:spLocks noGrp="1"/>
+          </p:cNvSpPr>
+          <p:nvPr>
+            <p:ph type="title"/>
+          </p:nvPr>
+        </p:nvSpPr>
+        <p:spPr/>
+        <p:txBody>
+          <a:bodyPr/>
+          <a:lstStyle/>
+          <a:p>
+            <a:r>
+              <a:rPr lang="en-US" dirty="0" smtClean="0"/>
+              <a:t>Why use this site</a:t>
+            </a:r>
+            <a:endParaRPr lang="en-US" dirty="0"/>
+          </a:p>
+        </p:txBody>
+      </p:sp>
+      <p:pic>
+        <p:nvPicPr>
+          <p:cNvPr id="5" name="Picture 4"/>
+          <p:cNvPicPr>
+            <a:picLocks noChangeAspect="1"/>
+          </p:cNvPicPr>
+          <p:nvPr/>
+        </p:nvPicPr>
+        <p:blipFill>
+          <a:blip r:embed="rId2"/>
+          <a:stretch>
+            <a:fillRect/>
+          </a:stretch>
+        </p:blipFill>
+        <p:spPr>
+          <a:xfrm>
+            <a:off x="4834862" y="5347188"/>
+            <a:ext cx="1760275" cy="1320206"/>
+          </a:xfrm>
+          <a:prstGeom prst="rect">
+            <a:avLst/>
+          </a:prstGeom>
+        </p:spPr>
+      </p:pic>
+      <p:pic>
+        <p:nvPicPr>
+          <p:cNvPr id="7" name="Content Placeholder 8" descr="emergencyfund.jpg"/>
+          <p:cNvPicPr>
+            <a:picLocks noChangeAspect="1"/>
+          </p:cNvPicPr>
+          <p:nvPr/>
+        </p:nvPicPr>
+        <p:blipFill>
+          <a:blip r:embed="rId3"/>
+          <a:srcRect l="-5559" r="-5559"/>
+          <a:stretch>
+            <a:fillRect/>
+          </a:stretch>
+        </p:blipFill>
+        <p:spPr>
+          <a:xfrm>
+            <a:off x="6920568" y="0"/>
+            <a:ext cx="2223432" cy="1222802"/>
+          </a:xfrm>
+          <a:prstGeom prst="rect">
+            <a:avLst/>
+          </a:prstGeom>
+        </p:spPr>
+      </p:pic>
+    </p:spTree>
+    <p:extLst>
+      <p:ext uri="{BB962C8B-B14F-4D97-AF65-F5344CB8AC3E}">
+        <p14:creationId xmlns:p14="http://schemas.microsoft.com/office/powerpoint/2010/main" val="232756629"/>
+      </p:ext>
+    </p:extLst>
+  </p:cSld>
+  <p:clrMapOvr>
+    <a:masterClrMapping/>
+  </p:clrMapOvr>
+</p:sld>
+</file>
+
+<file path=ppt/slides/slide31.xml><?xml version="1.0" encoding="utf-8"?>
+<p:sld xmlns:a="http://schemas.openxmlformats.org/drawingml/2006/main" xmlns:r="http://schemas.openxmlformats.org/officeDocument/2006/relationships" xmlns:p="http://schemas.openxmlformats.org/presentationml/2006/main">
+  <p:cSld>
+    <p:spTree>
+      <p:nvGrpSpPr>
+        <p:cNvPr id="1" name=""/>
+        <p:cNvGrpSpPr/>
+        <p:nvPr/>
+      </p:nvGrpSpPr>
+      <p:grpSpPr>
+        <a:xfrm>
+          <a:off x="0" y="0"/>
+          <a:ext cx="0" cy="0"/>
+          <a:chOff x="0" y="0"/>
+          <a:chExt cx="0" cy="0"/>
+        </a:xfrm>
+      </p:grpSpPr>
+      <p:sp>
+        <p:nvSpPr>
+          <p:cNvPr id="3" name="Content Placeholder 2"/>
+          <p:cNvSpPr>
+            <a:spLocks noGrp="1"/>
+          </p:cNvSpPr>
+          <p:nvPr>
+            <p:ph idx="1"/>
+          </p:nvPr>
+        </p:nvSpPr>
+        <p:spPr/>
+        <p:txBody>
+          <a:bodyPr/>
+          <a:lstStyle/>
+          <a:p>
+            <a:r>
+              <a:rPr lang="en-US" dirty="0" smtClean="0"/>
+              <a:t>Basic needs for the head of household</a:t>
+            </a:r>
+          </a:p>
+          <a:p>
+            <a:r>
+              <a:rPr lang="en-US" dirty="0" smtClean="0"/>
+              <a:t>Ability to donate for shelter. E.g. rent</a:t>
+            </a:r>
+          </a:p>
+          <a:p>
+            <a:r>
+              <a:rPr lang="en-US" dirty="0" smtClean="0"/>
+              <a:t>Kitchen supplies to aid the cooking process for the family.</a:t>
+            </a:r>
+          </a:p>
+          <a:p>
+            <a:r>
+              <a:rPr lang="en-US" dirty="0" smtClean="0"/>
+              <a:t>School supplies, Eye exams and glasses, clothing</a:t>
+            </a:r>
+          </a:p>
+          <a:p>
+            <a:r>
+              <a:rPr lang="en-US" dirty="0" smtClean="0"/>
+              <a:t>Heat is important especially for a Chicago land residents </a:t>
+            </a:r>
+          </a:p>
+        </p:txBody>
+      </p:sp>
+      <p:sp>
+        <p:nvSpPr>
+          <p:cNvPr id="2" name="Title 1"/>
+          <p:cNvSpPr>
+            <a:spLocks noGrp="1"/>
+          </p:cNvSpPr>
+          <p:nvPr>
+            <p:ph type="title"/>
+          </p:nvPr>
+        </p:nvSpPr>
+        <p:spPr/>
+        <p:txBody>
+          <a:bodyPr>
+            <a:normAutofit/>
+          </a:bodyPr>
+          <a:lstStyle/>
+          <a:p>
+            <a:r>
+              <a:rPr lang="en-US" dirty="0" smtClean="0"/>
+              <a:t>Meeting the Needs</a:t>
+            </a:r>
+            <a:endParaRPr lang="en-US" dirty="0"/>
+          </a:p>
+        </p:txBody>
+      </p:sp>
+      <p:pic>
+        <p:nvPicPr>
+          <p:cNvPr id="4" name="Picture 3"/>
+          <p:cNvPicPr>
+            <a:picLocks noChangeAspect="1"/>
+          </p:cNvPicPr>
+          <p:nvPr/>
+        </p:nvPicPr>
+        <p:blipFill>
+          <a:blip r:embed="rId2"/>
+          <a:stretch>
+            <a:fillRect/>
+          </a:stretch>
+        </p:blipFill>
+        <p:spPr>
+          <a:xfrm>
+            <a:off x="4876800" y="4800600"/>
+            <a:ext cx="1809661" cy="1523925"/>
+          </a:xfrm>
+          <a:prstGeom prst="rect">
+            <a:avLst/>
+          </a:prstGeom>
+        </p:spPr>
+      </p:pic>
+      <p:pic>
+        <p:nvPicPr>
+          <p:cNvPr id="5" name="Content Placeholder 8" descr="emergencyfund.jpg"/>
+          <p:cNvPicPr>
+            <a:picLocks noChangeAspect="1"/>
+          </p:cNvPicPr>
+          <p:nvPr/>
+        </p:nvPicPr>
+        <p:blipFill>
+          <a:blip r:embed="rId3"/>
+          <a:srcRect l="-5559" r="-5559"/>
+          <a:stretch>
+            <a:fillRect/>
+          </a:stretch>
+        </p:blipFill>
+        <p:spPr>
+          <a:xfrm>
+            <a:off x="6920568" y="0"/>
+            <a:ext cx="2223432" cy="1222802"/>
+          </a:xfrm>
+          <a:prstGeom prst="rect">
+            <a:avLst/>
+          </a:prstGeom>
+        </p:spPr>
+      </p:pic>
+    </p:spTree>
+    <p:extLst>
+      <p:ext uri="{BB962C8B-B14F-4D97-AF65-F5344CB8AC3E}">
+        <p14:creationId xmlns:p14="http://schemas.microsoft.com/office/powerpoint/2010/main" val="2043227639"/>
+      </p:ext>
+    </p:extLst>
+  </p:cSld>
+  <p:clrMapOvr>
+    <a:masterClrMapping/>
+  </p:clrMapOvr>
+</p:sld>
+</file>
+
+<file path=ppt/slides/slide32.xml><?xml version="1.0" encoding="utf-8"?>
+<p:sld xmlns:a="http://schemas.openxmlformats.org/drawingml/2006/main" xmlns:r="http://schemas.openxmlformats.org/officeDocument/2006/relationships" xmlns:p="http://schemas.openxmlformats.org/presentationml/2006/main">
+  <p:cSld>
+    <p:spTree>
+      <p:nvGrpSpPr>
+        <p:cNvPr id="1" name=""/>
+        <p:cNvGrpSpPr/>
+        <p:nvPr/>
+      </p:nvGrpSpPr>
+      <p:grpSpPr>
+        <a:xfrm>
+          <a:off x="0" y="0"/>
+          <a:ext cx="0" cy="0"/>
+          <a:chOff x="0" y="0"/>
+          <a:chExt cx="0" cy="0"/>
+        </a:xfrm>
+      </p:grpSpPr>
+      <p:sp>
+        <p:nvSpPr>
+          <p:cNvPr id="3" name="Content Placeholder 2"/>
+          <p:cNvSpPr>
+            <a:spLocks noGrp="1"/>
+          </p:cNvSpPr>
+          <p:nvPr>
+            <p:ph idx="1"/>
+          </p:nvPr>
+        </p:nvSpPr>
+        <p:spPr/>
+        <p:txBody>
+          <a:bodyPr/>
+          <a:lstStyle/>
+          <a:p>
+            <a:r>
+              <a:rPr lang="en-US" dirty="0" smtClean="0"/>
+              <a:t>Very easy to use</a:t>
+            </a:r>
+          </a:p>
+          <a:p>
+            <a:pPr lvl="1"/>
+            <a:r>
+              <a:rPr lang="en-US" dirty="0" smtClean="0"/>
+              <a:t>Click on Donate and it will give you many different options on what to donate.</a:t>
+            </a:r>
+          </a:p>
+          <a:p>
+            <a:pPr lvl="1"/>
+            <a:endParaRPr lang="en-US" dirty="0" smtClean="0"/>
+          </a:p>
+          <a:p>
+            <a:pPr lvl="1"/>
+            <a:r>
+              <a:rPr lang="en-US" dirty="0" smtClean="0"/>
+              <a:t>Donating can be done online, thus no visits required</a:t>
+            </a:r>
+          </a:p>
+          <a:p>
+            <a:pPr lvl="1"/>
+            <a:endParaRPr lang="en-US" dirty="0" smtClean="0"/>
+          </a:p>
+          <a:p>
+            <a:pPr lvl="1"/>
+            <a:r>
+              <a:rPr lang="en-US" dirty="0" smtClean="0"/>
+              <a:t>Colors of the website give it a warm feeling</a:t>
+            </a:r>
+          </a:p>
+          <a:p>
+            <a:pPr lvl="1"/>
+            <a:endParaRPr lang="en-US" dirty="0"/>
+          </a:p>
+        </p:txBody>
+      </p:sp>
+      <p:sp>
+        <p:nvSpPr>
+          <p:cNvPr id="2" name="Title 1"/>
+          <p:cNvSpPr>
+            <a:spLocks noGrp="1"/>
+          </p:cNvSpPr>
+          <p:nvPr>
+            <p:ph type="title"/>
+          </p:nvPr>
+        </p:nvSpPr>
+        <p:spPr/>
+        <p:txBody>
+          <a:bodyPr/>
+          <a:lstStyle/>
+          <a:p>
+            <a:r>
+              <a:rPr lang="en-US" dirty="0" smtClean="0"/>
+              <a:t>Marketing itself</a:t>
+            </a:r>
+            <a:endParaRPr lang="en-US" dirty="0"/>
+          </a:p>
+        </p:txBody>
+      </p:sp>
+      <p:pic>
+        <p:nvPicPr>
+          <p:cNvPr id="4" name="Content Placeholder 8" descr="emergencyfund.jpg"/>
+          <p:cNvPicPr>
+            <a:picLocks noChangeAspect="1"/>
+          </p:cNvPicPr>
+          <p:nvPr/>
+        </p:nvPicPr>
+        <p:blipFill>
+          <a:blip r:embed="rId2"/>
+          <a:srcRect l="-5559" r="-5559"/>
+          <a:stretch>
+            <a:fillRect/>
+          </a:stretch>
+        </p:blipFill>
+        <p:spPr>
+          <a:xfrm>
+            <a:off x="6920568" y="0"/>
+            <a:ext cx="2223432" cy="1222802"/>
+          </a:xfrm>
+          <a:prstGeom prst="rect">
+            <a:avLst/>
+          </a:prstGeom>
+        </p:spPr>
+      </p:pic>
+    </p:spTree>
+    <p:extLst>
+      <p:ext uri="{BB962C8B-B14F-4D97-AF65-F5344CB8AC3E}">
+        <p14:creationId xmlns:p14="http://schemas.microsoft.com/office/powerpoint/2010/main" val="3280878126"/>
+      </p:ext>
+    </p:extLst>
+  </p:cSld>
+  <p:clrMapOvr>
+    <a:masterClrMapping/>
+  </p:clrMapOvr>
+</p:sld>
+</file>
+
+<file path=ppt/slides/slide33.xml><?xml version="1.0" encoding="utf-8"?>
+<p:sld xmlns:a="http://schemas.openxmlformats.org/drawingml/2006/main" xmlns:r="http://schemas.openxmlformats.org/officeDocument/2006/relationships" xmlns:p="http://schemas.openxmlformats.org/presentationml/2006/main">
   <p:cSld>
     <p:spTree>
       <p:nvGrpSpPr>
@@ -11224,7 +15568,7 @@
     </p:spTree>
     <p:extLst>
       <p:ext uri="{BB962C8B-B14F-4D97-AF65-F5344CB8AC3E}">
-        <p14:creationId xmlns:p14="http://schemas.microsoft.com/office/powerpoint/2010/main" xmlns:p="http://schemas.openxmlformats.org/presentationml/2006/main" xmlns:r="http://schemas.openxmlformats.org/officeDocument/2006/relationships" xmlns:a="http://schemas.openxmlformats.org/drawingml/2006/main" xmlns="" val="228983955"/>
+        <p14:creationId xmlns:p14="http://schemas.microsoft.com/office/powerpoint/2010/main" val="228983955"/>
       </p:ext>
     </p:extLst>
   </p:cSld>
@@ -11241,8 +15585,8 @@
 </p:sld>
 </file>
 
-<file path=ppt/slides/slide31.xml><?xml version="1.0" encoding="utf-8"?>
-<p:sld xmlns:a="http://schemas.openxmlformats.org/drawingml/2006/main" xmlns:r="http://schemas.openxmlformats.org/officeDocument/2006/relationships" xmlns:mc="http://schemas.openxmlformats.org/markup-compatibility/2006" xmlns:mv="urn:schemas-microsoft-com:mac:vml" xmlns:p="http://schemas.openxmlformats.org/presentationml/2006/main" mc:Ignorable="mv" mc:PreserveAttributes="mv:*">
+<file path=ppt/slides/slide34.xml><?xml version="1.0" encoding="utf-8"?>
+<p:sld xmlns:a="http://schemas.openxmlformats.org/drawingml/2006/main" xmlns:r="http://schemas.openxmlformats.org/officeDocument/2006/relationships" xmlns:p="http://schemas.openxmlformats.org/presentationml/2006/main">
   <p:cSld>
     <p:spTree>
       <p:nvGrpSpPr>
@@ -11400,7 +15744,6 @@
               <a:rPr lang="en-US" sz="2800" dirty="0" smtClean="0"/>
               <a:t>Adoption</a:t>
             </a:r>
-            <a:endParaRPr lang="en-US" sz="2800" dirty="0" smtClean="0"/>
           </a:p>
           <a:p>
             <a:pPr>
@@ -11411,7 +15754,6 @@
               <a:rPr lang="en-US" sz="2800" dirty="0" smtClean="0"/>
               <a:t>Health Care</a:t>
             </a:r>
-            <a:endParaRPr lang="en-US" sz="2800" dirty="0" smtClean="0"/>
           </a:p>
           <a:p>
             <a:pPr>
@@ -11420,11 +15762,7 @@
             </a:pPr>
             <a:r>
               <a:rPr lang="en-US" sz="2800" dirty="0" smtClean="0"/>
-              <a:t>Emergency </a:t>
-            </a:r>
-            <a:r>
-              <a:rPr lang="en-US" sz="2800" dirty="0" smtClean="0"/>
-              <a:t>Financial  Assistance</a:t>
+              <a:t>Emergency Financial  Assistance</a:t>
             </a:r>
           </a:p>
         </p:txBody>
@@ -11515,7 +15853,7 @@
     </p:spTree>
     <p:extLst>
       <p:ext uri="{BB962C8B-B14F-4D97-AF65-F5344CB8AC3E}">
-        <p14:creationId xmlns:p14="http://schemas.microsoft.com/office/powerpoint/2010/main" xmlns:p="http://schemas.openxmlformats.org/presentationml/2006/main" xmlns:r="http://schemas.openxmlformats.org/officeDocument/2006/relationships" xmlns:a="http://schemas.openxmlformats.org/drawingml/2006/main" xmlns="" val="416698243"/>
+        <p14:creationId xmlns:p14="http://schemas.microsoft.com/office/powerpoint/2010/main" val="416698243"/>
       </p:ext>
     </p:extLst>
   </p:cSld>
@@ -11532,8 +15870,8 @@
 </p:sld>
 </file>
 
-<file path=ppt/slides/slide32.xml><?xml version="1.0" encoding="utf-8"?>
-<p:sld xmlns:a="http://schemas.openxmlformats.org/drawingml/2006/main" xmlns:r="http://schemas.openxmlformats.org/officeDocument/2006/relationships" xmlns:mc="http://schemas.openxmlformats.org/markup-compatibility/2006" xmlns:mv="urn:schemas-microsoft-com:mac:vml" xmlns:p="http://schemas.openxmlformats.org/presentationml/2006/main" mc:Ignorable="mv" mc:PreserveAttributes="mv:*">
+<file path=ppt/slides/slide35.xml><?xml version="1.0" encoding="utf-8"?>
+<p:sld xmlns:a="http://schemas.openxmlformats.org/drawingml/2006/main" xmlns:r="http://schemas.openxmlformats.org/officeDocument/2006/relationships" xmlns:p="http://schemas.openxmlformats.org/presentationml/2006/main">
   <p:cSld>
     <p:spTree>
       <p:nvGrpSpPr>
@@ -11818,7 +16156,7 @@
     </p:spTree>
     <p:extLst>
       <p:ext uri="{BB962C8B-B14F-4D97-AF65-F5344CB8AC3E}">
-        <p14:creationId xmlns:p14="http://schemas.microsoft.com/office/powerpoint/2010/main" xmlns:p="http://schemas.openxmlformats.org/presentationml/2006/main" xmlns:r="http://schemas.openxmlformats.org/officeDocument/2006/relationships" xmlns:a="http://schemas.openxmlformats.org/drawingml/2006/main" xmlns="" val="3342497515"/>
+        <p14:creationId xmlns:p14="http://schemas.microsoft.com/office/powerpoint/2010/main" val="3342497515"/>
       </p:ext>
     </p:extLst>
   </p:cSld>
@@ -11835,8 +16173,8 @@
 </p:sld>
 </file>
 
-<file path=ppt/slides/slide33.xml><?xml version="1.0" encoding="utf-8"?>
-<p:sld xmlns:a="http://schemas.openxmlformats.org/drawingml/2006/main" xmlns:r="http://schemas.openxmlformats.org/officeDocument/2006/relationships" xmlns:mc="http://schemas.openxmlformats.org/markup-compatibility/2006" xmlns:mv="urn:schemas-microsoft-com:mac:vml" xmlns:p="http://schemas.openxmlformats.org/presentationml/2006/main" mc:Ignorable="mv" mc:PreserveAttributes="mv:*">
+<file path=ppt/slides/slide36.xml><?xml version="1.0" encoding="utf-8"?>
+<p:sld xmlns:a="http://schemas.openxmlformats.org/drawingml/2006/main" xmlns:r="http://schemas.openxmlformats.org/officeDocument/2006/relationships" xmlns:p="http://schemas.openxmlformats.org/presentationml/2006/main">
   <p:cSld>
     <p:spTree>
       <p:nvGrpSpPr>
@@ -12053,7 +16391,7 @@
     </p:spTree>
     <p:extLst>
       <p:ext uri="{BB962C8B-B14F-4D97-AF65-F5344CB8AC3E}">
-        <p14:creationId xmlns:p14="http://schemas.microsoft.com/office/powerpoint/2010/main" xmlns:p="http://schemas.openxmlformats.org/presentationml/2006/main" xmlns:r="http://schemas.openxmlformats.org/officeDocument/2006/relationships" xmlns:a="http://schemas.openxmlformats.org/drawingml/2006/main" xmlns="" val="3539602800"/>
+        <p14:creationId xmlns:p14="http://schemas.microsoft.com/office/powerpoint/2010/main" val="3539602800"/>
       </p:ext>
     </p:extLst>
   </p:cSld>
@@ -12070,8 +16408,8 @@
 </p:sld>
 </file>
 
-<file path=ppt/slides/slide34.xml><?xml version="1.0" encoding="utf-8"?>
-<p:sld xmlns:a="http://schemas.openxmlformats.org/drawingml/2006/main" xmlns:r="http://schemas.openxmlformats.org/officeDocument/2006/relationships" xmlns:mc="http://schemas.openxmlformats.org/markup-compatibility/2006" xmlns:mv="urn:schemas-microsoft-com:mac:vml" xmlns:p="http://schemas.openxmlformats.org/presentationml/2006/main" mc:Ignorable="mv" mc:PreserveAttributes="mv:*">
+<file path=ppt/slides/slide37.xml><?xml version="1.0" encoding="utf-8"?>
+<p:sld xmlns:a="http://schemas.openxmlformats.org/drawingml/2006/main" xmlns:r="http://schemas.openxmlformats.org/officeDocument/2006/relationships" xmlns:p="http://schemas.openxmlformats.org/presentationml/2006/main">
   <p:cSld>
     <p:spTree>
       <p:nvGrpSpPr>
@@ -12282,7 +16620,7 @@
     </p:spTree>
     <p:extLst>
       <p:ext uri="{BB962C8B-B14F-4D97-AF65-F5344CB8AC3E}">
-        <p14:creationId xmlns:p14="http://schemas.microsoft.com/office/powerpoint/2010/main" xmlns:p="http://schemas.openxmlformats.org/presentationml/2006/main" xmlns:r="http://schemas.openxmlformats.org/officeDocument/2006/relationships" xmlns:a="http://schemas.openxmlformats.org/drawingml/2006/main" xmlns="" val="2459562411"/>
+        <p14:creationId xmlns:p14="http://schemas.microsoft.com/office/powerpoint/2010/main" val="2459562411"/>
       </p:ext>
     </p:extLst>
   </p:cSld>
@@ -12299,8 +16637,8 @@
 </p:sld>
 </file>
 
-<file path=ppt/slides/slide35.xml><?xml version="1.0" encoding="utf-8"?>
-<p:sld xmlns:a="http://schemas.openxmlformats.org/drawingml/2006/main" xmlns:r="http://schemas.openxmlformats.org/officeDocument/2006/relationships" xmlns:mc="http://schemas.openxmlformats.org/markup-compatibility/2006" xmlns:mv="urn:schemas-microsoft-com:mac:vml" xmlns:p="http://schemas.openxmlformats.org/presentationml/2006/main" mc:Ignorable="mv" mc:PreserveAttributes="mv:*">
+<file path=ppt/slides/slide38.xml><?xml version="1.0" encoding="utf-8"?>
+<p:sld xmlns:a="http://schemas.openxmlformats.org/drawingml/2006/main" xmlns:r="http://schemas.openxmlformats.org/officeDocument/2006/relationships" xmlns:p="http://schemas.openxmlformats.org/presentationml/2006/main">
   <p:cSld>
     <p:spTree>
       <p:nvGrpSpPr>
@@ -12505,7 +16843,7 @@
     </p:spTree>
     <p:extLst>
       <p:ext uri="{BB962C8B-B14F-4D97-AF65-F5344CB8AC3E}">
-        <p14:creationId xmlns:p14="http://schemas.microsoft.com/office/powerpoint/2010/main" xmlns:p="http://schemas.openxmlformats.org/presentationml/2006/main" xmlns:r="http://schemas.openxmlformats.org/officeDocument/2006/relationships" xmlns:a="http://schemas.openxmlformats.org/drawingml/2006/main" xmlns="" val="1313139120"/>
+        <p14:creationId xmlns:p14="http://schemas.microsoft.com/office/powerpoint/2010/main" val="1313139120"/>
       </p:ext>
     </p:extLst>
   </p:cSld>
@@ -12522,8 +16860,8 @@
 </p:sld>
 </file>
 
-<file path=ppt/slides/slide36.xml><?xml version="1.0" encoding="utf-8"?>
-<p:sld xmlns:a="http://schemas.openxmlformats.org/drawingml/2006/main" xmlns:r="http://schemas.openxmlformats.org/officeDocument/2006/relationships" xmlns:mc="http://schemas.openxmlformats.org/markup-compatibility/2006" xmlns:mv="urn:schemas-microsoft-com:mac:vml" xmlns:p="http://schemas.openxmlformats.org/presentationml/2006/main" mc:Ignorable="mv" mc:PreserveAttributes="mv:*">
+<file path=ppt/slides/slide39.xml><?xml version="1.0" encoding="utf-8"?>
+<p:sld xmlns:a="http://schemas.openxmlformats.org/drawingml/2006/main" xmlns:r="http://schemas.openxmlformats.org/officeDocument/2006/relationships" xmlns:p="http://schemas.openxmlformats.org/presentationml/2006/main">
   <p:cSld>
     <p:spTree>
       <p:nvGrpSpPr>
@@ -12633,7 +16971,7 @@
     </p:spTree>
     <p:extLst>
       <p:ext uri="{BB962C8B-B14F-4D97-AF65-F5344CB8AC3E}">
-        <p14:creationId xmlns:p14="http://schemas.microsoft.com/office/powerpoint/2010/main" xmlns:p="http://schemas.openxmlformats.org/presentationml/2006/main" xmlns:r="http://schemas.openxmlformats.org/officeDocument/2006/relationships" xmlns:a="http://schemas.openxmlformats.org/drawingml/2006/main" xmlns="" val="2995235111"/>
+        <p14:creationId xmlns:p14="http://schemas.microsoft.com/office/powerpoint/2010/main" val="2995235111"/>
       </p:ext>
     </p:extLst>
   </p:cSld>
@@ -12650,8 +16988,123 @@
 </p:sld>
 </file>
 
-<file path=ppt/slides/slide37.xml><?xml version="1.0" encoding="utf-8"?>
-<p:sld xmlns:a="http://schemas.openxmlformats.org/drawingml/2006/main" xmlns:r="http://schemas.openxmlformats.org/officeDocument/2006/relationships" xmlns:mc="http://schemas.openxmlformats.org/markup-compatibility/2006" xmlns:mv="urn:schemas-microsoft-com:mac:vml" xmlns:p="http://schemas.openxmlformats.org/presentationml/2006/main" mc:Ignorable="mv" mc:PreserveAttributes="mv:*">
+<file path=ppt/slides/slide4.xml><?xml version="1.0" encoding="utf-8"?>
+<p:sld xmlns:a="http://schemas.openxmlformats.org/drawingml/2006/main" xmlns:r="http://schemas.openxmlformats.org/officeDocument/2006/relationships" xmlns:p="http://schemas.openxmlformats.org/presentationml/2006/main">
+  <p:cSld>
+    <p:spTree>
+      <p:nvGrpSpPr>
+        <p:cNvPr id="1" name=""/>
+        <p:cNvGrpSpPr/>
+        <p:nvPr/>
+      </p:nvGrpSpPr>
+      <p:grpSpPr>
+        <a:xfrm>
+          <a:off x="0" y="0"/>
+          <a:ext cx="0" cy="0"/>
+          <a:chOff x="0" y="0"/>
+          <a:chExt cx="0" cy="0"/>
+        </a:xfrm>
+      </p:grpSpPr>
+      <p:sp>
+        <p:nvSpPr>
+          <p:cNvPr id="5" name="Content Placeholder 4"/>
+          <p:cNvSpPr>
+            <a:spLocks noGrp="1"/>
+          </p:cNvSpPr>
+          <p:nvPr>
+            <p:ph idx="1"/>
+          </p:nvPr>
+        </p:nvSpPr>
+        <p:spPr/>
+        <p:txBody>
+          <a:bodyPr/>
+          <a:lstStyle/>
+          <a:p>
+            <a:endParaRPr lang="en-US" dirty="0" smtClean="0"/>
+          </a:p>
+          <a:p>
+            <a:r>
+              <a:rPr lang="en-US" dirty="0" smtClean="0"/>
+              <a:t>Provides immediate financial assistance to low income Chicago area individuals and families</a:t>
+            </a:r>
+          </a:p>
+          <a:p>
+            <a:endParaRPr lang="en-US" dirty="0" smtClean="0"/>
+          </a:p>
+          <a:p>
+            <a:r>
+              <a:rPr lang="en-US" dirty="0" smtClean="0"/>
+              <a:t>Their goal is to help people through a crisis or life changing transition</a:t>
+            </a:r>
+            <a:endParaRPr lang="en-US" dirty="0"/>
+          </a:p>
+        </p:txBody>
+      </p:sp>
+      <p:sp>
+        <p:nvSpPr>
+          <p:cNvPr id="4" name="Title 3"/>
+          <p:cNvSpPr>
+            <a:spLocks noGrp="1"/>
+          </p:cNvSpPr>
+          <p:nvPr>
+            <p:ph type="title"/>
+          </p:nvPr>
+        </p:nvSpPr>
+        <p:spPr/>
+        <p:txBody>
+          <a:bodyPr/>
+          <a:lstStyle/>
+          <a:p>
+            <a:r>
+              <a:rPr lang="en-US" dirty="0" smtClean="0"/>
+              <a:t>Service Area Overview</a:t>
+            </a:r>
+            <a:endParaRPr lang="en-US" dirty="0"/>
+          </a:p>
+        </p:txBody>
+      </p:sp>
+      <p:pic>
+        <p:nvPicPr>
+          <p:cNvPr id="10" name="Content Placeholder 8" descr="emergencyfund.jpg"/>
+          <p:cNvPicPr>
+            <a:picLocks noChangeAspect="1"/>
+          </p:cNvPicPr>
+          <p:nvPr/>
+        </p:nvPicPr>
+        <p:blipFill>
+          <a:blip r:embed="rId2"/>
+          <a:srcRect l="-5559" r="-5559"/>
+          <a:stretch>
+            <a:fillRect/>
+          </a:stretch>
+        </p:blipFill>
+        <p:spPr>
+          <a:xfrm>
+            <a:off x="6920568" y="0"/>
+            <a:ext cx="2223432" cy="1222802"/>
+          </a:xfrm>
+          <a:prstGeom prst="rect">
+            <a:avLst/>
+          </a:prstGeom>
+        </p:spPr>
+      </p:pic>
+    </p:spTree>
+  </p:cSld>
+  <p:clrMapOvr>
+    <a:masterClrMapping/>
+  </p:clrMapOvr>
+  <p:timing>
+    <p:tnLst>
+      <p:par>
+        <p:cTn id="1" dur="indefinite" restart="never" nodeType="tmRoot"/>
+      </p:par>
+    </p:tnLst>
+  </p:timing>
+</p:sld>
+</file>
+
+<file path=ppt/slides/slide40.xml><?xml version="1.0" encoding="utf-8"?>
+<p:sld xmlns:a="http://schemas.openxmlformats.org/drawingml/2006/main" xmlns:r="http://schemas.openxmlformats.org/officeDocument/2006/relationships" xmlns:p="http://schemas.openxmlformats.org/presentationml/2006/main">
   <p:cSld>
     <p:spTree>
       <p:nvGrpSpPr>
@@ -12781,7 +17234,7 @@
     </p:spTree>
     <p:extLst>
       <p:ext uri="{BB962C8B-B14F-4D97-AF65-F5344CB8AC3E}">
-        <p14:creationId xmlns:p14="http://schemas.microsoft.com/office/powerpoint/2010/main" xmlns:p="http://schemas.openxmlformats.org/presentationml/2006/main" xmlns:r="http://schemas.openxmlformats.org/officeDocument/2006/relationships" xmlns:a="http://schemas.openxmlformats.org/drawingml/2006/main" xmlns="" val="162105554"/>
+        <p14:creationId xmlns:p14="http://schemas.microsoft.com/office/powerpoint/2010/main" val="162105554"/>
       </p:ext>
     </p:extLst>
   </p:cSld>
@@ -12798,8 +17251,8 @@
 </p:sld>
 </file>
 
-<file path=ppt/slides/slide38.xml><?xml version="1.0" encoding="utf-8"?>
-<p:sld xmlns:a="http://schemas.openxmlformats.org/drawingml/2006/main" xmlns:r="http://schemas.openxmlformats.org/officeDocument/2006/relationships" xmlns:mc="http://schemas.openxmlformats.org/markup-compatibility/2006" xmlns:mv="urn:schemas-microsoft-com:mac:vml" xmlns:p="http://schemas.openxmlformats.org/presentationml/2006/main" mc:Ignorable="mv" mc:PreserveAttributes="mv:*">
+<file path=ppt/slides/slide41.xml><?xml version="1.0" encoding="utf-8"?>
+<p:sld xmlns:a="http://schemas.openxmlformats.org/drawingml/2006/main" xmlns:r="http://schemas.openxmlformats.org/officeDocument/2006/relationships" xmlns:p="http://schemas.openxmlformats.org/presentationml/2006/main">
   <p:cSld>
     <p:spTree>
       <p:nvGrpSpPr>
@@ -12866,7 +17319,7 @@
     </p:spTree>
     <p:extLst>
       <p:ext uri="{BB962C8B-B14F-4D97-AF65-F5344CB8AC3E}">
-        <p14:creationId xmlns:p14="http://schemas.microsoft.com/office/powerpoint/2010/main" xmlns:p="http://schemas.openxmlformats.org/presentationml/2006/main" xmlns:r="http://schemas.openxmlformats.org/officeDocument/2006/relationships" xmlns:a="http://schemas.openxmlformats.org/drawingml/2006/main" xmlns="" val="915631791"/>
+        <p14:creationId xmlns:p14="http://schemas.microsoft.com/office/powerpoint/2010/main" val="915631791"/>
       </p:ext>
     </p:extLst>
   </p:cSld>
@@ -12883,8 +17336,8 @@
 </p:sld>
 </file>
 
-<file path=ppt/slides/slide39.xml><?xml version="1.0" encoding="utf-8"?>
-<p:sld xmlns:a="http://schemas.openxmlformats.org/drawingml/2006/main" xmlns:r="http://schemas.openxmlformats.org/officeDocument/2006/relationships" xmlns:mc="http://schemas.openxmlformats.org/markup-compatibility/2006" xmlns:mv="urn:schemas-microsoft-com:mac:vml" xmlns:p="http://schemas.openxmlformats.org/presentationml/2006/main" mc:Ignorable="mv" mc:PreserveAttributes="mv:*">
+<file path=ppt/slides/slide42.xml><?xml version="1.0" encoding="utf-8"?>
+<p:sld xmlns:a="http://schemas.openxmlformats.org/drawingml/2006/main" xmlns:r="http://schemas.openxmlformats.org/officeDocument/2006/relationships" xmlns:p="http://schemas.openxmlformats.org/presentationml/2006/main">
   <p:cSld>
     <p:spTree>
       <p:nvGrpSpPr>
@@ -12914,7 +17367,7 @@
           <a:blip r:embed="rId3">
             <a:extLst>
               <a:ext uri="{28A0092B-C50C-407E-A947-70E740481C1C}">
-                <a14:useLocalDpi xmlns:a14="http://schemas.microsoft.com/office/drawing/2010/main" xmlns:p="http://schemas.openxmlformats.org/presentationml/2006/main" xmlns:r="http://schemas.openxmlformats.org/officeDocument/2006/relationships" xmlns:a="http://schemas.openxmlformats.org/drawingml/2006/main" xmlns="" val="0"/>
+                <a14:useLocalDpi xmlns:a14="http://schemas.microsoft.com/office/drawing/2010/main" val="0"/>
               </a:ext>
             </a:extLst>
           </a:blip>
@@ -12935,7 +17388,7 @@
     </p:spTree>
     <p:extLst>
       <p:ext uri="{BB962C8B-B14F-4D97-AF65-F5344CB8AC3E}">
-        <p14:creationId xmlns:p14="http://schemas.microsoft.com/office/powerpoint/2010/main" xmlns:p="http://schemas.openxmlformats.org/presentationml/2006/main" xmlns:r="http://schemas.openxmlformats.org/officeDocument/2006/relationships" xmlns:a="http://schemas.openxmlformats.org/drawingml/2006/main" xmlns="" val="2678945735"/>
+        <p14:creationId xmlns:p14="http://schemas.microsoft.com/office/powerpoint/2010/main" val="2678945735"/>
       </p:ext>
     </p:extLst>
   </p:cSld>
@@ -12952,123 +17405,8 @@
 </p:sld>
 </file>
 
-<file path=ppt/slides/slide4.xml><?xml version="1.0" encoding="utf-8"?>
-<p:sld xmlns:a="http://schemas.openxmlformats.org/drawingml/2006/main" xmlns:r="http://schemas.openxmlformats.org/officeDocument/2006/relationships" xmlns:mc="http://schemas.openxmlformats.org/markup-compatibility/2006" xmlns:mv="urn:schemas-microsoft-com:mac:vml" xmlns:p="http://schemas.openxmlformats.org/presentationml/2006/main" mc:Ignorable="mv" mc:PreserveAttributes="mv:*">
-  <p:cSld>
-    <p:spTree>
-      <p:nvGrpSpPr>
-        <p:cNvPr id="1" name=""/>
-        <p:cNvGrpSpPr/>
-        <p:nvPr/>
-      </p:nvGrpSpPr>
-      <p:grpSpPr>
-        <a:xfrm>
-          <a:off x="0" y="0"/>
-          <a:ext cx="0" cy="0"/>
-          <a:chOff x="0" y="0"/>
-          <a:chExt cx="0" cy="0"/>
-        </a:xfrm>
-      </p:grpSpPr>
-      <p:sp>
-        <p:nvSpPr>
-          <p:cNvPr id="5" name="Content Placeholder 4"/>
-          <p:cNvSpPr>
-            <a:spLocks noGrp="1"/>
-          </p:cNvSpPr>
-          <p:nvPr>
-            <p:ph idx="1"/>
-          </p:nvPr>
-        </p:nvSpPr>
-        <p:spPr/>
-        <p:txBody>
-          <a:bodyPr/>
-          <a:lstStyle/>
-          <a:p>
-            <a:endParaRPr lang="en-US" dirty="0" smtClean="0"/>
-          </a:p>
-          <a:p>
-            <a:r>
-              <a:rPr lang="en-US" dirty="0" smtClean="0"/>
-              <a:t>Provides immediate financial assistance to low income Chicago area individuals and families</a:t>
-            </a:r>
-          </a:p>
-          <a:p>
-            <a:endParaRPr lang="en-US" dirty="0" smtClean="0"/>
-          </a:p>
-          <a:p>
-            <a:r>
-              <a:rPr lang="en-US" dirty="0" smtClean="0"/>
-              <a:t>Their goal is to help people through a crisis or life changing transition</a:t>
-            </a:r>
-            <a:endParaRPr lang="en-US" dirty="0"/>
-          </a:p>
-        </p:txBody>
-      </p:sp>
-      <p:sp>
-        <p:nvSpPr>
-          <p:cNvPr id="4" name="Title 3"/>
-          <p:cNvSpPr>
-            <a:spLocks noGrp="1"/>
-          </p:cNvSpPr>
-          <p:nvPr>
-            <p:ph type="title"/>
-          </p:nvPr>
-        </p:nvSpPr>
-        <p:spPr/>
-        <p:txBody>
-          <a:bodyPr/>
-          <a:lstStyle/>
-          <a:p>
-            <a:r>
-              <a:rPr lang="en-US" dirty="0" smtClean="0"/>
-              <a:t>Service Area Overview</a:t>
-            </a:r>
-            <a:endParaRPr lang="en-US" dirty="0"/>
-          </a:p>
-        </p:txBody>
-      </p:sp>
-      <p:pic>
-        <p:nvPicPr>
-          <p:cNvPr id="10" name="Content Placeholder 8" descr="emergencyfund.jpg"/>
-          <p:cNvPicPr>
-            <a:picLocks noChangeAspect="1"/>
-          </p:cNvPicPr>
-          <p:nvPr/>
-        </p:nvPicPr>
-        <p:blipFill>
-          <a:blip r:embed="rId2"/>
-          <a:srcRect l="-5559" r="-5559"/>
-          <a:stretch>
-            <a:fillRect/>
-          </a:stretch>
-        </p:blipFill>
-        <p:spPr>
-          <a:xfrm>
-            <a:off x="6920568" y="0"/>
-            <a:ext cx="2223432" cy="1222802"/>
-          </a:xfrm>
-          <a:prstGeom prst="rect">
-            <a:avLst/>
-          </a:prstGeom>
-        </p:spPr>
-      </p:pic>
-    </p:spTree>
-  </p:cSld>
-  <p:clrMapOvr>
-    <a:masterClrMapping/>
-  </p:clrMapOvr>
-  <p:timing>
-    <p:tnLst>
-      <p:par>
-        <p:cTn id="1" dur="indefinite" restart="never" nodeType="tmRoot"/>
-      </p:par>
-    </p:tnLst>
-  </p:timing>
-</p:sld>
-</file>
-
 <file path=ppt/slides/slide5.xml><?xml version="1.0" encoding="utf-8"?>
-<p:sld xmlns:a="http://schemas.openxmlformats.org/drawingml/2006/main" xmlns:r="http://schemas.openxmlformats.org/officeDocument/2006/relationships" xmlns:mc="http://schemas.openxmlformats.org/markup-compatibility/2006" xmlns:mv="urn:schemas-microsoft-com:mac:vml" xmlns:p="http://schemas.openxmlformats.org/presentationml/2006/main" mc:Ignorable="mv" mc:PreserveAttributes="mv:*">
+<p:sld xmlns:a="http://schemas.openxmlformats.org/drawingml/2006/main" xmlns:r="http://schemas.openxmlformats.org/officeDocument/2006/relationships" xmlns:p="http://schemas.openxmlformats.org/presentationml/2006/main">
   <p:cSld>
     <p:spTree>
       <p:nvGrpSpPr>
@@ -13196,7 +17534,7 @@
 </file>
 
 <file path=ppt/slides/slide6.xml><?xml version="1.0" encoding="utf-8"?>
-<p:sld xmlns:a="http://schemas.openxmlformats.org/drawingml/2006/main" xmlns:r="http://schemas.openxmlformats.org/officeDocument/2006/relationships" xmlns:mc="http://schemas.openxmlformats.org/markup-compatibility/2006" xmlns:mv="urn:schemas-microsoft-com:mac:vml" xmlns:p="http://schemas.openxmlformats.org/presentationml/2006/main" mc:Ignorable="mv" mc:PreserveAttributes="mv:*">
+<p:sld xmlns:a="http://schemas.openxmlformats.org/drawingml/2006/main" xmlns:r="http://schemas.openxmlformats.org/officeDocument/2006/relationships" xmlns:p="http://schemas.openxmlformats.org/presentationml/2006/main">
   <p:cSld>
     <p:spTree>
       <p:nvGrpSpPr>
@@ -13353,11 +17691,7 @@
             <a:pPr lvl="0"/>
             <a:r>
               <a:rPr lang="en-US" dirty="0" smtClean="0"/>
-              <a:t>Victimization by criminal </a:t>
-            </a:r>
-            <a:r>
-              <a:rPr lang="en-US" dirty="0" smtClean="0"/>
-              <a:t>activity</a:t>
+              <a:t>Victimization by criminal activity</a:t>
             </a:r>
           </a:p>
           <a:p>
@@ -13368,11 +17702,7 @@
             <a:pPr lvl="0"/>
             <a:r>
               <a:rPr lang="en-US" dirty="0" smtClean="0"/>
-              <a:t>Illegal action by a </a:t>
-            </a:r>
-            <a:r>
-              <a:rPr lang="en-US" dirty="0" smtClean="0"/>
-              <a:t>landlord</a:t>
+              <a:t>Illegal action by a landlord</a:t>
             </a:r>
           </a:p>
           <a:p>
@@ -13383,11 +17713,7 @@
             <a:pPr lvl="0"/>
             <a:r>
               <a:rPr lang="en-US" dirty="0" smtClean="0"/>
-              <a:t>Displacement by government or private </a:t>
-            </a:r>
-            <a:r>
-              <a:rPr lang="en-US" dirty="0" smtClean="0"/>
-              <a:t>action</a:t>
+              <a:t>Displacement by government or private action</a:t>
             </a:r>
           </a:p>
           <a:p>
@@ -13449,7 +17775,7 @@
 </file>
 
 <file path=ppt/slides/slide7.xml><?xml version="1.0" encoding="utf-8"?>
-<p:sld xmlns:a="http://schemas.openxmlformats.org/drawingml/2006/main" xmlns:r="http://schemas.openxmlformats.org/officeDocument/2006/relationships" xmlns:mc="http://schemas.openxmlformats.org/markup-compatibility/2006" xmlns:mv="urn:schemas-microsoft-com:mac:vml" xmlns:p="http://schemas.openxmlformats.org/presentationml/2006/main" mc:Ignorable="mv" mc:PreserveAttributes="mv:*">
+<p:sld xmlns:a="http://schemas.openxmlformats.org/drawingml/2006/main" xmlns:r="http://schemas.openxmlformats.org/officeDocument/2006/relationships" xmlns:p="http://schemas.openxmlformats.org/presentationml/2006/main">
   <p:cSld>
     <p:spTree>
       <p:nvGrpSpPr>
@@ -13630,11 +17956,7 @@
           <a:p>
             <a:r>
               <a:rPr lang="en-US" sz="2000" dirty="0" smtClean="0"/>
-              <a:t>These </a:t>
-            </a:r>
-            <a:r>
-              <a:rPr lang="en-US" sz="2000" dirty="0" smtClean="0"/>
-              <a:t>funds can be used for security deposits, rent, mortgages, and utilities who are experiencing crisis</a:t>
+              <a:t>These funds can be used for security deposits, rent, mortgages, and utilities who are experiencing crisis</a:t>
             </a:r>
             <a:endParaRPr lang="en-US" sz="2000" dirty="0"/>
           </a:p>
@@ -13729,7 +18051,7 @@
 </file>
 
 <file path=ppt/slides/slide8.xml><?xml version="1.0" encoding="utf-8"?>
-<p:sld xmlns:a="http://schemas.openxmlformats.org/drawingml/2006/main" xmlns:r="http://schemas.openxmlformats.org/officeDocument/2006/relationships" xmlns:mc="http://schemas.openxmlformats.org/markup-compatibility/2006" xmlns:mv="urn:schemas-microsoft-com:mac:vml" xmlns:p="http://schemas.openxmlformats.org/presentationml/2006/main" mc:Ignorable="mv" mc:PreserveAttributes="mv:*">
+<p:sld xmlns:a="http://schemas.openxmlformats.org/drawingml/2006/main" xmlns:r="http://schemas.openxmlformats.org/officeDocument/2006/relationships" xmlns:p="http://schemas.openxmlformats.org/presentationml/2006/main">
   <p:cSld>
     <p:spTree>
       <p:nvGrpSpPr>
@@ -13803,11 +18125,7 @@
             <a:pPr hangingPunct="0"/>
             <a:r>
               <a:rPr lang="en-US" dirty="0" smtClean="0"/>
-              <a:t>Quickly distributed resources for those in </a:t>
-            </a:r>
-            <a:r>
-              <a:rPr lang="en-US" dirty="0" smtClean="0"/>
-              <a:t>need</a:t>
+              <a:t>Quickly distributed resources for those in need</a:t>
             </a:r>
           </a:p>
           <a:p>
@@ -13915,7 +18233,7 @@
 </file>
 
 <file path=ppt/slides/slide9.xml><?xml version="1.0" encoding="utf-8"?>
-<p:sld xmlns:a="http://schemas.openxmlformats.org/drawingml/2006/main" xmlns:r="http://schemas.openxmlformats.org/officeDocument/2006/relationships" xmlns:mc="http://schemas.openxmlformats.org/markup-compatibility/2006" xmlns:mv="urn:schemas-microsoft-com:mac:vml" xmlns:p="http://schemas.openxmlformats.org/presentationml/2006/main" mc:Ignorable="mv" mc:PreserveAttributes="mv:*">
+<p:sld xmlns:a="http://schemas.openxmlformats.org/drawingml/2006/main" xmlns:r="http://schemas.openxmlformats.org/officeDocument/2006/relationships" xmlns:p="http://schemas.openxmlformats.org/presentationml/2006/main">
   <p:cSld>
     <p:spTree>
       <p:nvGrpSpPr>
